--- a/Powerpoint/Die Auftriebskraft eines Helikopters.pptx
+++ b/Powerpoint/Die Auftriebskraft eines Helikopters.pptx
@@ -5,16 +5,21 @@
     <p:sldMasterId id="2147483648" r:id="rId1"/>
   </p:sldMasterIdLst>
   <p:notesMasterIdLst>
-    <p:notesMasterId r:id="rId9"/>
+    <p:notesMasterId r:id="rId14"/>
   </p:notesMasterIdLst>
   <p:sldIdLst>
     <p:sldId id="262" r:id="rId2"/>
     <p:sldId id="257" r:id="rId3"/>
     <p:sldId id="258" r:id="rId4"/>
-    <p:sldId id="259" r:id="rId5"/>
-    <p:sldId id="263" r:id="rId6"/>
-    <p:sldId id="264" r:id="rId7"/>
-    <p:sldId id="260" r:id="rId8"/>
+    <p:sldId id="265" r:id="rId5"/>
+    <p:sldId id="266" r:id="rId6"/>
+    <p:sldId id="267" r:id="rId7"/>
+    <p:sldId id="259" r:id="rId8"/>
+    <p:sldId id="268" r:id="rId9"/>
+    <p:sldId id="269" r:id="rId10"/>
+    <p:sldId id="263" r:id="rId11"/>
+    <p:sldId id="264" r:id="rId12"/>
+    <p:sldId id="260" r:id="rId13"/>
   </p:sldIdLst>
   <p:sldSz cx="12192000" cy="6858000"/>
   <p:notesSz cx="6858000" cy="9144000"/>
@@ -113,13 +118,18 @@
       </a:defRPr>
     </a:lvl9pPr>
   </p:defaultTextStyle>
+  <p:extLst>
+    <p:ext uri="{EFAFB233-063F-42B5-8137-9DF3F51BA10A}">
+      <p15:sldGuideLst xmlns:p15="http://schemas.microsoft.com/office/powerpoint/2012/main"/>
+    </p:ext>
+  </p:extLst>
 </p:presentation>
 </file>
 
 <file path=ppt/revisionInfo.xml><?xml version="1.0" encoding="utf-8"?>
 <p1510:revInfo xmlns:a="http://schemas.openxmlformats.org/drawingml/2006/main" xmlns:r="http://schemas.openxmlformats.org/officeDocument/2006/relationships" xmlns:p1510="http://schemas.microsoft.com/office/powerpoint/2015/10/main">
   <p1510:revLst>
-    <p1510:client id="{39A641A9-EA47-4E54-8505-A34E480A5336}" v="223" dt="2024-02-02T21:21:40.698"/>
+    <p1510:client id="{0332A5B8-307D-4FA0-B153-3BCBC8624CA9}" v="2057" dt="2024-02-04T14:52:51.125"/>
   </p1510:revLst>
 </p1510:revInfo>
 </file>
@@ -419,6 +429,692 @@
             <ac:spMk id="2" creationId="{743CFFD7-77FB-DCAF-32F8-2620169107B0}"/>
           </ac:spMkLst>
         </pc:spChg>
+      </pc:sldChg>
+    </pc:docChg>
+  </pc:docChgLst>
+  <pc:docChgLst>
+    <pc:chgData name="Corvus Vorion" userId="887645e4986febd1" providerId="LiveId" clId="{0332A5B8-307D-4FA0-B153-3BCBC8624CA9}"/>
+    <pc:docChg chg="undo custSel addSld modSld sldOrd">
+      <pc:chgData name="Corvus Vorion" userId="887645e4986febd1" providerId="LiveId" clId="{0332A5B8-307D-4FA0-B153-3BCBC8624CA9}" dt="2024-02-04T14:52:51.124" v="4989" actId="1076"/>
+      <pc:docMkLst>
+        <pc:docMk/>
+      </pc:docMkLst>
+      <pc:sldChg chg="modSp mod">
+        <pc:chgData name="Corvus Vorion" userId="887645e4986febd1" providerId="LiveId" clId="{0332A5B8-307D-4FA0-B153-3BCBC8624CA9}" dt="2024-02-04T11:52:10.703" v="2342"/>
+        <pc:sldMkLst>
+          <pc:docMk/>
+          <pc:sldMk cId="1689064423" sldId="257"/>
+        </pc:sldMkLst>
+        <pc:spChg chg="mod">
+          <ac:chgData name="Corvus Vorion" userId="887645e4986febd1" providerId="LiveId" clId="{0332A5B8-307D-4FA0-B153-3BCBC8624CA9}" dt="2024-02-04T11:47:55.494" v="2068" actId="20577"/>
+          <ac:spMkLst>
+            <pc:docMk/>
+            <pc:sldMk cId="1689064423" sldId="257"/>
+            <ac:spMk id="3" creationId="{2F5B99B5-730E-4871-83F3-585705898FD0}"/>
+          </ac:spMkLst>
+        </pc:spChg>
+        <pc:picChg chg="mod">
+          <ac:chgData name="Corvus Vorion" userId="887645e4986febd1" providerId="LiveId" clId="{0332A5B8-307D-4FA0-B153-3BCBC8624CA9}" dt="2024-02-04T11:52:10.703" v="2342"/>
+          <ac:picMkLst>
+            <pc:docMk/>
+            <pc:sldMk cId="1689064423" sldId="257"/>
+            <ac:picMk id="4" creationId="{38633C28-A692-D03E-BA39-7AFC8010A5E8}"/>
+          </ac:picMkLst>
+        </pc:picChg>
+      </pc:sldChg>
+      <pc:sldChg chg="addSp delSp modSp mod">
+        <pc:chgData name="Corvus Vorion" userId="887645e4986febd1" providerId="LiveId" clId="{0332A5B8-307D-4FA0-B153-3BCBC8624CA9}" dt="2024-02-04T12:45:24.501" v="3143" actId="1076"/>
+        <pc:sldMkLst>
+          <pc:docMk/>
+          <pc:sldMk cId="3110975989" sldId="258"/>
+        </pc:sldMkLst>
+        <pc:spChg chg="del">
+          <ac:chgData name="Corvus Vorion" userId="887645e4986febd1" providerId="LiveId" clId="{0332A5B8-307D-4FA0-B153-3BCBC8624CA9}" dt="2024-02-04T10:43:07.777" v="6"/>
+          <ac:spMkLst>
+            <pc:docMk/>
+            <pc:sldMk cId="3110975989" sldId="258"/>
+            <ac:spMk id="3" creationId="{5D2E1A75-CDAE-8E4E-639B-012D525D3345}"/>
+          </ac:spMkLst>
+        </pc:spChg>
+        <pc:spChg chg="add mod">
+          <ac:chgData name="Corvus Vorion" userId="887645e4986febd1" providerId="LiveId" clId="{0332A5B8-307D-4FA0-B153-3BCBC8624CA9}" dt="2024-02-04T11:09:35.716" v="743" actId="1076"/>
+          <ac:spMkLst>
+            <pc:docMk/>
+            <pc:sldMk cId="3110975989" sldId="258"/>
+            <ac:spMk id="9" creationId="{AB5A35E1-29DF-90B3-3785-87831D2952CA}"/>
+          </ac:spMkLst>
+        </pc:spChg>
+        <pc:spChg chg="add mod">
+          <ac:chgData name="Corvus Vorion" userId="887645e4986febd1" providerId="LiveId" clId="{0332A5B8-307D-4FA0-B153-3BCBC8624CA9}" dt="2024-02-04T11:12:54.611" v="877" actId="20577"/>
+          <ac:spMkLst>
+            <pc:docMk/>
+            <pc:sldMk cId="3110975989" sldId="258"/>
+            <ac:spMk id="10" creationId="{62557AFA-8F5F-50EF-8153-50EEE4336CBB}"/>
+          </ac:spMkLst>
+        </pc:spChg>
+        <pc:picChg chg="add mod">
+          <ac:chgData name="Corvus Vorion" userId="887645e4986febd1" providerId="LiveId" clId="{0332A5B8-307D-4FA0-B153-3BCBC8624CA9}" dt="2024-02-04T11:09:35.716" v="743" actId="1076"/>
+          <ac:picMkLst>
+            <pc:docMk/>
+            <pc:sldMk cId="3110975989" sldId="258"/>
+            <ac:picMk id="5" creationId="{2B7D65F9-4166-B998-7B52-C4069AC2E1DA}"/>
+          </ac:picMkLst>
+        </pc:picChg>
+        <pc:picChg chg="add del mod">
+          <ac:chgData name="Corvus Vorion" userId="887645e4986febd1" providerId="LiveId" clId="{0332A5B8-307D-4FA0-B153-3BCBC8624CA9}" dt="2024-02-04T10:45:48.801" v="16" actId="478"/>
+          <ac:picMkLst>
+            <pc:docMk/>
+            <pc:sldMk cId="3110975989" sldId="258"/>
+            <ac:picMk id="6" creationId="{642AD663-FB5F-8B46-F170-3C1EF45562E4}"/>
+          </ac:picMkLst>
+        </pc:picChg>
+        <pc:picChg chg="add mod ord">
+          <ac:chgData name="Corvus Vorion" userId="887645e4986febd1" providerId="LiveId" clId="{0332A5B8-307D-4FA0-B153-3BCBC8624CA9}" dt="2024-02-04T12:45:01.981" v="3138" actId="171"/>
+          <ac:picMkLst>
+            <pc:docMk/>
+            <pc:sldMk cId="3110975989" sldId="258"/>
+            <ac:picMk id="8" creationId="{AB94F02E-E97C-0A78-B16C-164092B25AAD}"/>
+          </ac:picMkLst>
+        </pc:picChg>
+        <pc:picChg chg="add mod">
+          <ac:chgData name="Corvus Vorion" userId="887645e4986febd1" providerId="LiveId" clId="{0332A5B8-307D-4FA0-B153-3BCBC8624CA9}" dt="2024-02-04T12:45:24.501" v="3143" actId="1076"/>
+          <ac:picMkLst>
+            <pc:docMk/>
+            <pc:sldMk cId="3110975989" sldId="258"/>
+            <ac:picMk id="11" creationId="{91E7F901-2D47-812E-8B57-EA1796DCB4C9}"/>
+          </ac:picMkLst>
+        </pc:picChg>
+      </pc:sldChg>
+      <pc:sldChg chg="addSp delSp modSp mod">
+        <pc:chgData name="Corvus Vorion" userId="887645e4986febd1" providerId="LiveId" clId="{0332A5B8-307D-4FA0-B153-3BCBC8624CA9}" dt="2024-02-04T12:42:01.922" v="3131" actId="1076"/>
+        <pc:sldMkLst>
+          <pc:docMk/>
+          <pc:sldMk cId="252575601" sldId="259"/>
+        </pc:sldMkLst>
+        <pc:spChg chg="mod">
+          <ac:chgData name="Corvus Vorion" userId="887645e4986febd1" providerId="LiveId" clId="{0332A5B8-307D-4FA0-B153-3BCBC8624CA9}" dt="2024-02-04T12:34:05.384" v="2921" actId="1076"/>
+          <ac:spMkLst>
+            <pc:docMk/>
+            <pc:sldMk cId="252575601" sldId="259"/>
+            <ac:spMk id="3" creationId="{0284E67B-10B8-15A0-CB10-02DF7EF9A01C}"/>
+          </ac:spMkLst>
+        </pc:spChg>
+        <pc:spChg chg="add mod">
+          <ac:chgData name="Corvus Vorion" userId="887645e4986febd1" providerId="LiveId" clId="{0332A5B8-307D-4FA0-B153-3BCBC8624CA9}" dt="2024-02-04T12:37:12.753" v="3029" actId="1076"/>
+          <ac:spMkLst>
+            <pc:docMk/>
+            <pc:sldMk cId="252575601" sldId="259"/>
+            <ac:spMk id="6" creationId="{C2A4FB62-A195-B5AB-B095-A80EB2C74FC0}"/>
+          </ac:spMkLst>
+        </pc:spChg>
+        <pc:spChg chg="add mod">
+          <ac:chgData name="Corvus Vorion" userId="887645e4986febd1" providerId="LiveId" clId="{0332A5B8-307D-4FA0-B153-3BCBC8624CA9}" dt="2024-02-04T12:40:01.157" v="3121" actId="1076"/>
+          <ac:spMkLst>
+            <pc:docMk/>
+            <pc:sldMk cId="252575601" sldId="259"/>
+            <ac:spMk id="9" creationId="{15482757-81EF-D6F2-C192-0AE3C866DD4B}"/>
+          </ac:spMkLst>
+        </pc:spChg>
+        <pc:picChg chg="add mod ord">
+          <ac:chgData name="Corvus Vorion" userId="887645e4986febd1" providerId="LiveId" clId="{0332A5B8-307D-4FA0-B153-3BCBC8624CA9}" dt="2024-02-04T12:33:59.675" v="2920" actId="1076"/>
+          <ac:picMkLst>
+            <pc:docMk/>
+            <pc:sldMk cId="252575601" sldId="259"/>
+            <ac:picMk id="5" creationId="{9C63C1A0-376B-15DF-38F2-40532EBF7B78}"/>
+          </ac:picMkLst>
+        </pc:picChg>
+        <pc:picChg chg="add del">
+          <ac:chgData name="Corvus Vorion" userId="887645e4986febd1" providerId="LiveId" clId="{0332A5B8-307D-4FA0-B153-3BCBC8624CA9}" dt="2024-02-04T12:34:28.474" v="2925" actId="478"/>
+          <ac:picMkLst>
+            <pc:docMk/>
+            <pc:sldMk cId="252575601" sldId="259"/>
+            <ac:picMk id="8" creationId="{11DEC8B2-3FB1-9FC2-062E-6986B04A0E48}"/>
+          </ac:picMkLst>
+        </pc:picChg>
+        <pc:picChg chg="add mod">
+          <ac:chgData name="Corvus Vorion" userId="887645e4986febd1" providerId="LiveId" clId="{0332A5B8-307D-4FA0-B153-3BCBC8624CA9}" dt="2024-02-04T12:37:08.842" v="3028" actId="1076"/>
+          <ac:picMkLst>
+            <pc:docMk/>
+            <pc:sldMk cId="252575601" sldId="259"/>
+            <ac:picMk id="11" creationId="{E53ADF6C-7864-BD26-0C40-90BE8DBA325B}"/>
+          </ac:picMkLst>
+        </pc:picChg>
+        <pc:picChg chg="add mod ord">
+          <ac:chgData name="Corvus Vorion" userId="887645e4986febd1" providerId="LiveId" clId="{0332A5B8-307D-4FA0-B153-3BCBC8624CA9}" dt="2024-02-04T12:39:57.069" v="3120" actId="1076"/>
+          <ac:picMkLst>
+            <pc:docMk/>
+            <pc:sldMk cId="252575601" sldId="259"/>
+            <ac:picMk id="13" creationId="{1F75FF94-2673-DB24-18D6-F1FFD58BDDA5}"/>
+          </ac:picMkLst>
+        </pc:picChg>
+        <pc:picChg chg="add mod">
+          <ac:chgData name="Corvus Vorion" userId="887645e4986febd1" providerId="LiveId" clId="{0332A5B8-307D-4FA0-B153-3BCBC8624CA9}" dt="2024-02-04T12:42:01.922" v="3131" actId="1076"/>
+          <ac:picMkLst>
+            <pc:docMk/>
+            <pc:sldMk cId="252575601" sldId="259"/>
+            <ac:picMk id="14" creationId="{169E6EB3-7F4D-C27C-653A-F30DD2DD57F9}"/>
+          </ac:picMkLst>
+        </pc:picChg>
+      </pc:sldChg>
+      <pc:sldChg chg="addSp delSp modSp mod">
+        <pc:chgData name="Corvus Vorion" userId="887645e4986febd1" providerId="LiveId" clId="{0332A5B8-307D-4FA0-B153-3BCBC8624CA9}" dt="2024-02-04T10:43:03.438" v="5" actId="21"/>
+        <pc:sldMkLst>
+          <pc:docMk/>
+          <pc:sldMk cId="2239308684" sldId="260"/>
+        </pc:sldMkLst>
+        <pc:picChg chg="add del mod">
+          <ac:chgData name="Corvus Vorion" userId="887645e4986febd1" providerId="LiveId" clId="{0332A5B8-307D-4FA0-B153-3BCBC8624CA9}" dt="2024-02-04T10:43:03.438" v="5" actId="21"/>
+          <ac:picMkLst>
+            <pc:docMk/>
+            <pc:sldMk cId="2239308684" sldId="260"/>
+            <ac:picMk id="5" creationId="{2B7D65F9-4166-B998-7B52-C4069AC2E1DA}"/>
+          </ac:picMkLst>
+        </pc:picChg>
+      </pc:sldChg>
+      <pc:sldChg chg="modSp setBg">
+        <pc:chgData name="Corvus Vorion" userId="887645e4986febd1" providerId="LiveId" clId="{0332A5B8-307D-4FA0-B153-3BCBC8624CA9}" dt="2024-02-04T11:52:02.923" v="2341"/>
+        <pc:sldMkLst>
+          <pc:docMk/>
+          <pc:sldMk cId="685961285" sldId="262"/>
+        </pc:sldMkLst>
+        <pc:picChg chg="mod">
+          <ac:chgData name="Corvus Vorion" userId="887645e4986febd1" providerId="LiveId" clId="{0332A5B8-307D-4FA0-B153-3BCBC8624CA9}" dt="2024-02-04T11:52:02.923" v="2341"/>
+          <ac:picMkLst>
+            <pc:docMk/>
+            <pc:sldMk cId="685961285" sldId="262"/>
+            <ac:picMk id="2050" creationId="{E251213F-A2F4-1F01-624C-F172BCB4688E}"/>
+          </ac:picMkLst>
+        </pc:picChg>
+      </pc:sldChg>
+      <pc:sldChg chg="addSp delSp modSp mod">
+        <pc:chgData name="Corvus Vorion" userId="887645e4986febd1" providerId="LiveId" clId="{0332A5B8-307D-4FA0-B153-3BCBC8624CA9}" dt="2024-02-04T14:52:51.124" v="4989" actId="1076"/>
+        <pc:sldMkLst>
+          <pc:docMk/>
+          <pc:sldMk cId="1014420853" sldId="263"/>
+        </pc:sldMkLst>
+        <pc:spChg chg="del">
+          <ac:chgData name="Corvus Vorion" userId="887645e4986febd1" providerId="LiveId" clId="{0332A5B8-307D-4FA0-B153-3BCBC8624CA9}" dt="2024-02-04T14:39:31.794" v="4630" actId="478"/>
+          <ac:spMkLst>
+            <pc:docMk/>
+            <pc:sldMk cId="1014420853" sldId="263"/>
+            <ac:spMk id="3" creationId="{EDFFE8C3-700F-0BA1-698F-1C12316D196A}"/>
+          </ac:spMkLst>
+        </pc:spChg>
+        <pc:spChg chg="add mod">
+          <ac:chgData name="Corvus Vorion" userId="887645e4986febd1" providerId="LiveId" clId="{0332A5B8-307D-4FA0-B153-3BCBC8624CA9}" dt="2024-02-04T14:46:08.232" v="4765" actId="1076"/>
+          <ac:spMkLst>
+            <pc:docMk/>
+            <pc:sldMk cId="1014420853" sldId="263"/>
+            <ac:spMk id="4" creationId="{36E8FD8B-36C1-0FF0-E46C-4DE825487FB8}"/>
+          </ac:spMkLst>
+        </pc:spChg>
+        <pc:spChg chg="add mod">
+          <ac:chgData name="Corvus Vorion" userId="887645e4986febd1" providerId="LiveId" clId="{0332A5B8-307D-4FA0-B153-3BCBC8624CA9}" dt="2024-02-04T14:44:47.003" v="4764" actId="1076"/>
+          <ac:spMkLst>
+            <pc:docMk/>
+            <pc:sldMk cId="1014420853" sldId="263"/>
+            <ac:spMk id="9" creationId="{A41264C2-16E7-50A3-009E-47584B7F67DA}"/>
+          </ac:spMkLst>
+        </pc:spChg>
+        <pc:spChg chg="add mod">
+          <ac:chgData name="Corvus Vorion" userId="887645e4986febd1" providerId="LiveId" clId="{0332A5B8-307D-4FA0-B153-3BCBC8624CA9}" dt="2024-02-04T14:49:24.077" v="4976" actId="1076"/>
+          <ac:spMkLst>
+            <pc:docMk/>
+            <pc:sldMk cId="1014420853" sldId="263"/>
+            <ac:spMk id="10" creationId="{7483FF43-DD87-EFC3-332C-11FB419007F3}"/>
+          </ac:spMkLst>
+        </pc:spChg>
+        <pc:spChg chg="add mod">
+          <ac:chgData name="Corvus Vorion" userId="887645e4986febd1" providerId="LiveId" clId="{0332A5B8-307D-4FA0-B153-3BCBC8624CA9}" dt="2024-02-04T14:48:44.946" v="4927" actId="20577"/>
+          <ac:spMkLst>
+            <pc:docMk/>
+            <pc:sldMk cId="1014420853" sldId="263"/>
+            <ac:spMk id="11" creationId="{8DC0D0C6-A72E-6E43-2C67-5CE1718B029C}"/>
+          </ac:spMkLst>
+        </pc:spChg>
+        <pc:picChg chg="add mod">
+          <ac:chgData name="Corvus Vorion" userId="887645e4986febd1" providerId="LiveId" clId="{0332A5B8-307D-4FA0-B153-3BCBC8624CA9}" dt="2024-02-04T14:43:48.184" v="4757" actId="1076"/>
+          <ac:picMkLst>
+            <pc:docMk/>
+            <pc:sldMk cId="1014420853" sldId="263"/>
+            <ac:picMk id="6" creationId="{1459509D-A056-1146-0C00-269FECDC7307}"/>
+          </ac:picMkLst>
+        </pc:picChg>
+        <pc:picChg chg="add mod">
+          <ac:chgData name="Corvus Vorion" userId="887645e4986febd1" providerId="LiveId" clId="{0332A5B8-307D-4FA0-B153-3BCBC8624CA9}" dt="2024-02-04T14:44:13.154" v="4759" actId="1076"/>
+          <ac:picMkLst>
+            <pc:docMk/>
+            <pc:sldMk cId="1014420853" sldId="263"/>
+            <ac:picMk id="8" creationId="{D430472B-85F9-E212-4613-E22A27949C07}"/>
+          </ac:picMkLst>
+        </pc:picChg>
+        <pc:picChg chg="add mod">
+          <ac:chgData name="Corvus Vorion" userId="887645e4986febd1" providerId="LiveId" clId="{0332A5B8-307D-4FA0-B153-3BCBC8624CA9}" dt="2024-02-04T14:52:51.124" v="4989" actId="1076"/>
+          <ac:picMkLst>
+            <pc:docMk/>
+            <pc:sldMk cId="1014420853" sldId="263"/>
+            <ac:picMk id="12" creationId="{BC1BAE6F-C70C-6950-8501-2CC4D2B28AB2}"/>
+          </ac:picMkLst>
+        </pc:picChg>
+        <pc:picChg chg="add del">
+          <ac:chgData name="Corvus Vorion" userId="887645e4986febd1" providerId="LiveId" clId="{0332A5B8-307D-4FA0-B153-3BCBC8624CA9}" dt="2024-02-04T14:40:11.705" v="4632" actId="478"/>
+          <ac:picMkLst>
+            <pc:docMk/>
+            <pc:sldMk cId="1014420853" sldId="263"/>
+            <ac:picMk id="1026" creationId="{678A5A84-1111-D753-7EF3-BA00DD3F3F7E}"/>
+          </ac:picMkLst>
+        </pc:picChg>
+        <pc:picChg chg="add del mod">
+          <ac:chgData name="Corvus Vorion" userId="887645e4986febd1" providerId="LiveId" clId="{0332A5B8-307D-4FA0-B153-3BCBC8624CA9}" dt="2024-02-04T14:40:55.068" v="4635" actId="478"/>
+          <ac:picMkLst>
+            <pc:docMk/>
+            <pc:sldMk cId="1014420853" sldId="263"/>
+            <ac:picMk id="1028" creationId="{8A6EEF12-833C-7029-BF6C-7A6817D5EA55}"/>
+          </ac:picMkLst>
+        </pc:picChg>
+      </pc:sldChg>
+      <pc:sldChg chg="addSp delSp modSp add mod">
+        <pc:chgData name="Corvus Vorion" userId="887645e4986febd1" providerId="LiveId" clId="{0332A5B8-307D-4FA0-B153-3BCBC8624CA9}" dt="2024-02-04T12:42:58.972" v="3133" actId="688"/>
+        <pc:sldMkLst>
+          <pc:docMk/>
+          <pc:sldMk cId="1000767671" sldId="265"/>
+        </pc:sldMkLst>
+        <pc:spChg chg="add del mod ord">
+          <ac:chgData name="Corvus Vorion" userId="887645e4986febd1" providerId="LiveId" clId="{0332A5B8-307D-4FA0-B153-3BCBC8624CA9}" dt="2024-02-04T10:48:55.139" v="33" actId="478"/>
+          <ac:spMkLst>
+            <pc:docMk/>
+            <pc:sldMk cId="1000767671" sldId="265"/>
+            <ac:spMk id="4" creationId="{1428000A-FDD9-AC6E-6A1C-3F5FA843D17E}"/>
+          </ac:spMkLst>
+        </pc:spChg>
+        <pc:spChg chg="add del mod">
+          <ac:chgData name="Corvus Vorion" userId="887645e4986febd1" providerId="LiveId" clId="{0332A5B8-307D-4FA0-B153-3BCBC8624CA9}" dt="2024-02-04T10:51:09.883" v="71" actId="478"/>
+          <ac:spMkLst>
+            <pc:docMk/>
+            <pc:sldMk cId="1000767671" sldId="265"/>
+            <ac:spMk id="11" creationId="{50C99295-E4B7-EB16-5DA7-FBF8DE2E1722}"/>
+          </ac:spMkLst>
+        </pc:spChg>
+        <pc:spChg chg="add del mod">
+          <ac:chgData name="Corvus Vorion" userId="887645e4986febd1" providerId="LiveId" clId="{0332A5B8-307D-4FA0-B153-3BCBC8624CA9}" dt="2024-02-04T10:51:07.317" v="70" actId="478"/>
+          <ac:spMkLst>
+            <pc:docMk/>
+            <pc:sldMk cId="1000767671" sldId="265"/>
+            <ac:spMk id="12" creationId="{E8C43DBC-9771-7902-5FE0-42D591CB34A6}"/>
+          </ac:spMkLst>
+        </pc:spChg>
+        <pc:spChg chg="add mod">
+          <ac:chgData name="Corvus Vorion" userId="887645e4986febd1" providerId="LiveId" clId="{0332A5B8-307D-4FA0-B153-3BCBC8624CA9}" dt="2024-02-04T11:24:56.769" v="1054" actId="14100"/>
+          <ac:spMkLst>
+            <pc:docMk/>
+            <pc:sldMk cId="1000767671" sldId="265"/>
+            <ac:spMk id="14" creationId="{FCCC7178-5F14-FA05-7085-C1C427FD5A03}"/>
+          </ac:spMkLst>
+        </pc:spChg>
+        <pc:spChg chg="add mod">
+          <ac:chgData name="Corvus Vorion" userId="887645e4986febd1" providerId="LiveId" clId="{0332A5B8-307D-4FA0-B153-3BCBC8624CA9}" dt="2024-02-04T11:36:04.328" v="1641" actId="20577"/>
+          <ac:spMkLst>
+            <pc:docMk/>
+            <pc:sldMk cId="1000767671" sldId="265"/>
+            <ac:spMk id="15" creationId="{384540EF-F1EF-138E-A57A-888ADF1A97C2}"/>
+          </ac:spMkLst>
+        </pc:spChg>
+        <pc:picChg chg="del">
+          <ac:chgData name="Corvus Vorion" userId="887645e4986febd1" providerId="LiveId" clId="{0332A5B8-307D-4FA0-B153-3BCBC8624CA9}" dt="2024-02-04T10:47:17.564" v="20" actId="478"/>
+          <ac:picMkLst>
+            <pc:docMk/>
+            <pc:sldMk cId="1000767671" sldId="265"/>
+            <ac:picMk id="5" creationId="{2B7D65F9-4166-B998-7B52-C4069AC2E1DA}"/>
+          </ac:picMkLst>
+        </pc:picChg>
+        <pc:picChg chg="add mod">
+          <ac:chgData name="Corvus Vorion" userId="887645e4986febd1" providerId="LiveId" clId="{0332A5B8-307D-4FA0-B153-3BCBC8624CA9}" dt="2024-02-04T11:10:10.689" v="745" actId="1076"/>
+          <ac:picMkLst>
+            <pc:docMk/>
+            <pc:sldMk cId="1000767671" sldId="265"/>
+            <ac:picMk id="7" creationId="{A07099E0-350C-949F-E1A1-4068DE7D6A3F}"/>
+          </ac:picMkLst>
+        </pc:picChg>
+        <pc:picChg chg="add del mod">
+          <ac:chgData name="Corvus Vorion" userId="887645e4986febd1" providerId="LiveId" clId="{0332A5B8-307D-4FA0-B153-3BCBC8624CA9}" dt="2024-02-04T10:48:16.891" v="28" actId="478"/>
+          <ac:picMkLst>
+            <pc:docMk/>
+            <pc:sldMk cId="1000767671" sldId="265"/>
+            <ac:picMk id="8" creationId="{AB94F02E-E97C-0A78-B16C-164092B25AAD}"/>
+          </ac:picMkLst>
+        </pc:picChg>
+        <pc:picChg chg="add mod">
+          <ac:chgData name="Corvus Vorion" userId="887645e4986febd1" providerId="LiveId" clId="{0332A5B8-307D-4FA0-B153-3BCBC8624CA9}" dt="2024-02-04T11:51:00.111" v="2110" actId="1076"/>
+          <ac:picMkLst>
+            <pc:docMk/>
+            <pc:sldMk cId="1000767671" sldId="265"/>
+            <ac:picMk id="10" creationId="{62834C9A-F082-EB74-0585-5120474776BE}"/>
+          </ac:picMkLst>
+        </pc:picChg>
+        <pc:picChg chg="add mod">
+          <ac:chgData name="Corvus Vorion" userId="887645e4986febd1" providerId="LiveId" clId="{0332A5B8-307D-4FA0-B153-3BCBC8624CA9}" dt="2024-02-04T12:42:58.972" v="3133" actId="688"/>
+          <ac:picMkLst>
+            <pc:docMk/>
+            <pc:sldMk cId="1000767671" sldId="265"/>
+            <ac:picMk id="13" creationId="{494B7586-08DC-FE3E-31AA-BD33D76D0E67}"/>
+          </ac:picMkLst>
+        </pc:picChg>
+      </pc:sldChg>
+      <pc:sldChg chg="addSp modSp add mod ord">
+        <pc:chgData name="Corvus Vorion" userId="887645e4986febd1" providerId="LiveId" clId="{0332A5B8-307D-4FA0-B153-3BCBC8624CA9}" dt="2024-02-04T12:43:06.764" v="3134" actId="688"/>
+        <pc:sldMkLst>
+          <pc:docMk/>
+          <pc:sldMk cId="3125808924" sldId="266"/>
+        </pc:sldMkLst>
+        <pc:spChg chg="mod">
+          <ac:chgData name="Corvus Vorion" userId="887645e4986febd1" providerId="LiveId" clId="{0332A5B8-307D-4FA0-B153-3BCBC8624CA9}" dt="2024-02-04T11:39:00.076" v="1744" actId="20577"/>
+          <ac:spMkLst>
+            <pc:docMk/>
+            <pc:sldMk cId="3125808924" sldId="266"/>
+            <ac:spMk id="2" creationId="{CD591FE4-4551-A548-DA04-236E34277E2F}"/>
+          </ac:spMkLst>
+        </pc:spChg>
+        <pc:spChg chg="mod">
+          <ac:chgData name="Corvus Vorion" userId="887645e4986febd1" providerId="LiveId" clId="{0332A5B8-307D-4FA0-B153-3BCBC8624CA9}" dt="2024-02-04T11:45:38.603" v="2052" actId="20577"/>
+          <ac:spMkLst>
+            <pc:docMk/>
+            <pc:sldMk cId="3125808924" sldId="266"/>
+            <ac:spMk id="3" creationId="{0284E67B-10B8-15A0-CB10-02DF7EF9A01C}"/>
+          </ac:spMkLst>
+        </pc:spChg>
+        <pc:picChg chg="add mod ord">
+          <ac:chgData name="Corvus Vorion" userId="887645e4986febd1" providerId="LiveId" clId="{0332A5B8-307D-4FA0-B153-3BCBC8624CA9}" dt="2024-02-04T11:46:17.197" v="2056" actId="171"/>
+          <ac:picMkLst>
+            <pc:docMk/>
+            <pc:sldMk cId="3125808924" sldId="266"/>
+            <ac:picMk id="5" creationId="{7C18617A-C82C-B569-0E25-DAF3163A49ED}"/>
+          </ac:picMkLst>
+        </pc:picChg>
+        <pc:picChg chg="add mod">
+          <ac:chgData name="Corvus Vorion" userId="887645e4986febd1" providerId="LiveId" clId="{0332A5B8-307D-4FA0-B153-3BCBC8624CA9}" dt="2024-02-04T12:43:06.764" v="3134" actId="688"/>
+          <ac:picMkLst>
+            <pc:docMk/>
+            <pc:sldMk cId="3125808924" sldId="266"/>
+            <ac:picMk id="6" creationId="{19CE7DBA-A996-B79B-BCB8-354696F2F867}"/>
+          </ac:picMkLst>
+        </pc:picChg>
+      </pc:sldChg>
+      <pc:sldChg chg="addSp modSp add mod ord">
+        <pc:chgData name="Corvus Vorion" userId="887645e4986febd1" providerId="LiveId" clId="{0332A5B8-307D-4FA0-B153-3BCBC8624CA9}" dt="2024-02-04T12:03:29.730" v="2636" actId="1076"/>
+        <pc:sldMkLst>
+          <pc:docMk/>
+          <pc:sldMk cId="2975463447" sldId="267"/>
+        </pc:sldMkLst>
+        <pc:spChg chg="mod">
+          <ac:chgData name="Corvus Vorion" userId="887645e4986febd1" providerId="LiveId" clId="{0332A5B8-307D-4FA0-B153-3BCBC8624CA9}" dt="2024-02-04T11:48:11.401" v="2107" actId="20577"/>
+          <ac:spMkLst>
+            <pc:docMk/>
+            <pc:sldMk cId="2975463447" sldId="267"/>
+            <ac:spMk id="2" creationId="{CD591FE4-4551-A548-DA04-236E34277E2F}"/>
+          </ac:spMkLst>
+        </pc:spChg>
+        <pc:spChg chg="mod">
+          <ac:chgData name="Corvus Vorion" userId="887645e4986febd1" providerId="LiveId" clId="{0332A5B8-307D-4FA0-B153-3BCBC8624CA9}" dt="2024-02-04T12:03:01.535" v="2633" actId="20577"/>
+          <ac:spMkLst>
+            <pc:docMk/>
+            <pc:sldMk cId="2975463447" sldId="267"/>
+            <ac:spMk id="3" creationId="{0284E67B-10B8-15A0-CB10-02DF7EF9A01C}"/>
+          </ac:spMkLst>
+        </pc:spChg>
+        <pc:picChg chg="add mod ord">
+          <ac:chgData name="Corvus Vorion" userId="887645e4986febd1" providerId="LiveId" clId="{0332A5B8-307D-4FA0-B153-3BCBC8624CA9}" dt="2024-02-04T12:03:13.881" v="2634" actId="1076"/>
+          <ac:picMkLst>
+            <pc:docMk/>
+            <pc:sldMk cId="2975463447" sldId="267"/>
+            <ac:picMk id="5" creationId="{D7D501B0-E5D3-BFB1-9DC3-875AB6BAF956}"/>
+          </ac:picMkLst>
+        </pc:picChg>
+        <pc:picChg chg="add mod">
+          <ac:chgData name="Corvus Vorion" userId="887645e4986febd1" providerId="LiveId" clId="{0332A5B8-307D-4FA0-B153-3BCBC8624CA9}" dt="2024-02-04T12:03:29.730" v="2636" actId="1076"/>
+          <ac:picMkLst>
+            <pc:docMk/>
+            <pc:sldMk cId="2975463447" sldId="267"/>
+            <ac:picMk id="6" creationId="{B3D53604-6576-880D-AC95-3FDB58FB77CB}"/>
+          </ac:picMkLst>
+        </pc:picChg>
+      </pc:sldChg>
+      <pc:sldChg chg="addSp delSp modSp add mod">
+        <pc:chgData name="Corvus Vorion" userId="887645e4986febd1" providerId="LiveId" clId="{0332A5B8-307D-4FA0-B153-3BCBC8624CA9}" dt="2024-02-04T13:36:51.840" v="4344" actId="1076"/>
+        <pc:sldMkLst>
+          <pc:docMk/>
+          <pc:sldMk cId="899863233" sldId="268"/>
+        </pc:sldMkLst>
+        <pc:spChg chg="del">
+          <ac:chgData name="Corvus Vorion" userId="887645e4986febd1" providerId="LiveId" clId="{0332A5B8-307D-4FA0-B153-3BCBC8624CA9}" dt="2024-02-04T12:48:37.071" v="3154" actId="478"/>
+          <ac:spMkLst>
+            <pc:docMk/>
+            <pc:sldMk cId="899863233" sldId="268"/>
+            <ac:spMk id="3" creationId="{0284E67B-10B8-15A0-CB10-02DF7EF9A01C}"/>
+          </ac:spMkLst>
+        </pc:spChg>
+        <pc:spChg chg="del mod">
+          <ac:chgData name="Corvus Vorion" userId="887645e4986febd1" providerId="LiveId" clId="{0332A5B8-307D-4FA0-B153-3BCBC8624CA9}" dt="2024-02-04T12:48:33.853" v="3153" actId="478"/>
+          <ac:spMkLst>
+            <pc:docMk/>
+            <pc:sldMk cId="899863233" sldId="268"/>
+            <ac:spMk id="6" creationId="{C2A4FB62-A195-B5AB-B095-A80EB2C74FC0}"/>
+          </ac:spMkLst>
+        </pc:spChg>
+        <pc:spChg chg="add del mod">
+          <ac:chgData name="Corvus Vorion" userId="887645e4986febd1" providerId="LiveId" clId="{0332A5B8-307D-4FA0-B153-3BCBC8624CA9}" dt="2024-02-04T12:50:21.482" v="3156" actId="478"/>
+          <ac:spMkLst>
+            <pc:docMk/>
+            <pc:sldMk cId="899863233" sldId="268"/>
+            <ac:spMk id="7" creationId="{70EEDAED-9255-5761-478B-ADC1AD6F98CB}"/>
+          </ac:spMkLst>
+        </pc:spChg>
+        <pc:spChg chg="add mod">
+          <ac:chgData name="Corvus Vorion" userId="887645e4986febd1" providerId="LiveId" clId="{0332A5B8-307D-4FA0-B153-3BCBC8624CA9}" dt="2024-02-04T12:56:17.228" v="3497" actId="20577"/>
+          <ac:spMkLst>
+            <pc:docMk/>
+            <pc:sldMk cId="899863233" sldId="268"/>
+            <ac:spMk id="8" creationId="{43F72797-094E-74BE-3305-57F7E0C9C283}"/>
+          </ac:spMkLst>
+        </pc:spChg>
+        <pc:spChg chg="del mod">
+          <ac:chgData name="Corvus Vorion" userId="887645e4986febd1" providerId="LiveId" clId="{0332A5B8-307D-4FA0-B153-3BCBC8624CA9}" dt="2024-02-04T12:48:12.536" v="3148" actId="478"/>
+          <ac:spMkLst>
+            <pc:docMk/>
+            <pc:sldMk cId="899863233" sldId="268"/>
+            <ac:spMk id="9" creationId="{15482757-81EF-D6F2-C192-0AE3C866DD4B}"/>
+          </ac:spMkLst>
+        </pc:spChg>
+        <pc:spChg chg="add mod">
+          <ac:chgData name="Corvus Vorion" userId="887645e4986febd1" providerId="LiveId" clId="{0332A5B8-307D-4FA0-B153-3BCBC8624CA9}" dt="2024-02-04T13:12:00.499" v="3798" actId="1076"/>
+          <ac:spMkLst>
+            <pc:docMk/>
+            <pc:sldMk cId="899863233" sldId="268"/>
+            <ac:spMk id="17" creationId="{73CB99E5-AE05-BE09-C9BF-72C537E35006}"/>
+          </ac:spMkLst>
+        </pc:spChg>
+        <pc:picChg chg="del">
+          <ac:chgData name="Corvus Vorion" userId="887645e4986febd1" providerId="LiveId" clId="{0332A5B8-307D-4FA0-B153-3BCBC8624CA9}" dt="2024-02-04T12:48:38.089" v="3155" actId="478"/>
+          <ac:picMkLst>
+            <pc:docMk/>
+            <pc:sldMk cId="899863233" sldId="268"/>
+            <ac:picMk id="5" creationId="{9C63C1A0-376B-15DF-38F2-40532EBF7B78}"/>
+          </ac:picMkLst>
+        </pc:picChg>
+        <pc:picChg chg="del">
+          <ac:chgData name="Corvus Vorion" userId="887645e4986febd1" providerId="LiveId" clId="{0332A5B8-307D-4FA0-B153-3BCBC8624CA9}" dt="2024-02-04T12:48:04.210" v="3145" actId="478"/>
+          <ac:picMkLst>
+            <pc:docMk/>
+            <pc:sldMk cId="899863233" sldId="268"/>
+            <ac:picMk id="11" creationId="{E53ADF6C-7864-BD26-0C40-90BE8DBA325B}"/>
+          </ac:picMkLst>
+        </pc:picChg>
+        <pc:picChg chg="add mod ord">
+          <ac:chgData name="Corvus Vorion" userId="887645e4986febd1" providerId="LiveId" clId="{0332A5B8-307D-4FA0-B153-3BCBC8624CA9}" dt="2024-02-04T12:57:41.284" v="3504" actId="1076"/>
+          <ac:picMkLst>
+            <pc:docMk/>
+            <pc:sldMk cId="899863233" sldId="268"/>
+            <ac:picMk id="12" creationId="{5CEACECA-763B-9B49-08E7-3280B47CE2B2}"/>
+          </ac:picMkLst>
+        </pc:picChg>
+        <pc:picChg chg="del">
+          <ac:chgData name="Corvus Vorion" userId="887645e4986febd1" providerId="LiveId" clId="{0332A5B8-307D-4FA0-B153-3BCBC8624CA9}" dt="2024-02-04T12:48:24.419" v="3150" actId="478"/>
+          <ac:picMkLst>
+            <pc:docMk/>
+            <pc:sldMk cId="899863233" sldId="268"/>
+            <ac:picMk id="13" creationId="{1F75FF94-2673-DB24-18D6-F1FFD58BDDA5}"/>
+          </ac:picMkLst>
+        </pc:picChg>
+        <pc:picChg chg="mod">
+          <ac:chgData name="Corvus Vorion" userId="887645e4986febd1" providerId="LiveId" clId="{0332A5B8-307D-4FA0-B153-3BCBC8624CA9}" dt="2024-02-04T13:36:51.840" v="4344" actId="1076"/>
+          <ac:picMkLst>
+            <pc:docMk/>
+            <pc:sldMk cId="899863233" sldId="268"/>
+            <ac:picMk id="14" creationId="{169E6EB3-7F4D-C27C-653A-F30DD2DD57F9}"/>
+          </ac:picMkLst>
+        </pc:picChg>
+        <pc:picChg chg="add mod ord">
+          <ac:chgData name="Corvus Vorion" userId="887645e4986febd1" providerId="LiveId" clId="{0332A5B8-307D-4FA0-B153-3BCBC8624CA9}" dt="2024-02-04T13:12:00.499" v="3798" actId="1076"/>
+          <ac:picMkLst>
+            <pc:docMk/>
+            <pc:sldMk cId="899863233" sldId="268"/>
+            <ac:picMk id="16" creationId="{03B32C58-944C-C2C7-D60C-B2B2FC83A10A}"/>
+          </ac:picMkLst>
+        </pc:picChg>
+      </pc:sldChg>
+      <pc:sldChg chg="addSp delSp modSp add mod">
+        <pc:chgData name="Corvus Vorion" userId="887645e4986febd1" providerId="LiveId" clId="{0332A5B8-307D-4FA0-B153-3BCBC8624CA9}" dt="2024-02-04T14:30:41.808" v="4629"/>
+        <pc:sldMkLst>
+          <pc:docMk/>
+          <pc:sldMk cId="3353671178" sldId="269"/>
+        </pc:sldMkLst>
+        <pc:spChg chg="add del mod">
+          <ac:chgData name="Corvus Vorion" userId="887645e4986febd1" providerId="LiveId" clId="{0332A5B8-307D-4FA0-B153-3BCBC8624CA9}" dt="2024-02-04T13:33:09.990" v="4213"/>
+          <ac:spMkLst>
+            <pc:docMk/>
+            <pc:sldMk cId="3353671178" sldId="269"/>
+            <ac:spMk id="3" creationId="{F550529D-3FB6-C6AC-EA58-7646D6760265}"/>
+          </ac:spMkLst>
+        </pc:spChg>
+        <pc:spChg chg="add mod">
+          <ac:chgData name="Corvus Vorion" userId="887645e4986febd1" providerId="LiveId" clId="{0332A5B8-307D-4FA0-B153-3BCBC8624CA9}" dt="2024-02-04T14:25:59.104" v="4472" actId="20577"/>
+          <ac:spMkLst>
+            <pc:docMk/>
+            <pc:sldMk cId="3353671178" sldId="269"/>
+            <ac:spMk id="4" creationId="{C498D39E-C60C-267F-F66E-262D71A30932}"/>
+          </ac:spMkLst>
+        </pc:spChg>
+        <pc:spChg chg="del mod">
+          <ac:chgData name="Corvus Vorion" userId="887645e4986febd1" providerId="LiveId" clId="{0332A5B8-307D-4FA0-B153-3BCBC8624CA9}" dt="2024-02-04T13:08:13.299" v="3793"/>
+          <ac:spMkLst>
+            <pc:docMk/>
+            <pc:sldMk cId="3353671178" sldId="269"/>
+            <ac:spMk id="8" creationId="{43F72797-094E-74BE-3305-57F7E0C9C283}"/>
+          </ac:spMkLst>
+        </pc:spChg>
+        <pc:spChg chg="add mod">
+          <ac:chgData name="Corvus Vorion" userId="887645e4986febd1" providerId="LiveId" clId="{0332A5B8-307D-4FA0-B153-3BCBC8624CA9}" dt="2024-02-04T14:29:17.848" v="4567" actId="1076"/>
+          <ac:spMkLst>
+            <pc:docMk/>
+            <pc:sldMk cId="3353671178" sldId="269"/>
+            <ac:spMk id="11" creationId="{BFFD9EB2-EA0B-6768-1199-F229B4198577}"/>
+          </ac:spMkLst>
+        </pc:spChg>
+        <pc:spChg chg="add mod">
+          <ac:chgData name="Corvus Vorion" userId="887645e4986febd1" providerId="LiveId" clId="{0332A5B8-307D-4FA0-B153-3BCBC8624CA9}" dt="2024-02-04T14:29:26.387" v="4568" actId="1076"/>
+          <ac:spMkLst>
+            <pc:docMk/>
+            <pc:sldMk cId="3353671178" sldId="269"/>
+            <ac:spMk id="13" creationId="{DBA6DA58-52D5-E4E0-7F87-801DEFBE59DD}"/>
+          </ac:spMkLst>
+        </pc:spChg>
+        <pc:spChg chg="del mod">
+          <ac:chgData name="Corvus Vorion" userId="887645e4986febd1" providerId="LiveId" clId="{0332A5B8-307D-4FA0-B153-3BCBC8624CA9}" dt="2024-02-04T13:08:21.713" v="3796" actId="478"/>
+          <ac:spMkLst>
+            <pc:docMk/>
+            <pc:sldMk cId="3353671178" sldId="269"/>
+            <ac:spMk id="17" creationId="{73CB99E5-AE05-BE09-C9BF-72C537E35006}"/>
+          </ac:spMkLst>
+        </pc:spChg>
+        <pc:spChg chg="add mod">
+          <ac:chgData name="Corvus Vorion" userId="887645e4986febd1" providerId="LiveId" clId="{0332A5B8-307D-4FA0-B153-3BCBC8624CA9}" dt="2024-02-04T14:29:26.387" v="4568" actId="1076"/>
+          <ac:spMkLst>
+            <pc:docMk/>
+            <pc:sldMk cId="3353671178" sldId="269"/>
+            <ac:spMk id="18" creationId="{FB8E5999-A464-49A4-DDDD-D1D704330E64}"/>
+          </ac:spMkLst>
+        </pc:spChg>
+        <pc:spChg chg="add mod">
+          <ac:chgData name="Corvus Vorion" userId="887645e4986febd1" providerId="LiveId" clId="{0332A5B8-307D-4FA0-B153-3BCBC8624CA9}" dt="2024-02-04T14:30:21.196" v="4628" actId="20577"/>
+          <ac:spMkLst>
+            <pc:docMk/>
+            <pc:sldMk cId="3353671178" sldId="269"/>
+            <ac:spMk id="19" creationId="{4DCB9D80-B1B7-339B-9802-0323D0A156D6}"/>
+          </ac:spMkLst>
+        </pc:spChg>
+        <pc:picChg chg="add mod ord">
+          <ac:chgData name="Corvus Vorion" userId="887645e4986febd1" providerId="LiveId" clId="{0332A5B8-307D-4FA0-B153-3BCBC8624CA9}" dt="2024-02-04T14:29:17.848" v="4567" actId="1076"/>
+          <ac:picMkLst>
+            <pc:docMk/>
+            <pc:sldMk cId="3353671178" sldId="269"/>
+            <ac:picMk id="6" creationId="{576D9714-94CB-3842-021A-22C5888C156F}"/>
+          </ac:picMkLst>
+        </pc:picChg>
+        <pc:picChg chg="add mod ord">
+          <ac:chgData name="Corvus Vorion" userId="887645e4986febd1" providerId="LiveId" clId="{0332A5B8-307D-4FA0-B153-3BCBC8624CA9}" dt="2024-02-04T14:29:26.387" v="4568" actId="1076"/>
+          <ac:picMkLst>
+            <pc:docMk/>
+            <pc:sldMk cId="3353671178" sldId="269"/>
+            <ac:picMk id="9" creationId="{1700F420-77B5-942D-0050-E62B4344DBE6}"/>
+          </ac:picMkLst>
+        </pc:picChg>
+        <pc:picChg chg="add del mod">
+          <ac:chgData name="Corvus Vorion" userId="887645e4986febd1" providerId="LiveId" clId="{0332A5B8-307D-4FA0-B153-3BCBC8624CA9}" dt="2024-02-04T13:42:13.190" v="4469" actId="478"/>
+          <ac:picMkLst>
+            <pc:docMk/>
+            <pc:sldMk cId="3353671178" sldId="269"/>
+            <ac:picMk id="10" creationId="{CEBC1ECE-6010-2D32-49FD-F68F4E8909F8}"/>
+          </ac:picMkLst>
+        </pc:picChg>
+        <pc:picChg chg="del">
+          <ac:chgData name="Corvus Vorion" userId="887645e4986febd1" providerId="LiveId" clId="{0332A5B8-307D-4FA0-B153-3BCBC8624CA9}" dt="2024-02-04T13:08:13.298" v="3791" actId="478"/>
+          <ac:picMkLst>
+            <pc:docMk/>
+            <pc:sldMk cId="3353671178" sldId="269"/>
+            <ac:picMk id="12" creationId="{5CEACECA-763B-9B49-08E7-3280B47CE2B2}"/>
+          </ac:picMkLst>
+        </pc:picChg>
+        <pc:picChg chg="del mod">
+          <ac:chgData name="Corvus Vorion" userId="887645e4986febd1" providerId="LiveId" clId="{0332A5B8-307D-4FA0-B153-3BCBC8624CA9}" dt="2024-02-04T13:37:25.954" v="4348" actId="478"/>
+          <ac:picMkLst>
+            <pc:docMk/>
+            <pc:sldMk cId="3353671178" sldId="269"/>
+            <ac:picMk id="14" creationId="{169E6EB3-7F4D-C27C-653A-F30DD2DD57F9}"/>
+          </ac:picMkLst>
+        </pc:picChg>
+        <pc:picChg chg="add del mod">
+          <ac:chgData name="Corvus Vorion" userId="887645e4986febd1" providerId="LiveId" clId="{0332A5B8-307D-4FA0-B153-3BCBC8624CA9}" dt="2024-02-04T14:26:50.135" v="4473" actId="478"/>
+          <ac:picMkLst>
+            <pc:docMk/>
+            <pc:sldMk cId="3353671178" sldId="269"/>
+            <ac:picMk id="15" creationId="{E505770A-FF04-40DD-D09C-EEC428B8D1BB}"/>
+          </ac:picMkLst>
+        </pc:picChg>
+        <pc:picChg chg="del">
+          <ac:chgData name="Corvus Vorion" userId="887645e4986febd1" providerId="LiveId" clId="{0332A5B8-307D-4FA0-B153-3BCBC8624CA9}" dt="2024-02-04T13:08:20.287" v="3794" actId="478"/>
+          <ac:picMkLst>
+            <pc:docMk/>
+            <pc:sldMk cId="3353671178" sldId="269"/>
+            <ac:picMk id="16" creationId="{03B32C58-944C-C2C7-D60C-B2B2FC83A10A}"/>
+          </ac:picMkLst>
+        </pc:picChg>
+        <pc:picChg chg="add mod">
+          <ac:chgData name="Corvus Vorion" userId="887645e4986febd1" providerId="LiveId" clId="{0332A5B8-307D-4FA0-B153-3BCBC8624CA9}" dt="2024-02-04T14:30:41.808" v="4629"/>
+          <ac:picMkLst>
+            <pc:docMk/>
+            <pc:sldMk cId="3353671178" sldId="269"/>
+            <ac:picMk id="20" creationId="{F22E591B-864A-CDE0-BD56-607769E586A6}"/>
+          </ac:picMkLst>
+        </pc:picChg>
       </pc:sldChg>
     </pc:docChg>
   </pc:docChgLst>
@@ -507,7 +1203,7 @@
           <a:p>
             <a:fld id="{5EF5BE9C-4CB3-46DC-ABAB-0ABF5D3EC56A}" type="datetimeFigureOut">
               <a:rPr lang="de-DE" smtClean="0"/>
-              <a:t>02.02.2024</a:t>
+              <a:t>04.02.2024</a:t>
             </a:fld>
             <a:endParaRPr lang="de-DE"/>
           </a:p>
@@ -921,7 +1617,7 @@
           <a:p>
             <a:fld id="{8D7DE0EB-AFE8-4D4D-8C21-45F570E3F64C}" type="datetimeFigureOut">
               <a:rPr lang="de-DE" smtClean="0"/>
-              <a:t>02.02.2024</a:t>
+              <a:t>04.02.2024</a:t>
             </a:fld>
             <a:endParaRPr lang="de-DE"/>
           </a:p>
@@ -1119,7 +1815,7 @@
           <a:p>
             <a:fld id="{8D7DE0EB-AFE8-4D4D-8C21-45F570E3F64C}" type="datetimeFigureOut">
               <a:rPr lang="de-DE" smtClean="0"/>
-              <a:t>02.02.2024</a:t>
+              <a:t>04.02.2024</a:t>
             </a:fld>
             <a:endParaRPr lang="de-DE"/>
           </a:p>
@@ -1327,7 +2023,7 @@
           <a:p>
             <a:fld id="{8D7DE0EB-AFE8-4D4D-8C21-45F570E3F64C}" type="datetimeFigureOut">
               <a:rPr lang="de-DE" smtClean="0"/>
-              <a:t>02.02.2024</a:t>
+              <a:t>04.02.2024</a:t>
             </a:fld>
             <a:endParaRPr lang="de-DE"/>
           </a:p>
@@ -1525,7 +2221,7 @@
           <a:p>
             <a:fld id="{8D7DE0EB-AFE8-4D4D-8C21-45F570E3F64C}" type="datetimeFigureOut">
               <a:rPr lang="de-DE" smtClean="0"/>
-              <a:t>02.02.2024</a:t>
+              <a:t>04.02.2024</a:t>
             </a:fld>
             <a:endParaRPr lang="de-DE"/>
           </a:p>
@@ -1800,7 +2496,7 @@
           <a:p>
             <a:fld id="{8D7DE0EB-AFE8-4D4D-8C21-45F570E3F64C}" type="datetimeFigureOut">
               <a:rPr lang="de-DE" smtClean="0"/>
-              <a:t>02.02.2024</a:t>
+              <a:t>04.02.2024</a:t>
             </a:fld>
             <a:endParaRPr lang="de-DE"/>
           </a:p>
@@ -2065,7 +2761,7 @@
           <a:p>
             <a:fld id="{8D7DE0EB-AFE8-4D4D-8C21-45F570E3F64C}" type="datetimeFigureOut">
               <a:rPr lang="de-DE" smtClean="0"/>
-              <a:t>02.02.2024</a:t>
+              <a:t>04.02.2024</a:t>
             </a:fld>
             <a:endParaRPr lang="de-DE"/>
           </a:p>
@@ -2477,7 +3173,7 @@
           <a:p>
             <a:fld id="{8D7DE0EB-AFE8-4D4D-8C21-45F570E3F64C}" type="datetimeFigureOut">
               <a:rPr lang="de-DE" smtClean="0"/>
-              <a:t>02.02.2024</a:t>
+              <a:t>04.02.2024</a:t>
             </a:fld>
             <a:endParaRPr lang="de-DE"/>
           </a:p>
@@ -2618,7 +3314,7 @@
           <a:p>
             <a:fld id="{8D7DE0EB-AFE8-4D4D-8C21-45F570E3F64C}" type="datetimeFigureOut">
               <a:rPr lang="de-DE" smtClean="0"/>
-              <a:t>02.02.2024</a:t>
+              <a:t>04.02.2024</a:t>
             </a:fld>
             <a:endParaRPr lang="de-DE"/>
           </a:p>
@@ -2731,7 +3427,7 @@
           <a:p>
             <a:fld id="{8D7DE0EB-AFE8-4D4D-8C21-45F570E3F64C}" type="datetimeFigureOut">
               <a:rPr lang="de-DE" smtClean="0"/>
-              <a:t>02.02.2024</a:t>
+              <a:t>04.02.2024</a:t>
             </a:fld>
             <a:endParaRPr lang="de-DE"/>
           </a:p>
@@ -3042,7 +3738,7 @@
           <a:p>
             <a:fld id="{8D7DE0EB-AFE8-4D4D-8C21-45F570E3F64C}" type="datetimeFigureOut">
               <a:rPr lang="de-DE" smtClean="0"/>
-              <a:t>02.02.2024</a:t>
+              <a:t>04.02.2024</a:t>
             </a:fld>
             <a:endParaRPr lang="de-DE"/>
           </a:p>
@@ -3330,7 +4026,7 @@
           <a:p>
             <a:fld id="{8D7DE0EB-AFE8-4D4D-8C21-45F570E3F64C}" type="datetimeFigureOut">
               <a:rPr lang="de-DE" smtClean="0"/>
-              <a:t>02.02.2024</a:t>
+              <a:t>04.02.2024</a:t>
             </a:fld>
             <a:endParaRPr lang="de-DE"/>
           </a:p>
@@ -3571,7 +4267,7 @@
           <a:p>
             <a:fld id="{8D7DE0EB-AFE8-4D4D-8C21-45F570E3F64C}" type="datetimeFigureOut">
               <a:rPr lang="de-DE" smtClean="0"/>
-              <a:t>02.02.2024</a:t>
+              <a:t>04.02.2024</a:t>
             </a:fld>
             <a:endParaRPr lang="de-DE"/>
           </a:p>
@@ -3974,6 +4670,14 @@
 <file path=ppt/slides/slide1.xml><?xml version="1.0" encoding="utf-8"?>
 <p:sld xmlns:a="http://schemas.openxmlformats.org/drawingml/2006/main" xmlns:r="http://schemas.openxmlformats.org/officeDocument/2006/relationships" xmlns:p="http://schemas.openxmlformats.org/presentationml/2006/main">
   <p:cSld>
+    <p:bg>
+      <p:bgPr>
+        <a:solidFill>
+          <a:schemeClr val="bg1"/>
+        </a:solidFill>
+        <a:effectLst/>
+      </p:bgPr>
+    </p:bg>
     <p:spTree>
       <p:nvGrpSpPr>
         <p:cNvPr id="1" name=""/>
@@ -4070,6 +4774,7 @@
         </p:nvPicPr>
         <p:blipFill>
           <a:blip r:embed="rId2">
+            <a:alphaModFix amt="80000"/>
             <a:extLst>
               <a:ext uri="{28A0092B-C50C-407E-A947-70E740481C1C}">
                 <a14:useLocalDpi xmlns:a14="http://schemas.microsoft.com/office/drawing/2010/main" val="0"/>
@@ -4111,13 +4816,649 @@
   <p:clrMapOvr>
     <a:masterClrMapping/>
   </p:clrMapOvr>
-  <mc:AlternateContent xmlns:mc="http://schemas.openxmlformats.org/markup-compatibility/2006">
-    <mc:Choice xmlns:p159="http://schemas.microsoft.com/office/powerpoint/2015/09/main" Requires="p159">
+  <mc:AlternateContent xmlns:mc="http://schemas.openxmlformats.org/markup-compatibility/2006" xmlns:p159="http://schemas.microsoft.com/office/powerpoint/2015/09/main">
+    <mc:Choice Requires="p159">
       <p:transition xmlns:p14="http://schemas.microsoft.com/office/powerpoint/2010/main" spd="slow" p14:dur="2000">
         <p159:morph option="byObject"/>
       </p:transition>
     </mc:Choice>
-    <mc:Fallback>
+    <mc:Fallback xmlns="">
+      <p:transition spd="slow">
+        <p:fade/>
+      </p:transition>
+    </mc:Fallback>
+  </mc:AlternateContent>
+</p:sld>
+</file>
+
+<file path=ppt/slides/slide10.xml><?xml version="1.0" encoding="utf-8"?>
+<p:sld xmlns:a="http://schemas.openxmlformats.org/drawingml/2006/main" xmlns:r="http://schemas.openxmlformats.org/officeDocument/2006/relationships" xmlns:p="http://schemas.openxmlformats.org/presentationml/2006/main">
+  <p:cSld>
+    <p:spTree>
+      <p:nvGrpSpPr>
+        <p:cNvPr id="1" name=""/>
+        <p:cNvGrpSpPr/>
+        <p:nvPr/>
+      </p:nvGrpSpPr>
+      <p:grpSpPr>
+        <a:xfrm>
+          <a:off x="0" y="0"/>
+          <a:ext cx="0" cy="0"/>
+          <a:chOff x="0" y="0"/>
+          <a:chExt cx="0" cy="0"/>
+        </a:xfrm>
+      </p:grpSpPr>
+      <p:sp>
+        <p:nvSpPr>
+          <p:cNvPr id="2" name="Titel 1">
+            <a:extLst>
+              <a:ext uri="{FF2B5EF4-FFF2-40B4-BE49-F238E27FC236}">
+                <a16:creationId xmlns:a16="http://schemas.microsoft.com/office/drawing/2014/main" id="{D4B122DA-85A2-F678-A17A-060E4C4EDC41}"/>
+              </a:ext>
+            </a:extLst>
+          </p:cNvPr>
+          <p:cNvSpPr>
+            <a:spLocks noGrp="1"/>
+          </p:cNvSpPr>
+          <p:nvPr>
+            <p:ph type="title"/>
+          </p:nvPr>
+        </p:nvSpPr>
+        <p:spPr/>
+        <p:txBody>
+          <a:bodyPr/>
+          <a:lstStyle/>
+          <a:p>
+            <a:r>
+              <a:rPr lang="de-DE" dirty="0"/>
+              <a:t>Hubschrauber im Vorwärtsflug</a:t>
+            </a:r>
+          </a:p>
+        </p:txBody>
+      </p:sp>
+      <p:sp>
+        <p:nvSpPr>
+          <p:cNvPr id="4" name="Textfeld 3">
+            <a:extLst>
+              <a:ext uri="{FF2B5EF4-FFF2-40B4-BE49-F238E27FC236}">
+                <a16:creationId xmlns:a16="http://schemas.microsoft.com/office/drawing/2014/main" id="{36E8FD8B-36C1-0FF0-E46C-4DE825487FB8}"/>
+              </a:ext>
+            </a:extLst>
+          </p:cNvPr>
+          <p:cNvSpPr txBox="1"/>
+          <p:nvPr/>
+        </p:nvSpPr>
+        <p:spPr>
+          <a:xfrm>
+            <a:off x="444500" y="1903025"/>
+            <a:ext cx="11303000" cy="646331"/>
+          </a:xfrm>
+          <a:prstGeom prst="rect">
+            <a:avLst/>
+          </a:prstGeom>
+          <a:noFill/>
+        </p:spPr>
+        <p:txBody>
+          <a:bodyPr wrap="square" rtlCol="0">
+            <a:spAutoFit/>
+          </a:bodyPr>
+          <a:lstStyle/>
+          <a:p>
+            <a:r>
+              <a:rPr lang="de-DE" dirty="0"/>
+              <a:t>Übergang vom Schwebeflug in den Vorwärtsflug </a:t>
+            </a:r>
+            <a:r>
+              <a:rPr lang="de-DE" dirty="0">
+                <a:sym typeface="Wingdings" panose="05000000000000000000" pitchFamily="2" charset="2"/>
+              </a:rPr>
+              <a:t> Transition (komplexer mechanischer und aerodynamischer Vorgang)</a:t>
+            </a:r>
+          </a:p>
+          <a:p>
+            <a:endParaRPr lang="de-DE" dirty="0"/>
+          </a:p>
+        </p:txBody>
+      </p:sp>
+      <p:pic>
+        <p:nvPicPr>
+          <p:cNvPr id="6" name="Grafik 5">
+            <a:extLst>
+              <a:ext uri="{FF2B5EF4-FFF2-40B4-BE49-F238E27FC236}">
+                <a16:creationId xmlns:a16="http://schemas.microsoft.com/office/drawing/2014/main" id="{1459509D-A056-1146-0C00-269FECDC7307}"/>
+              </a:ext>
+            </a:extLst>
+          </p:cNvPr>
+          <p:cNvPicPr>
+            <a:picLocks noChangeAspect="1"/>
+          </p:cNvPicPr>
+          <p:nvPr/>
+        </p:nvPicPr>
+        <p:blipFill>
+          <a:blip r:embed="rId2"/>
+          <a:stretch>
+            <a:fillRect/>
+          </a:stretch>
+        </p:blipFill>
+        <p:spPr>
+          <a:xfrm>
+            <a:off x="1303113" y="2549356"/>
+            <a:ext cx="3210373" cy="2419688"/>
+          </a:xfrm>
+          <a:prstGeom prst="rect">
+            <a:avLst/>
+          </a:prstGeom>
+        </p:spPr>
+      </p:pic>
+      <p:pic>
+        <p:nvPicPr>
+          <p:cNvPr id="8" name="Grafik 7">
+            <a:extLst>
+              <a:ext uri="{FF2B5EF4-FFF2-40B4-BE49-F238E27FC236}">
+                <a16:creationId xmlns:a16="http://schemas.microsoft.com/office/drawing/2014/main" id="{D430472B-85F9-E212-4613-E22A27949C07}"/>
+              </a:ext>
+            </a:extLst>
+          </p:cNvPr>
+          <p:cNvPicPr>
+            <a:picLocks noChangeAspect="1"/>
+          </p:cNvPicPr>
+          <p:nvPr/>
+        </p:nvPicPr>
+        <p:blipFill>
+          <a:blip r:embed="rId3"/>
+          <a:stretch>
+            <a:fillRect/>
+          </a:stretch>
+        </p:blipFill>
+        <p:spPr>
+          <a:xfrm>
+            <a:off x="6954513" y="2835535"/>
+            <a:ext cx="3934374" cy="1886213"/>
+          </a:xfrm>
+          <a:prstGeom prst="rect">
+            <a:avLst/>
+          </a:prstGeom>
+        </p:spPr>
+      </p:pic>
+      <p:sp>
+        <p:nvSpPr>
+          <p:cNvPr id="9" name="Pfeil: nach rechts 8">
+            <a:extLst>
+              <a:ext uri="{FF2B5EF4-FFF2-40B4-BE49-F238E27FC236}">
+                <a16:creationId xmlns:a16="http://schemas.microsoft.com/office/drawing/2014/main" id="{A41264C2-16E7-50A3-009E-47584B7F67DA}"/>
+              </a:ext>
+            </a:extLst>
+          </p:cNvPr>
+          <p:cNvSpPr/>
+          <p:nvPr/>
+        </p:nvSpPr>
+        <p:spPr>
+          <a:xfrm>
+            <a:off x="5257749" y="3455475"/>
+            <a:ext cx="952500" cy="646331"/>
+          </a:xfrm>
+          <a:prstGeom prst="rightArrow">
+            <a:avLst/>
+          </a:prstGeom>
+          <a:solidFill>
+            <a:schemeClr val="tx1"/>
+          </a:solidFill>
+          <a:ln>
+            <a:solidFill>
+              <a:schemeClr val="tx1"/>
+            </a:solidFill>
+          </a:ln>
+        </p:spPr>
+        <p:style>
+          <a:lnRef idx="2">
+            <a:schemeClr val="accent1">
+              <a:shade val="15000"/>
+            </a:schemeClr>
+          </a:lnRef>
+          <a:fillRef idx="1">
+            <a:schemeClr val="accent1"/>
+          </a:fillRef>
+          <a:effectRef idx="0">
+            <a:schemeClr val="accent1"/>
+          </a:effectRef>
+          <a:fontRef idx="minor">
+            <a:schemeClr val="lt1"/>
+          </a:fontRef>
+        </p:style>
+        <p:txBody>
+          <a:bodyPr rtlCol="0" anchor="ctr"/>
+          <a:lstStyle/>
+          <a:p>
+            <a:pPr algn="ctr"/>
+            <a:endParaRPr lang="de-DE"/>
+          </a:p>
+        </p:txBody>
+      </p:sp>
+      <p:sp>
+        <p:nvSpPr>
+          <p:cNvPr id="10" name="Textfeld 9">
+            <a:extLst>
+              <a:ext uri="{FF2B5EF4-FFF2-40B4-BE49-F238E27FC236}">
+                <a16:creationId xmlns:a16="http://schemas.microsoft.com/office/drawing/2014/main" id="{7483FF43-DD87-EFC3-332C-11FB419007F3}"/>
+              </a:ext>
+            </a:extLst>
+          </p:cNvPr>
+          <p:cNvSpPr txBox="1"/>
+          <p:nvPr/>
+        </p:nvSpPr>
+        <p:spPr>
+          <a:xfrm>
+            <a:off x="654049" y="4969044"/>
+            <a:ext cx="4508500" cy="369332"/>
+          </a:xfrm>
+          <a:prstGeom prst="rect">
+            <a:avLst/>
+          </a:prstGeom>
+          <a:noFill/>
+        </p:spPr>
+        <p:txBody>
+          <a:bodyPr wrap="square" rtlCol="0">
+            <a:spAutoFit/>
+          </a:bodyPr>
+          <a:lstStyle/>
+          <a:p>
+            <a:r>
+              <a:rPr lang="de-DE" dirty="0"/>
+              <a:t>Beschleunigung der Luft von Oben nach Unten</a:t>
+            </a:r>
+          </a:p>
+        </p:txBody>
+      </p:sp>
+      <p:sp>
+        <p:nvSpPr>
+          <p:cNvPr id="11" name="Textfeld 10">
+            <a:extLst>
+              <a:ext uri="{FF2B5EF4-FFF2-40B4-BE49-F238E27FC236}">
+                <a16:creationId xmlns:a16="http://schemas.microsoft.com/office/drawing/2014/main" id="{8DC0D0C6-A72E-6E43-2C67-5CE1718B029C}"/>
+              </a:ext>
+            </a:extLst>
+          </p:cNvPr>
+          <p:cNvSpPr txBox="1"/>
+          <p:nvPr/>
+        </p:nvSpPr>
+        <p:spPr>
+          <a:xfrm>
+            <a:off x="7124700" y="4851400"/>
+            <a:ext cx="3764187" cy="1200329"/>
+          </a:xfrm>
+          <a:prstGeom prst="rect">
+            <a:avLst/>
+          </a:prstGeom>
+          <a:noFill/>
+        </p:spPr>
+        <p:txBody>
+          <a:bodyPr wrap="square" rtlCol="0">
+            <a:spAutoFit/>
+          </a:bodyPr>
+          <a:lstStyle/>
+          <a:p>
+            <a:r>
+              <a:rPr lang="de-DE" dirty="0"/>
+              <a:t>Beschleunigung der Luft nach Hinten</a:t>
+            </a:r>
+          </a:p>
+          <a:p>
+            <a:pPr marL="285750" indent="-285750">
+              <a:buFont typeface="Wingdings" panose="05000000000000000000" pitchFamily="2" charset="2"/>
+              <a:buChar char="à"/>
+            </a:pPr>
+            <a:r>
+              <a:rPr lang="de-DE" dirty="0">
+                <a:sym typeface="Wingdings" panose="05000000000000000000" pitchFamily="2" charset="2"/>
+              </a:rPr>
+              <a:t>Durch die Neigung nach vorne</a:t>
+            </a:r>
+          </a:p>
+          <a:p>
+            <a:r>
+              <a:rPr lang="de-DE" dirty="0">
+                <a:sym typeface="Wingdings" panose="05000000000000000000" pitchFamily="2" charset="2"/>
+              </a:rPr>
+              <a:t>Erhöhung der Leistung</a:t>
+            </a:r>
+          </a:p>
+          <a:p>
+            <a:r>
+              <a:rPr lang="de-DE" dirty="0">
+                <a:sym typeface="Wingdings" panose="05000000000000000000" pitchFamily="2" charset="2"/>
+              </a:rPr>
+              <a:t> Geringerer Auftrieb</a:t>
+            </a:r>
+            <a:endParaRPr lang="de-DE" dirty="0"/>
+          </a:p>
+        </p:txBody>
+      </p:sp>
+      <p:pic>
+        <p:nvPicPr>
+          <p:cNvPr id="12" name="Picture 2" descr="Flugzeug, Buchen, Zerhacker, Fliegend">
+            <a:extLst>
+              <a:ext uri="{FF2B5EF4-FFF2-40B4-BE49-F238E27FC236}">
+                <a16:creationId xmlns:a16="http://schemas.microsoft.com/office/drawing/2014/main" id="{BC1BAE6F-C70C-6950-8501-2CC4D2B28AB2}"/>
+              </a:ext>
+            </a:extLst>
+          </p:cNvPr>
+          <p:cNvPicPr preferRelativeResize="0">
+            <a:picLocks noChangeArrowheads="1"/>
+          </p:cNvPicPr>
+          <p:nvPr/>
+        </p:nvPicPr>
+        <p:blipFill>
+          <a:blip r:embed="rId4">
+            <a:alphaModFix amt="38000"/>
+            <a:extLst>
+              <a:ext uri="{28A0092B-C50C-407E-A947-70E740481C1C}">
+                <a14:useLocalDpi xmlns:a14="http://schemas.microsoft.com/office/drawing/2010/main" val="0"/>
+              </a:ext>
+            </a:extLst>
+          </a:blip>
+          <a:srcRect/>
+          <a:stretch>
+            <a:fillRect/>
+          </a:stretch>
+        </p:blipFill>
+        <p:spPr bwMode="auto">
+          <a:xfrm>
+            <a:off x="-7632715" y="-2408675"/>
+            <a:ext cx="12171600" cy="5547600"/>
+          </a:xfrm>
+          <a:prstGeom prst="rect">
+            <a:avLst/>
+          </a:prstGeom>
+          <a:noFill/>
+          <a:extLst>
+            <a:ext uri="{909E8E84-426E-40DD-AFC4-6F175D3DCCD1}">
+              <a14:hiddenFill xmlns:a14="http://schemas.microsoft.com/office/drawing/2010/main">
+                <a:solidFill>
+                  <a:srgbClr val="FFFFFF"/>
+                </a:solidFill>
+              </a14:hiddenFill>
+            </a:ext>
+          </a:extLst>
+        </p:spPr>
+      </p:pic>
+    </p:spTree>
+    <p:extLst>
+      <p:ext uri="{BB962C8B-B14F-4D97-AF65-F5344CB8AC3E}">
+        <p14:creationId xmlns:p14="http://schemas.microsoft.com/office/powerpoint/2010/main" val="1014420853"/>
+      </p:ext>
+    </p:extLst>
+  </p:cSld>
+  <p:clrMapOvr>
+    <a:masterClrMapping/>
+  </p:clrMapOvr>
+  <mc:AlternateContent xmlns:mc="http://schemas.openxmlformats.org/markup-compatibility/2006" xmlns:p159="http://schemas.microsoft.com/office/powerpoint/2015/09/main">
+    <mc:Choice Requires="p159">
+      <p:transition xmlns:p14="http://schemas.microsoft.com/office/powerpoint/2010/main" spd="slow" p14:dur="2000">
+        <p159:morph option="byObject"/>
+      </p:transition>
+    </mc:Choice>
+    <mc:Fallback xmlns="">
+      <p:transition spd="slow">
+        <p:fade/>
+      </p:transition>
+    </mc:Fallback>
+  </mc:AlternateContent>
+</p:sld>
+</file>
+
+<file path=ppt/slides/slide11.xml><?xml version="1.0" encoding="utf-8"?>
+<p:sld xmlns:a="http://schemas.openxmlformats.org/drawingml/2006/main" xmlns:r="http://schemas.openxmlformats.org/officeDocument/2006/relationships" xmlns:p="http://schemas.openxmlformats.org/presentationml/2006/main">
+  <p:cSld>
+    <p:spTree>
+      <p:nvGrpSpPr>
+        <p:cNvPr id="1" name=""/>
+        <p:cNvGrpSpPr/>
+        <p:nvPr/>
+      </p:nvGrpSpPr>
+      <p:grpSpPr>
+        <a:xfrm>
+          <a:off x="0" y="0"/>
+          <a:ext cx="0" cy="0"/>
+          <a:chOff x="0" y="0"/>
+          <a:chExt cx="0" cy="0"/>
+        </a:xfrm>
+      </p:grpSpPr>
+      <p:sp>
+        <p:nvSpPr>
+          <p:cNvPr id="2" name="Titel 1">
+            <a:extLst>
+              <a:ext uri="{FF2B5EF4-FFF2-40B4-BE49-F238E27FC236}">
+                <a16:creationId xmlns:a16="http://schemas.microsoft.com/office/drawing/2014/main" id="{743CFFD7-77FB-DCAF-32F8-2620169107B0}"/>
+              </a:ext>
+            </a:extLst>
+          </p:cNvPr>
+          <p:cNvSpPr>
+            <a:spLocks noGrp="1"/>
+          </p:cNvSpPr>
+          <p:nvPr>
+            <p:ph type="title"/>
+          </p:nvPr>
+        </p:nvSpPr>
+        <p:spPr/>
+        <p:txBody>
+          <a:bodyPr/>
+          <a:lstStyle/>
+          <a:p>
+            <a:r>
+              <a:rPr lang="de-DE" dirty="0"/>
+              <a:t>Autorotation</a:t>
+            </a:r>
+          </a:p>
+        </p:txBody>
+      </p:sp>
+      <p:sp>
+        <p:nvSpPr>
+          <p:cNvPr id="3" name="Inhaltsplatzhalter 2">
+            <a:extLst>
+              <a:ext uri="{FF2B5EF4-FFF2-40B4-BE49-F238E27FC236}">
+                <a16:creationId xmlns:a16="http://schemas.microsoft.com/office/drawing/2014/main" id="{B3D6C2D5-113F-E9E4-01DD-706AA0783287}"/>
+              </a:ext>
+            </a:extLst>
+          </p:cNvPr>
+          <p:cNvSpPr>
+            <a:spLocks noGrp="1"/>
+          </p:cNvSpPr>
+          <p:nvPr>
+            <p:ph idx="1"/>
+          </p:nvPr>
+        </p:nvSpPr>
+        <p:spPr/>
+        <p:txBody>
+          <a:bodyPr/>
+          <a:lstStyle/>
+          <a:p>
+            <a:endParaRPr lang="de-DE"/>
+          </a:p>
+        </p:txBody>
+      </p:sp>
+    </p:spTree>
+    <p:extLst>
+      <p:ext uri="{BB962C8B-B14F-4D97-AF65-F5344CB8AC3E}">
+        <p14:creationId xmlns:p14="http://schemas.microsoft.com/office/powerpoint/2010/main" val="3239766607"/>
+      </p:ext>
+    </p:extLst>
+  </p:cSld>
+  <p:clrMapOvr>
+    <a:masterClrMapping/>
+  </p:clrMapOvr>
+  <mc:AlternateContent xmlns:mc="http://schemas.openxmlformats.org/markup-compatibility/2006" xmlns:p159="http://schemas.microsoft.com/office/powerpoint/2015/09/main">
+    <mc:Choice Requires="p159">
+      <p:transition xmlns:p14="http://schemas.microsoft.com/office/powerpoint/2010/main" spd="slow" p14:dur="2000">
+        <p159:morph option="byObject"/>
+      </p:transition>
+    </mc:Choice>
+    <mc:Fallback xmlns="">
+      <p:transition spd="slow">
+        <p:fade/>
+      </p:transition>
+    </mc:Fallback>
+  </mc:AlternateContent>
+</p:sld>
+</file>
+
+<file path=ppt/slides/slide12.xml><?xml version="1.0" encoding="utf-8"?>
+<p:sld xmlns:a="http://schemas.openxmlformats.org/drawingml/2006/main" xmlns:r="http://schemas.openxmlformats.org/officeDocument/2006/relationships" xmlns:p="http://schemas.openxmlformats.org/presentationml/2006/main">
+  <p:cSld>
+    <p:spTree>
+      <p:nvGrpSpPr>
+        <p:cNvPr id="1" name=""/>
+        <p:cNvGrpSpPr/>
+        <p:nvPr/>
+      </p:nvGrpSpPr>
+      <p:grpSpPr>
+        <a:xfrm>
+          <a:off x="0" y="0"/>
+          <a:ext cx="0" cy="0"/>
+          <a:chOff x="0" y="0"/>
+          <a:chExt cx="0" cy="0"/>
+        </a:xfrm>
+      </p:grpSpPr>
+      <p:sp>
+        <p:nvSpPr>
+          <p:cNvPr id="2" name="Titel 1">
+            <a:extLst>
+              <a:ext uri="{FF2B5EF4-FFF2-40B4-BE49-F238E27FC236}">
+                <a16:creationId xmlns:a16="http://schemas.microsoft.com/office/drawing/2014/main" id="{3EC86A5E-B7FF-BF13-4462-39453AB124A0}"/>
+              </a:ext>
+            </a:extLst>
+          </p:cNvPr>
+          <p:cNvSpPr>
+            <a:spLocks noGrp="1"/>
+          </p:cNvSpPr>
+          <p:nvPr>
+            <p:ph type="title"/>
+          </p:nvPr>
+        </p:nvSpPr>
+        <p:spPr/>
+        <p:txBody>
+          <a:bodyPr/>
+          <a:lstStyle/>
+          <a:p>
+            <a:r>
+              <a:rPr lang="de-DE" dirty="0"/>
+              <a:t>Quellen</a:t>
+            </a:r>
+          </a:p>
+        </p:txBody>
+      </p:sp>
+      <p:sp>
+        <p:nvSpPr>
+          <p:cNvPr id="3" name="Inhaltsplatzhalter 2">
+            <a:extLst>
+              <a:ext uri="{FF2B5EF4-FFF2-40B4-BE49-F238E27FC236}">
+                <a16:creationId xmlns:a16="http://schemas.microsoft.com/office/drawing/2014/main" id="{1D21B67E-6197-A657-1FEB-39E9CFD987D8}"/>
+              </a:ext>
+            </a:extLst>
+          </p:cNvPr>
+          <p:cNvSpPr>
+            <a:spLocks noGrp="1"/>
+          </p:cNvSpPr>
+          <p:nvPr>
+            <p:ph idx="1"/>
+          </p:nvPr>
+        </p:nvSpPr>
+        <p:spPr/>
+        <p:txBody>
+          <a:bodyPr/>
+          <a:lstStyle/>
+          <a:p>
+            <a:r>
+              <a:rPr lang="de-DE" dirty="0" err="1"/>
+              <a:t>Inforamtionen</a:t>
+            </a:r>
+            <a:r>
+              <a:rPr lang="de-DE" dirty="0"/>
+              <a:t>:</a:t>
+            </a:r>
+          </a:p>
+          <a:p>
+            <a:pPr lvl="1"/>
+            <a:r>
+              <a:rPr lang="de-DE" dirty="0"/>
+              <a:t>Hubschrauberflug.at; Hubschrauber Technik: </a:t>
+            </a:r>
+            <a:r>
+              <a:rPr lang="de-DE" dirty="0">
+                <a:hlinkClick r:id="rId2"/>
+              </a:rPr>
+              <a:t>https://www.hubschrauberflug.at/de/infos/technik</a:t>
+            </a:r>
+            <a:r>
+              <a:rPr lang="de-DE" dirty="0"/>
+              <a:t> </a:t>
+            </a:r>
+          </a:p>
+          <a:p>
+            <a:r>
+              <a:rPr lang="de-DE" dirty="0"/>
+              <a:t>Grafiken:</a:t>
+            </a:r>
+          </a:p>
+          <a:p>
+            <a:pPr lvl="1"/>
+            <a:r>
+              <a:rPr lang="de-DE" dirty="0" err="1"/>
+              <a:t>Pixabay</a:t>
+            </a:r>
+            <a:r>
+              <a:rPr lang="de-DE" dirty="0"/>
+              <a:t>, </a:t>
+            </a:r>
+            <a:r>
+              <a:rPr lang="de-DE" i="0" u="none" strike="noStrike" dirty="0" err="1">
+                <a:solidFill>
+                  <a:srgbClr val="191B26"/>
+                </a:solidFill>
+                <a:effectLst/>
+              </a:rPr>
+              <a:t>OpenClipart-Vectors</a:t>
+            </a:r>
+            <a:r>
+              <a:rPr lang="de-DE" dirty="0"/>
+              <a:t>:</a:t>
+            </a:r>
+            <a:r>
+              <a:rPr lang="de-DE" dirty="0">
+                <a:hlinkClick r:id="rId3"/>
+              </a:rPr>
+              <a:t> https://pixabay.com/de/vectors/flugzeug-buchen-zerhacker-fliegend-2025117/</a:t>
+            </a:r>
+            <a:r>
+              <a:rPr lang="de-DE" dirty="0"/>
+              <a:t> </a:t>
+            </a:r>
+          </a:p>
+          <a:p>
+            <a:pPr lvl="1"/>
+            <a:br>
+              <a:rPr lang="de-DE" dirty="0"/>
+            </a:br>
+            <a:endParaRPr lang="de-DE" dirty="0"/>
+          </a:p>
+        </p:txBody>
+      </p:sp>
+    </p:spTree>
+    <p:extLst>
+      <p:ext uri="{BB962C8B-B14F-4D97-AF65-F5344CB8AC3E}">
+        <p14:creationId xmlns:p14="http://schemas.microsoft.com/office/powerpoint/2010/main" val="2239308684"/>
+      </p:ext>
+    </p:extLst>
+  </p:cSld>
+  <p:clrMapOvr>
+    <a:masterClrMapping/>
+  </p:clrMapOvr>
+  <mc:AlternateContent xmlns:mc="http://schemas.openxmlformats.org/markup-compatibility/2006" xmlns:p159="http://schemas.microsoft.com/office/powerpoint/2015/09/main">
+    <mc:Choice Requires="p159">
+      <p:transition xmlns:p14="http://schemas.microsoft.com/office/powerpoint/2010/main" spd="slow" p14:dur="2000">
+        <p159:morph option="byObject"/>
+      </p:transition>
+    </mc:Choice>
+    <mc:Fallback xmlns="">
       <p:transition spd="slow">
         <p:fade/>
       </p:transition>
@@ -4200,6 +5541,18 @@
           <a:p>
             <a:r>
               <a:rPr lang="de-DE" dirty="0"/>
+              <a:t>Funktionsweise</a:t>
+            </a:r>
+          </a:p>
+          <a:p>
+            <a:r>
+              <a:rPr lang="de-DE" dirty="0"/>
+              <a:t>Steuerung</a:t>
+            </a:r>
+          </a:p>
+          <a:p>
+            <a:r>
+              <a:rPr lang="de-DE" dirty="0"/>
               <a:t>Hubschrauber im Schwebeflug</a:t>
             </a:r>
           </a:p>
@@ -4233,6 +5586,7 @@
         </p:nvPicPr>
         <p:blipFill>
           <a:blip r:embed="rId2">
+            <a:alphaModFix amt="70000"/>
             <a:extLst>
               <a:ext uri="{28A0092B-C50C-407E-A947-70E740481C1C}">
                 <a14:useLocalDpi xmlns:a14="http://schemas.microsoft.com/office/drawing/2010/main" val="0"/>
@@ -4274,13 +5628,13 @@
   <p:clrMapOvr>
     <a:masterClrMapping/>
   </p:clrMapOvr>
-  <mc:AlternateContent xmlns:mc="http://schemas.openxmlformats.org/markup-compatibility/2006">
-    <mc:Choice xmlns:p159="http://schemas.microsoft.com/office/powerpoint/2015/09/main" Requires="p159">
+  <mc:AlternateContent xmlns:mc="http://schemas.openxmlformats.org/markup-compatibility/2006" xmlns:p159="http://schemas.microsoft.com/office/powerpoint/2015/09/main">
+    <mc:Choice Requires="p159">
       <p:transition xmlns:p14="http://schemas.microsoft.com/office/powerpoint/2010/main" spd="slow" p14:dur="2000">
         <p159:morph option="byObject"/>
       </p:transition>
     </mc:Choice>
-    <mc:Fallback>
+    <mc:Fallback xmlns="">
       <p:transition spd="slow">
         <p:fade/>
       </p:transition>
@@ -4334,28 +5688,320 @@
           </a:p>
         </p:txBody>
       </p:sp>
-      <p:sp>
-        <p:nvSpPr>
-          <p:cNvPr id="3" name="Inhaltsplatzhalter 2">
-            <a:extLst>
-              <a:ext uri="{FF2B5EF4-FFF2-40B4-BE49-F238E27FC236}">
-                <a16:creationId xmlns:a16="http://schemas.microsoft.com/office/drawing/2014/main" id="{5D2E1A75-CDAE-8E4E-639B-012D525D3345}"/>
-              </a:ext>
-            </a:extLst>
-          </p:cNvPr>
-          <p:cNvSpPr>
-            <a:spLocks noGrp="1"/>
-          </p:cNvSpPr>
+      <p:pic>
+        <p:nvPicPr>
+          <p:cNvPr id="5" name="Inhaltsplatzhalter 4" descr="Ein Bild, das Entwurf, Reihe, Zeichnung, Design enthält.&#10;&#10;Automatisch generierte Beschreibung">
+            <a:extLst>
+              <a:ext uri="{FF2B5EF4-FFF2-40B4-BE49-F238E27FC236}">
+                <a16:creationId xmlns:a16="http://schemas.microsoft.com/office/drawing/2014/main" id="{2B7D65F9-4166-B998-7B52-C4069AC2E1DA}"/>
+              </a:ext>
+            </a:extLst>
+          </p:cNvPr>
+          <p:cNvPicPr>
+            <a:picLocks noGrp="1" noChangeAspect="1"/>
+          </p:cNvPicPr>
           <p:nvPr>
             <p:ph idx="1"/>
           </p:nvPr>
-        </p:nvSpPr>
-        <p:spPr/>
-        <p:txBody>
-          <a:bodyPr/>
+        </p:nvPicPr>
+        <p:blipFill>
+          <a:blip r:embed="rId2">
+            <a:extLst>
+              <a:ext uri="{28A0092B-C50C-407E-A947-70E740481C1C}">
+                <a14:useLocalDpi xmlns:a14="http://schemas.microsoft.com/office/drawing/2010/main" val="0"/>
+              </a:ext>
+            </a:extLst>
+          </a:blip>
+          <a:stretch>
+            <a:fillRect/>
+          </a:stretch>
+        </p:blipFill>
+        <p:spPr>
+          <a:xfrm>
+            <a:off x="7791800" y="1868279"/>
+            <a:ext cx="3673037" cy="1706529"/>
+          </a:xfrm>
+          <a:prstGeom prst="rect">
+            <a:avLst/>
+          </a:prstGeom>
+        </p:spPr>
+      </p:pic>
+      <p:pic>
+        <p:nvPicPr>
+          <p:cNvPr id="8" name="Grafik 7">
+            <a:extLst>
+              <a:ext uri="{FF2B5EF4-FFF2-40B4-BE49-F238E27FC236}">
+                <a16:creationId xmlns:a16="http://schemas.microsoft.com/office/drawing/2014/main" id="{AB94F02E-E97C-0A78-B16C-164092B25AAD}"/>
+              </a:ext>
+            </a:extLst>
+          </p:cNvPr>
+          <p:cNvPicPr>
+            <a:picLocks noChangeAspect="1"/>
+          </p:cNvPicPr>
+          <p:nvPr/>
+        </p:nvPicPr>
+        <p:blipFill>
+          <a:blip r:embed="rId3"/>
+          <a:stretch>
+            <a:fillRect/>
+          </a:stretch>
+        </p:blipFill>
+        <p:spPr>
+          <a:xfrm>
+            <a:off x="959790" y="3770992"/>
+            <a:ext cx="2362530" cy="2181529"/>
+          </a:xfrm>
+          <a:prstGeom prst="rect">
+            <a:avLst/>
+          </a:prstGeom>
+        </p:spPr>
+      </p:pic>
+      <p:pic>
+        <p:nvPicPr>
+          <p:cNvPr id="11" name="Picture 2" descr="Flugzeug, Buchen, Zerhacker, Fliegend">
+            <a:extLst>
+              <a:ext uri="{FF2B5EF4-FFF2-40B4-BE49-F238E27FC236}">
+                <a16:creationId xmlns:a16="http://schemas.microsoft.com/office/drawing/2014/main" id="{91E7F901-2D47-812E-8B57-EA1796DCB4C9}"/>
+              </a:ext>
+            </a:extLst>
+          </p:cNvPr>
+          <p:cNvPicPr>
+            <a:picLocks noChangeAspect="1" noChangeArrowheads="1"/>
+          </p:cNvPicPr>
+          <p:nvPr/>
+        </p:nvPicPr>
+        <p:blipFill>
+          <a:blip r:embed="rId4">
+            <a:alphaModFix amt="38000"/>
+            <a:extLst>
+              <a:ext uri="{28A0092B-C50C-407E-A947-70E740481C1C}">
+                <a14:useLocalDpi xmlns:a14="http://schemas.microsoft.com/office/drawing/2010/main" val="0"/>
+              </a:ext>
+            </a:extLst>
+          </a:blip>
+          <a:srcRect/>
+          <a:stretch>
+            <a:fillRect/>
+          </a:stretch>
+        </p:blipFill>
+        <p:spPr bwMode="auto">
+          <a:xfrm rot="20979536" flipH="1">
+            <a:off x="-762001" y="-1048748"/>
+            <a:ext cx="12192000" cy="5547120"/>
+          </a:xfrm>
+          <a:prstGeom prst="rect">
+            <a:avLst/>
+          </a:prstGeom>
+          <a:noFill/>
+          <a:extLst>
+            <a:ext uri="{909E8E84-426E-40DD-AFC4-6F175D3DCCD1}">
+              <a14:hiddenFill xmlns:a14="http://schemas.microsoft.com/office/drawing/2010/main">
+                <a:solidFill>
+                  <a:srgbClr val="FFFFFF"/>
+                </a:solidFill>
+              </a14:hiddenFill>
+            </a:ext>
+          </a:extLst>
+        </p:spPr>
+      </p:pic>
+      <p:sp>
+        <p:nvSpPr>
+          <p:cNvPr id="9" name="Textfeld 8">
+            <a:extLst>
+              <a:ext uri="{FF2B5EF4-FFF2-40B4-BE49-F238E27FC236}">
+                <a16:creationId xmlns:a16="http://schemas.microsoft.com/office/drawing/2014/main" id="{AB5A35E1-29DF-90B3-3785-87831D2952CA}"/>
+              </a:ext>
+            </a:extLst>
+          </p:cNvPr>
+          <p:cNvSpPr txBox="1"/>
+          <p:nvPr/>
+        </p:nvSpPr>
+        <p:spPr>
+          <a:xfrm>
+            <a:off x="5908858" y="1724813"/>
+            <a:ext cx="3883604" cy="1754326"/>
+          </a:xfrm>
+          <a:prstGeom prst="rect">
+            <a:avLst/>
+          </a:prstGeom>
+          <a:noFill/>
+        </p:spPr>
+        <p:txBody>
+          <a:bodyPr wrap="square" rtlCol="0">
+            <a:spAutoFit/>
+          </a:bodyPr>
           <a:lstStyle/>
           <a:p>
-            <a:endParaRPr lang="de-DE"/>
+            <a:r>
+              <a:rPr lang="de-DE" dirty="0"/>
+              <a:t>Einteilung in:</a:t>
+            </a:r>
+          </a:p>
+          <a:p>
+            <a:pPr marL="285750" indent="-285750">
+              <a:buFont typeface="Arial" panose="020B0604020202020204" pitchFamily="34" charset="0"/>
+              <a:buChar char="•"/>
+            </a:pPr>
+            <a:r>
+              <a:rPr lang="de-DE" dirty="0"/>
+              <a:t>Oberen Teil</a:t>
+            </a:r>
+          </a:p>
+          <a:p>
+            <a:pPr marL="285750" indent="-285750">
+              <a:buFont typeface="Arial" panose="020B0604020202020204" pitchFamily="34" charset="0"/>
+              <a:buChar char="•"/>
+            </a:pPr>
+            <a:endParaRPr lang="de-DE" dirty="0"/>
+          </a:p>
+          <a:p>
+            <a:pPr marL="285750" indent="-285750">
+              <a:buFont typeface="Arial" panose="020B0604020202020204" pitchFamily="34" charset="0"/>
+              <a:buChar char="•"/>
+            </a:pPr>
+            <a:endParaRPr lang="de-DE" dirty="0"/>
+          </a:p>
+          <a:p>
+            <a:endParaRPr lang="de-DE" dirty="0"/>
+          </a:p>
+          <a:p>
+            <a:pPr marL="285750" indent="-285750">
+              <a:buFont typeface="Arial" panose="020B0604020202020204" pitchFamily="34" charset="0"/>
+              <a:buChar char="•"/>
+            </a:pPr>
+            <a:r>
+              <a:rPr lang="de-DE" dirty="0"/>
+              <a:t>Unteren Teil</a:t>
+            </a:r>
+          </a:p>
+        </p:txBody>
+      </p:sp>
+      <p:sp>
+        <p:nvSpPr>
+          <p:cNvPr id="10" name="Textfeld 9">
+            <a:extLst>
+              <a:ext uri="{FF2B5EF4-FFF2-40B4-BE49-F238E27FC236}">
+                <a16:creationId xmlns:a16="http://schemas.microsoft.com/office/drawing/2014/main" id="{62557AFA-8F5F-50EF-8153-50EEE4336CBB}"/>
+              </a:ext>
+            </a:extLst>
+          </p:cNvPr>
+          <p:cNvSpPr txBox="1"/>
+          <p:nvPr/>
+        </p:nvSpPr>
+        <p:spPr>
+          <a:xfrm>
+            <a:off x="3322320" y="3574808"/>
+            <a:ext cx="5547360" cy="3139321"/>
+          </a:xfrm>
+          <a:prstGeom prst="rect">
+            <a:avLst/>
+          </a:prstGeom>
+          <a:noFill/>
+        </p:spPr>
+        <p:txBody>
+          <a:bodyPr wrap="square" rtlCol="0">
+            <a:spAutoFit/>
+          </a:bodyPr>
+          <a:lstStyle/>
+          <a:p>
+            <a:r>
+              <a:rPr lang="de-DE" dirty="0"/>
+              <a:t>Wölbung</a:t>
+            </a:r>
+          </a:p>
+          <a:p>
+            <a:r>
+              <a:rPr lang="de-DE" dirty="0">
+                <a:sym typeface="Wingdings" panose="05000000000000000000" pitchFamily="2" charset="2"/>
+              </a:rPr>
+              <a:t></a:t>
+            </a:r>
+            <a:r>
+              <a:rPr lang="de-DE" dirty="0"/>
+              <a:t>muss die Luft eine weitere Strecke zurücklegen.</a:t>
+            </a:r>
+          </a:p>
+          <a:p>
+            <a:r>
+              <a:rPr lang="de-DE" dirty="0">
+                <a:sym typeface="Wingdings" panose="05000000000000000000" pitchFamily="2" charset="2"/>
+              </a:rPr>
+              <a:t></a:t>
+            </a:r>
+            <a:r>
+              <a:rPr lang="de-DE" dirty="0"/>
+              <a:t>Erhöhung der Strömungsgeschwindigkeit</a:t>
+            </a:r>
+          </a:p>
+          <a:p>
+            <a:r>
+              <a:rPr lang="de-DE" dirty="0"/>
+              <a:t>Bernoulli-Gleichung</a:t>
+            </a:r>
+          </a:p>
+          <a:p>
+            <a:r>
+              <a:rPr lang="de-DE" dirty="0">
+                <a:sym typeface="Wingdings" panose="05000000000000000000" pitchFamily="2" charset="2"/>
+              </a:rPr>
+              <a:t></a:t>
+            </a:r>
+            <a:r>
+              <a:rPr lang="de-DE" dirty="0"/>
+              <a:t>Geschwindigkeitszunahme -&gt; Reduktion des Drucks.</a:t>
+            </a:r>
+          </a:p>
+          <a:p>
+            <a:r>
+              <a:rPr lang="de-DE" dirty="0">
+                <a:sym typeface="Wingdings" panose="05000000000000000000" pitchFamily="2" charset="2"/>
+              </a:rPr>
+              <a:t></a:t>
+            </a:r>
+            <a:r>
+              <a:rPr lang="de-DE" dirty="0"/>
+              <a:t>Sog auf der Oberfläche des Flügels</a:t>
+            </a:r>
+          </a:p>
+          <a:p>
+            <a:r>
+              <a:rPr lang="de-DE" dirty="0"/>
+              <a:t> Unterschiedliche Wölbung</a:t>
+            </a:r>
+          </a:p>
+          <a:p>
+            <a:r>
+              <a:rPr lang="de-DE" dirty="0">
+                <a:sym typeface="Wingdings" panose="05000000000000000000" pitchFamily="2" charset="2"/>
+              </a:rPr>
+              <a:t></a:t>
+            </a:r>
+            <a:r>
+              <a:rPr lang="de-DE" dirty="0"/>
+              <a:t>unterschiedlicher Sog</a:t>
+            </a:r>
+          </a:p>
+          <a:p>
+            <a:pPr marL="285750" indent="-285750">
+              <a:buFont typeface="Wingdings" panose="05000000000000000000" pitchFamily="2" charset="2"/>
+              <a:buChar char="è"/>
+            </a:pPr>
+            <a:endParaRPr lang="de-DE" dirty="0"/>
+          </a:p>
+          <a:p>
+            <a:pPr marL="285750" indent="-285750">
+              <a:buFont typeface="Wingdings" panose="05000000000000000000" pitchFamily="2" charset="2"/>
+              <a:buChar char="è"/>
+            </a:pPr>
+            <a:r>
+              <a:rPr lang="de-DE" dirty="0"/>
+              <a:t>Auftrieb</a:t>
+            </a:r>
+          </a:p>
+          <a:p>
+            <a:endParaRPr lang="de-DE" dirty="0">
+              <a:sym typeface="Wingdings" panose="05000000000000000000" pitchFamily="2" charset="2"/>
+            </a:endParaRPr>
           </a:p>
         </p:txBody>
       </p:sp>
@@ -4369,13 +6015,13 @@
   <p:clrMapOvr>
     <a:masterClrMapping/>
   </p:clrMapOvr>
-  <mc:AlternateContent xmlns:mc="http://schemas.openxmlformats.org/markup-compatibility/2006">
-    <mc:Choice xmlns:p159="http://schemas.microsoft.com/office/powerpoint/2015/09/main" Requires="p159">
+  <mc:AlternateContent xmlns:mc="http://schemas.openxmlformats.org/markup-compatibility/2006" xmlns:p159="http://schemas.microsoft.com/office/powerpoint/2015/09/main">
+    <mc:Choice Requires="p159">
       <p:transition xmlns:p14="http://schemas.microsoft.com/office/powerpoint/2010/main" spd="slow" p14:dur="2000">
         <p159:morph option="byObject"/>
       </p:transition>
     </mc:Choice>
-    <mc:Fallback>
+    <mc:Fallback xmlns="">
       <p:transition spd="slow">
         <p:fade/>
       </p:transition>
@@ -4406,7 +6052,7 @@
           <p:cNvPr id="2" name="Titel 1">
             <a:extLst>
               <a:ext uri="{FF2B5EF4-FFF2-40B4-BE49-F238E27FC236}">
-                <a16:creationId xmlns:a16="http://schemas.microsoft.com/office/drawing/2014/main" id="{CD591FE4-4551-A548-DA04-236E34277E2F}"/>
+                <a16:creationId xmlns:a16="http://schemas.microsoft.com/office/drawing/2014/main" id="{6F380312-00BB-8047-5862-A9601A187507}"/>
               </a:ext>
             </a:extLst>
           </p:cNvPr>
@@ -4424,40 +6070,301 @@
           <a:p>
             <a:r>
               <a:rPr lang="de-DE" dirty="0"/>
-              <a:t>Hubschrauber im Schwebeflug</a:t>
-            </a:r>
-          </a:p>
-        </p:txBody>
-      </p:sp>
-      <p:sp>
-        <p:nvSpPr>
-          <p:cNvPr id="3" name="Inhaltsplatzhalter 2">
-            <a:extLst>
-              <a:ext uri="{FF2B5EF4-FFF2-40B4-BE49-F238E27FC236}">
-                <a16:creationId xmlns:a16="http://schemas.microsoft.com/office/drawing/2014/main" id="{0284E67B-10B8-15A0-CB10-02DF7EF9A01C}"/>
-              </a:ext>
-            </a:extLst>
-          </p:cNvPr>
-          <p:cNvSpPr>
-            <a:spLocks noGrp="1"/>
-          </p:cNvSpPr>
-          <p:nvPr>
-            <p:ph idx="1"/>
-          </p:nvPr>
-        </p:nvSpPr>
-        <p:spPr/>
-        <p:txBody>
-          <a:bodyPr/>
+              <a:t>Aerodynamische Grundlagen</a:t>
+            </a:r>
+          </a:p>
+        </p:txBody>
+      </p:sp>
+      <p:pic>
+        <p:nvPicPr>
+          <p:cNvPr id="7" name="Grafik 6">
+            <a:extLst>
+              <a:ext uri="{FF2B5EF4-FFF2-40B4-BE49-F238E27FC236}">
+                <a16:creationId xmlns:a16="http://schemas.microsoft.com/office/drawing/2014/main" id="{A07099E0-350C-949F-E1A1-4068DE7D6A3F}"/>
+              </a:ext>
+            </a:extLst>
+          </p:cNvPr>
+          <p:cNvPicPr>
+            <a:picLocks noChangeAspect="1"/>
+          </p:cNvPicPr>
+          <p:nvPr/>
+        </p:nvPicPr>
+        <p:blipFill>
+          <a:blip r:embed="rId2"/>
+          <a:stretch>
+            <a:fillRect/>
+          </a:stretch>
+        </p:blipFill>
+        <p:spPr>
+          <a:xfrm>
+            <a:off x="838200" y="1690688"/>
+            <a:ext cx="3331040" cy="1983483"/>
+          </a:xfrm>
+          <a:prstGeom prst="rect">
+            <a:avLst/>
+          </a:prstGeom>
+        </p:spPr>
+      </p:pic>
+      <p:pic>
+        <p:nvPicPr>
+          <p:cNvPr id="10" name="Grafik 9">
+            <a:extLst>
+              <a:ext uri="{FF2B5EF4-FFF2-40B4-BE49-F238E27FC236}">
+                <a16:creationId xmlns:a16="http://schemas.microsoft.com/office/drawing/2014/main" id="{62834C9A-F082-EB74-0585-5120474776BE}"/>
+              </a:ext>
+            </a:extLst>
+          </p:cNvPr>
+          <p:cNvPicPr>
+            <a:picLocks noChangeAspect="1"/>
+          </p:cNvPicPr>
+          <p:nvPr/>
+        </p:nvPicPr>
+        <p:blipFill>
+          <a:blip r:embed="rId3"/>
+          <a:stretch>
+            <a:fillRect/>
+          </a:stretch>
+        </p:blipFill>
+        <p:spPr>
+          <a:xfrm>
+            <a:off x="8074636" y="4342213"/>
+            <a:ext cx="3116501" cy="2024269"/>
+          </a:xfrm>
+          <a:prstGeom prst="rect">
+            <a:avLst/>
+          </a:prstGeom>
+        </p:spPr>
+      </p:pic>
+      <p:pic>
+        <p:nvPicPr>
+          <p:cNvPr id="13" name="Picture 2" descr="Flugzeug, Buchen, Zerhacker, Fliegend">
+            <a:extLst>
+              <a:ext uri="{FF2B5EF4-FFF2-40B4-BE49-F238E27FC236}">
+                <a16:creationId xmlns:a16="http://schemas.microsoft.com/office/drawing/2014/main" id="{494B7586-08DC-FE3E-31AA-BD33D76D0E67}"/>
+              </a:ext>
+            </a:extLst>
+          </p:cNvPr>
+          <p:cNvPicPr>
+            <a:picLocks noChangeAspect="1" noChangeArrowheads="1"/>
+          </p:cNvPicPr>
+          <p:nvPr/>
+        </p:nvPicPr>
+        <p:blipFill>
+          <a:blip r:embed="rId4">
+            <a:alphaModFix amt="38000"/>
+            <a:extLst>
+              <a:ext uri="{28A0092B-C50C-407E-A947-70E740481C1C}">
+                <a14:useLocalDpi xmlns:a14="http://schemas.microsoft.com/office/drawing/2010/main" val="0"/>
+              </a:ext>
+            </a:extLst>
+          </a:blip>
+          <a:srcRect/>
+          <a:stretch>
+            <a:fillRect/>
+          </a:stretch>
+        </p:blipFill>
+        <p:spPr bwMode="auto">
+          <a:xfrm rot="220682" flipH="1">
+            <a:off x="6402844" y="-1082872"/>
+            <a:ext cx="12192000" cy="5547120"/>
+          </a:xfrm>
+          <a:prstGeom prst="rect">
+            <a:avLst/>
+          </a:prstGeom>
+          <a:noFill/>
+          <a:extLst>
+            <a:ext uri="{909E8E84-426E-40DD-AFC4-6F175D3DCCD1}">
+              <a14:hiddenFill xmlns:a14="http://schemas.microsoft.com/office/drawing/2010/main">
+                <a:solidFill>
+                  <a:srgbClr val="FFFFFF"/>
+                </a:solidFill>
+              </a14:hiddenFill>
+            </a:ext>
+          </a:extLst>
+        </p:spPr>
+      </p:pic>
+      <p:sp>
+        <p:nvSpPr>
+          <p:cNvPr id="14" name="Textfeld 13">
+            <a:extLst>
+              <a:ext uri="{FF2B5EF4-FFF2-40B4-BE49-F238E27FC236}">
+                <a16:creationId xmlns:a16="http://schemas.microsoft.com/office/drawing/2014/main" id="{FCCC7178-5F14-FA05-7085-C1C427FD5A03}"/>
+              </a:ext>
+            </a:extLst>
+          </p:cNvPr>
+          <p:cNvSpPr txBox="1"/>
+          <p:nvPr/>
+        </p:nvSpPr>
+        <p:spPr>
+          <a:xfrm>
+            <a:off x="4466896" y="1891862"/>
+            <a:ext cx="2932387" cy="2031325"/>
+          </a:xfrm>
+          <a:prstGeom prst="rect">
+            <a:avLst/>
+          </a:prstGeom>
+          <a:noFill/>
+        </p:spPr>
+        <p:txBody>
+          <a:bodyPr wrap="square" rtlCol="0">
+            <a:spAutoFit/>
+          </a:bodyPr>
           <a:lstStyle/>
           <a:p>
-            <a:endParaRPr lang="de-DE"/>
+            <a:r>
+              <a:rPr lang="de-DE" dirty="0"/>
+              <a:t>Um Abheben zu können:</a:t>
+            </a:r>
+          </a:p>
+          <a:p>
+            <a:r>
+              <a:rPr lang="de-DE" dirty="0"/>
+              <a:t>Flügel zum Luftstrom leicht angestellt</a:t>
+            </a:r>
+          </a:p>
+          <a:p>
+            <a:r>
+              <a:rPr lang="de-DE" dirty="0">
+                <a:sym typeface="Wingdings" panose="05000000000000000000" pitchFamily="2" charset="2"/>
+              </a:rPr>
+              <a:t> Luft nach Unten abgelenkt</a:t>
+            </a:r>
+            <a:endParaRPr lang="de-DE" dirty="0"/>
+          </a:p>
+          <a:p>
+            <a:pPr marL="285750" indent="-285750">
+              <a:buFont typeface="Wingdings" panose="05000000000000000000" pitchFamily="2" charset="2"/>
+              <a:buChar char="è"/>
+            </a:pPr>
+            <a:r>
+              <a:rPr lang="de-DE" dirty="0">
+                <a:sym typeface="Wingdings" panose="05000000000000000000" pitchFamily="2" charset="2"/>
+              </a:rPr>
+              <a:t>Überdruck auf der Flügelunterseite</a:t>
+            </a:r>
+          </a:p>
+          <a:p>
+            <a:endParaRPr lang="de-DE" dirty="0"/>
+          </a:p>
+        </p:txBody>
+      </p:sp>
+      <p:sp>
+        <p:nvSpPr>
+          <p:cNvPr id="15" name="Textfeld 14">
+            <a:extLst>
+              <a:ext uri="{FF2B5EF4-FFF2-40B4-BE49-F238E27FC236}">
+                <a16:creationId xmlns:a16="http://schemas.microsoft.com/office/drawing/2014/main" id="{384540EF-F1EF-138E-A57A-888ADF1A97C2}"/>
+              </a:ext>
+            </a:extLst>
+          </p:cNvPr>
+          <p:cNvSpPr txBox="1"/>
+          <p:nvPr/>
+        </p:nvSpPr>
+        <p:spPr>
+          <a:xfrm>
+            <a:off x="1250730" y="3923187"/>
+            <a:ext cx="6148553" cy="2862322"/>
+          </a:xfrm>
+          <a:prstGeom prst="rect">
+            <a:avLst/>
+          </a:prstGeom>
+          <a:noFill/>
+        </p:spPr>
+        <p:txBody>
+          <a:bodyPr wrap="square" rtlCol="0">
+            <a:spAutoFit/>
+          </a:bodyPr>
+          <a:lstStyle/>
+          <a:p>
+            <a:r>
+              <a:rPr lang="de-DE" dirty="0"/>
+              <a:t>Anstellwinkel</a:t>
+            </a:r>
+          </a:p>
+          <a:p>
+            <a:pPr marL="285750" indent="-285750">
+              <a:buFont typeface="Wingdings" panose="05000000000000000000" pitchFamily="2" charset="2"/>
+              <a:buChar char="à"/>
+            </a:pPr>
+            <a:r>
+              <a:rPr lang="de-DE" dirty="0"/>
+              <a:t>muss die Luft eine noch weitere Strecke zurücklegen.</a:t>
+            </a:r>
+          </a:p>
+          <a:p>
+            <a:pPr marL="285750" indent="-285750">
+              <a:buFont typeface="Wingdings" panose="05000000000000000000" pitchFamily="2" charset="2"/>
+              <a:buChar char="à"/>
+            </a:pPr>
+            <a:r>
+              <a:rPr lang="de-DE" dirty="0">
+                <a:sym typeface="Wingdings" panose="05000000000000000000" pitchFamily="2" charset="2"/>
+              </a:rPr>
+              <a:t>Erhöhung des Unterdrucks auf der Oberseite</a:t>
+            </a:r>
+          </a:p>
+          <a:p>
+            <a:pPr marL="285750" indent="-285750">
+              <a:buFont typeface="Wingdings" panose="05000000000000000000" pitchFamily="2" charset="2"/>
+              <a:buChar char="à"/>
+            </a:pPr>
+            <a:r>
+              <a:rPr lang="de-DE" dirty="0">
+                <a:sym typeface="Wingdings" panose="05000000000000000000" pitchFamily="2" charset="2"/>
+              </a:rPr>
+              <a:t>Erhöhung des Luftwiederstands</a:t>
+            </a:r>
+          </a:p>
+          <a:p>
+            <a:pPr marL="285750" indent="-285750">
+              <a:buFont typeface="Wingdings" panose="05000000000000000000" pitchFamily="2" charset="2"/>
+              <a:buChar char="à"/>
+            </a:pPr>
+            <a:endParaRPr lang="de-DE" dirty="0">
+              <a:sym typeface="Wingdings" panose="05000000000000000000" pitchFamily="2" charset="2"/>
+            </a:endParaRPr>
+          </a:p>
+          <a:p>
+            <a:r>
+              <a:rPr lang="de-DE" dirty="0">
+                <a:sym typeface="Wingdings" panose="05000000000000000000" pitchFamily="2" charset="2"/>
+              </a:rPr>
+              <a:t>!!Achtung:</a:t>
+            </a:r>
+          </a:p>
+          <a:p>
+            <a:r>
+              <a:rPr lang="de-DE" dirty="0">
+                <a:sym typeface="Wingdings" panose="05000000000000000000" pitchFamily="2" charset="2"/>
+              </a:rPr>
+              <a:t>Anstellwinkel und Geschwindigkeit können nicht beliebig erhöht werden. Es besteht die Gefahr, dass die Luftströmung </a:t>
+            </a:r>
+            <a:r>
+              <a:rPr lang="de-DE" dirty="0" err="1">
+                <a:sym typeface="Wingdings" panose="05000000000000000000" pitchFamily="2" charset="2"/>
+              </a:rPr>
+              <a:t>abreissen</a:t>
+            </a:r>
+            <a:r>
+              <a:rPr lang="de-DE" dirty="0">
+                <a:sym typeface="Wingdings" panose="05000000000000000000" pitchFamily="2" charset="2"/>
+              </a:rPr>
+              <a:t> kann. -&gt; Bildung von Wirbeln </a:t>
+            </a:r>
+          </a:p>
+          <a:p>
+            <a:pPr marL="285750" indent="-285750">
+              <a:buFont typeface="Wingdings" panose="05000000000000000000" pitchFamily="2" charset="2"/>
+              <a:buChar char="à"/>
+            </a:pPr>
+            <a:endParaRPr lang="de-DE" dirty="0"/>
           </a:p>
         </p:txBody>
       </p:sp>
     </p:spTree>
     <p:extLst>
       <p:ext uri="{BB962C8B-B14F-4D97-AF65-F5344CB8AC3E}">
-        <p14:creationId xmlns:p14="http://schemas.microsoft.com/office/powerpoint/2010/main" val="252575601"/>
+        <p14:creationId xmlns:p14="http://schemas.microsoft.com/office/powerpoint/2010/main" val="1000767671"/>
       </p:ext>
     </p:extLst>
   </p:cSld>
@@ -4501,7 +6408,7 @@
           <p:cNvPr id="2" name="Titel 1">
             <a:extLst>
               <a:ext uri="{FF2B5EF4-FFF2-40B4-BE49-F238E27FC236}">
-                <a16:creationId xmlns:a16="http://schemas.microsoft.com/office/drawing/2014/main" id="{D4B122DA-85A2-F678-A17A-060E4C4EDC41}"/>
+                <a16:creationId xmlns:a16="http://schemas.microsoft.com/office/drawing/2014/main" id="{CD591FE4-4551-A548-DA04-236E34277E2F}"/>
               </a:ext>
             </a:extLst>
           </p:cNvPr>
@@ -4519,17 +6426,47 @@
           <a:p>
             <a:r>
               <a:rPr lang="de-DE" dirty="0"/>
-              <a:t>Hubschrauber im Vorwärtsflug</a:t>
-            </a:r>
-          </a:p>
-        </p:txBody>
-      </p:sp>
+              <a:t>Funktionsweise</a:t>
+            </a:r>
+          </a:p>
+        </p:txBody>
+      </p:sp>
+      <p:pic>
+        <p:nvPicPr>
+          <p:cNvPr id="5" name="Grafik 4">
+            <a:extLst>
+              <a:ext uri="{FF2B5EF4-FFF2-40B4-BE49-F238E27FC236}">
+                <a16:creationId xmlns:a16="http://schemas.microsoft.com/office/drawing/2014/main" id="{7C18617A-C82C-B569-0E25-DAF3163A49ED}"/>
+              </a:ext>
+            </a:extLst>
+          </p:cNvPr>
+          <p:cNvPicPr>
+            <a:picLocks noChangeAspect="1"/>
+          </p:cNvPicPr>
+          <p:nvPr/>
+        </p:nvPicPr>
+        <p:blipFill>
+          <a:blip r:embed="rId2"/>
+          <a:stretch>
+            <a:fillRect/>
+          </a:stretch>
+        </p:blipFill>
+        <p:spPr>
+          <a:xfrm>
+            <a:off x="7296736" y="3583247"/>
+            <a:ext cx="4715533" cy="3124636"/>
+          </a:xfrm>
+          <a:prstGeom prst="rect">
+            <a:avLst/>
+          </a:prstGeom>
+        </p:spPr>
+      </p:pic>
       <p:sp>
         <p:nvSpPr>
           <p:cNvPr id="3" name="Inhaltsplatzhalter 2">
             <a:extLst>
               <a:ext uri="{FF2B5EF4-FFF2-40B4-BE49-F238E27FC236}">
-                <a16:creationId xmlns:a16="http://schemas.microsoft.com/office/drawing/2014/main" id="{EDFFE8C3-700F-0BA1-698F-1C12316D196A}"/>
+                <a16:creationId xmlns:a16="http://schemas.microsoft.com/office/drawing/2014/main" id="{0284E67B-10B8-15A0-CB10-02DF7EF9A01C}"/>
               </a:ext>
             </a:extLst>
           </p:cNvPr>
@@ -4545,14 +6482,137 @@
           <a:bodyPr/>
           <a:lstStyle/>
           <a:p>
-            <a:endParaRPr lang="de-DE"/>
-          </a:p>
-        </p:txBody>
-      </p:sp>
+            <a:pPr marL="0" indent="0">
+              <a:buNone/>
+            </a:pPr>
+            <a:r>
+              <a:rPr lang="de-DE" dirty="0"/>
+              <a:t>Drehende Rotorblätter</a:t>
+            </a:r>
+          </a:p>
+          <a:p>
+            <a:pPr>
+              <a:buFont typeface="Wingdings" panose="05000000000000000000" pitchFamily="2" charset="2"/>
+              <a:buChar char="à"/>
+            </a:pPr>
+            <a:r>
+              <a:rPr lang="de-DE" dirty="0">
+                <a:sym typeface="Wingdings" panose="05000000000000000000" pitchFamily="2" charset="2"/>
+              </a:rPr>
+              <a:t>Beschleunigung der Luft von Oben nach Unten</a:t>
+            </a:r>
+          </a:p>
+          <a:p>
+            <a:pPr marL="0" indent="0">
+              <a:buNone/>
+            </a:pPr>
+            <a:r>
+              <a:rPr lang="de-DE" dirty="0">
+                <a:sym typeface="Wingdings" panose="05000000000000000000" pitchFamily="2" charset="2"/>
+              </a:rPr>
+              <a:t>Kollektive Blattverstellung</a:t>
+            </a:r>
+          </a:p>
+          <a:p>
+            <a:pPr>
+              <a:buFont typeface="Wingdings" panose="05000000000000000000" pitchFamily="2" charset="2"/>
+              <a:buChar char="à"/>
+            </a:pPr>
+            <a:r>
+              <a:rPr lang="de-DE" dirty="0">
+                <a:sym typeface="Wingdings" panose="05000000000000000000" pitchFamily="2" charset="2"/>
+              </a:rPr>
+              <a:t>Erhöhung des Gesamtauftriebs</a:t>
+            </a:r>
+          </a:p>
+          <a:p>
+            <a:pPr marL="0" indent="0">
+              <a:buNone/>
+            </a:pPr>
+            <a:r>
+              <a:rPr lang="de-DE" dirty="0">
+                <a:sym typeface="Wingdings" panose="05000000000000000000" pitchFamily="2" charset="2"/>
+              </a:rPr>
+              <a:t>Neigung der Neigung der Rotorebene nach vorne</a:t>
+            </a:r>
+          </a:p>
+          <a:p>
+            <a:pPr marL="0" indent="0">
+              <a:buNone/>
+            </a:pPr>
+            <a:r>
+              <a:rPr lang="de-DE" dirty="0">
+                <a:sym typeface="Wingdings" panose="05000000000000000000" pitchFamily="2" charset="2"/>
+              </a:rPr>
+              <a:t>Luftstrom leicht nach hinten gerichtet</a:t>
+            </a:r>
+          </a:p>
+          <a:p>
+            <a:pPr marL="0" indent="0">
+              <a:buNone/>
+            </a:pPr>
+            <a:r>
+              <a:rPr lang="de-DE" dirty="0">
+                <a:sym typeface="Wingdings" panose="05000000000000000000" pitchFamily="2" charset="2"/>
+              </a:rPr>
+              <a:t>Bewegung nach vorne</a:t>
+            </a:r>
+            <a:endParaRPr lang="de-DE" dirty="0"/>
+          </a:p>
+        </p:txBody>
+      </p:sp>
+      <p:pic>
+        <p:nvPicPr>
+          <p:cNvPr id="6" name="Picture 2" descr="Flugzeug, Buchen, Zerhacker, Fliegend">
+            <a:extLst>
+              <a:ext uri="{FF2B5EF4-FFF2-40B4-BE49-F238E27FC236}">
+                <a16:creationId xmlns:a16="http://schemas.microsoft.com/office/drawing/2014/main" id="{19CE7DBA-A996-B79B-BCB8-354696F2F867}"/>
+              </a:ext>
+            </a:extLst>
+          </p:cNvPr>
+          <p:cNvPicPr>
+            <a:picLocks noChangeAspect="1" noChangeArrowheads="1"/>
+          </p:cNvPicPr>
+          <p:nvPr/>
+        </p:nvPicPr>
+        <p:blipFill>
+          <a:blip r:embed="rId3">
+            <a:alphaModFix amt="38000"/>
+            <a:extLst>
+              <a:ext uri="{28A0092B-C50C-407E-A947-70E740481C1C}">
+                <a14:useLocalDpi xmlns:a14="http://schemas.microsoft.com/office/drawing/2010/main" val="0"/>
+              </a:ext>
+            </a:extLst>
+          </a:blip>
+          <a:srcRect/>
+          <a:stretch>
+            <a:fillRect/>
+          </a:stretch>
+        </p:blipFill>
+        <p:spPr bwMode="auto">
+          <a:xfrm rot="21256575" flipH="1">
+            <a:off x="3558502" y="-401555"/>
+            <a:ext cx="12192000" cy="5547120"/>
+          </a:xfrm>
+          <a:prstGeom prst="rect">
+            <a:avLst/>
+          </a:prstGeom>
+          <a:noFill/>
+          <a:extLst>
+            <a:ext uri="{909E8E84-426E-40DD-AFC4-6F175D3DCCD1}">
+              <a14:hiddenFill xmlns:a14="http://schemas.microsoft.com/office/drawing/2010/main">
+                <a:solidFill>
+                  <a:srgbClr val="FFFFFF"/>
+                </a:solidFill>
+              </a14:hiddenFill>
+            </a:ext>
+          </a:extLst>
+        </p:spPr>
+      </p:pic>
     </p:spTree>
     <p:extLst>
       <p:ext uri="{BB962C8B-B14F-4D97-AF65-F5344CB8AC3E}">
-        <p14:creationId xmlns:p14="http://schemas.microsoft.com/office/powerpoint/2010/main" val="1014420853"/>
+        <p14:creationId xmlns:p14="http://schemas.microsoft.com/office/powerpoint/2010/main" val="3125808924"/>
       </p:ext>
     </p:extLst>
   </p:cSld>
@@ -4596,7 +6656,7 @@
           <p:cNvPr id="2" name="Titel 1">
             <a:extLst>
               <a:ext uri="{FF2B5EF4-FFF2-40B4-BE49-F238E27FC236}">
-                <a16:creationId xmlns:a16="http://schemas.microsoft.com/office/drawing/2014/main" id="{743CFFD7-77FB-DCAF-32F8-2620169107B0}"/>
+                <a16:creationId xmlns:a16="http://schemas.microsoft.com/office/drawing/2014/main" id="{CD591FE4-4551-A548-DA04-236E34277E2F}"/>
               </a:ext>
             </a:extLst>
           </p:cNvPr>
@@ -4614,17 +6674,47 @@
           <a:p>
             <a:r>
               <a:rPr lang="de-DE" dirty="0"/>
-              <a:t>Autorotation</a:t>
-            </a:r>
-          </a:p>
-        </p:txBody>
-      </p:sp>
+              <a:t>Steuerung</a:t>
+            </a:r>
+          </a:p>
+        </p:txBody>
+      </p:sp>
+      <p:pic>
+        <p:nvPicPr>
+          <p:cNvPr id="5" name="Grafik 4">
+            <a:extLst>
+              <a:ext uri="{FF2B5EF4-FFF2-40B4-BE49-F238E27FC236}">
+                <a16:creationId xmlns:a16="http://schemas.microsoft.com/office/drawing/2014/main" id="{D7D501B0-E5D3-BFB1-9DC3-875AB6BAF956}"/>
+              </a:ext>
+            </a:extLst>
+          </p:cNvPr>
+          <p:cNvPicPr>
+            <a:picLocks noChangeAspect="1"/>
+          </p:cNvPicPr>
+          <p:nvPr/>
+        </p:nvPicPr>
+        <p:blipFill>
+          <a:blip r:embed="rId2"/>
+          <a:stretch>
+            <a:fillRect/>
+          </a:stretch>
+        </p:blipFill>
+        <p:spPr>
+          <a:xfrm>
+            <a:off x="6096000" y="3429000"/>
+            <a:ext cx="4677428" cy="2924583"/>
+          </a:xfrm>
+          <a:prstGeom prst="rect">
+            <a:avLst/>
+          </a:prstGeom>
+        </p:spPr>
+      </p:pic>
       <p:sp>
         <p:nvSpPr>
           <p:cNvPr id="3" name="Inhaltsplatzhalter 2">
             <a:extLst>
               <a:ext uri="{FF2B5EF4-FFF2-40B4-BE49-F238E27FC236}">
-                <a16:creationId xmlns:a16="http://schemas.microsoft.com/office/drawing/2014/main" id="{B3D6C2D5-113F-E9E4-01DD-706AA0783287}"/>
+                <a16:creationId xmlns:a16="http://schemas.microsoft.com/office/drawing/2014/main" id="{0284E67B-10B8-15A0-CB10-02DF7EF9A01C}"/>
               </a:ext>
             </a:extLst>
           </p:cNvPr>
@@ -4640,14 +6730,125 @@
           <a:bodyPr/>
           <a:lstStyle/>
           <a:p>
-            <a:endParaRPr lang="de-DE"/>
-          </a:p>
-        </p:txBody>
-      </p:sp>
+            <a:pPr marL="0" indent="0">
+              <a:buNone/>
+            </a:pPr>
+            <a:r>
+              <a:rPr lang="de-DE" dirty="0"/>
+              <a:t>Neigung der Rotorebene in Wunschrichtung </a:t>
+            </a:r>
+          </a:p>
+          <a:p>
+            <a:pPr marL="0" indent="0">
+              <a:buNone/>
+            </a:pPr>
+            <a:r>
+              <a:rPr lang="de-DE" dirty="0">
+                <a:sym typeface="Wingdings" panose="05000000000000000000" pitchFamily="2" charset="2"/>
+              </a:rPr>
+              <a:t>Wirkung des Wechselwirkungsprinzip</a:t>
+            </a:r>
+          </a:p>
+          <a:p>
+            <a:pPr>
+              <a:buFont typeface="Wingdings" panose="05000000000000000000" pitchFamily="2" charset="2"/>
+              <a:buChar char="è"/>
+            </a:pPr>
+            <a:r>
+              <a:rPr lang="de-DE" dirty="0">
+                <a:sym typeface="Wingdings" panose="05000000000000000000" pitchFamily="2" charset="2"/>
+              </a:rPr>
+              <a:t>Ausgleichung des Drehmoments mit dem Heckrotor</a:t>
+            </a:r>
+          </a:p>
+          <a:p>
+            <a:pPr marL="0" indent="0">
+              <a:buNone/>
+            </a:pPr>
+            <a:r>
+              <a:rPr lang="de-DE" dirty="0">
+                <a:sym typeface="Wingdings" panose="05000000000000000000" pitchFamily="2" charset="2"/>
+              </a:rPr>
+              <a:t>Nutzung des Heckrotor</a:t>
+            </a:r>
+          </a:p>
+          <a:p>
+            <a:pPr>
+              <a:buFont typeface="Wingdings" panose="05000000000000000000" pitchFamily="2" charset="2"/>
+              <a:buChar char="à"/>
+            </a:pPr>
+            <a:r>
+              <a:rPr lang="de-DE" dirty="0">
+                <a:sym typeface="Wingdings" panose="05000000000000000000" pitchFamily="2" charset="2"/>
+              </a:rPr>
+              <a:t>Steuerung um die Hochachse </a:t>
+            </a:r>
+          </a:p>
+          <a:p>
+            <a:pPr marL="0" indent="0">
+              <a:buNone/>
+            </a:pPr>
+            <a:r>
+              <a:rPr lang="de-DE" dirty="0">
+                <a:sym typeface="Wingdings" panose="05000000000000000000" pitchFamily="2" charset="2"/>
+              </a:rPr>
+              <a:t>    im Schwebeflug</a:t>
+            </a:r>
+          </a:p>
+        </p:txBody>
+      </p:sp>
+      <p:pic>
+        <p:nvPicPr>
+          <p:cNvPr id="6" name="Picture 2" descr="Flugzeug, Buchen, Zerhacker, Fliegend">
+            <a:extLst>
+              <a:ext uri="{FF2B5EF4-FFF2-40B4-BE49-F238E27FC236}">
+                <a16:creationId xmlns:a16="http://schemas.microsoft.com/office/drawing/2014/main" id="{B3D53604-6576-880D-AC95-3FDB58FB77CB}"/>
+              </a:ext>
+            </a:extLst>
+          </p:cNvPr>
+          <p:cNvPicPr>
+            <a:picLocks noChangeAspect="1" noChangeArrowheads="1"/>
+          </p:cNvPicPr>
+          <p:nvPr/>
+        </p:nvPicPr>
+        <p:blipFill>
+          <a:blip r:embed="rId3">
+            <a:alphaModFix amt="38000"/>
+            <a:extLst>
+              <a:ext uri="{28A0092B-C50C-407E-A947-70E740481C1C}">
+                <a14:useLocalDpi xmlns:a14="http://schemas.microsoft.com/office/drawing/2010/main" val="0"/>
+              </a:ext>
+            </a:extLst>
+          </a:blip>
+          <a:srcRect/>
+          <a:stretch>
+            <a:fillRect/>
+          </a:stretch>
+        </p:blipFill>
+        <p:spPr bwMode="auto">
+          <a:xfrm flipH="1">
+            <a:off x="2338714" y="681037"/>
+            <a:ext cx="12192000" cy="5547120"/>
+          </a:xfrm>
+          <a:prstGeom prst="rect">
+            <a:avLst/>
+          </a:prstGeom>
+          <a:noFill/>
+          <a:extLst>
+            <a:ext uri="{909E8E84-426E-40DD-AFC4-6F175D3DCCD1}">
+              <a14:hiddenFill xmlns:a14="http://schemas.microsoft.com/office/drawing/2010/main">
+                <a:solidFill>
+                  <a:srgbClr val="FFFFFF"/>
+                </a:solidFill>
+              </a14:hiddenFill>
+            </a:ext>
+          </a:extLst>
+        </p:spPr>
+      </p:pic>
     </p:spTree>
     <p:extLst>
       <p:ext uri="{BB962C8B-B14F-4D97-AF65-F5344CB8AC3E}">
-        <p14:creationId xmlns:p14="http://schemas.microsoft.com/office/powerpoint/2010/main" val="3239766607"/>
+        <p14:creationId xmlns:p14="http://schemas.microsoft.com/office/powerpoint/2010/main" val="2975463447"/>
       </p:ext>
     </p:extLst>
   </p:cSld>
@@ -4691,7 +6892,7 @@
           <p:cNvPr id="2" name="Titel 1">
             <a:extLst>
               <a:ext uri="{FF2B5EF4-FFF2-40B4-BE49-F238E27FC236}">
-                <a16:creationId xmlns:a16="http://schemas.microsoft.com/office/drawing/2014/main" id="{3EC86A5E-B7FF-BF13-4462-39453AB124A0}"/>
+                <a16:creationId xmlns:a16="http://schemas.microsoft.com/office/drawing/2014/main" id="{CD591FE4-4551-A548-DA04-236E34277E2F}"/>
               </a:ext>
             </a:extLst>
           </p:cNvPr>
@@ -4709,17 +6910,47 @@
           <a:p>
             <a:r>
               <a:rPr lang="de-DE" dirty="0"/>
-              <a:t>Quellen</a:t>
-            </a:r>
-          </a:p>
-        </p:txBody>
-      </p:sp>
+              <a:t>Hubschrauber im Schwebeflug</a:t>
+            </a:r>
+          </a:p>
+        </p:txBody>
+      </p:sp>
+      <p:pic>
+        <p:nvPicPr>
+          <p:cNvPr id="5" name="Grafik 4">
+            <a:extLst>
+              <a:ext uri="{FF2B5EF4-FFF2-40B4-BE49-F238E27FC236}">
+                <a16:creationId xmlns:a16="http://schemas.microsoft.com/office/drawing/2014/main" id="{9C63C1A0-376B-15DF-38F2-40532EBF7B78}"/>
+              </a:ext>
+            </a:extLst>
+          </p:cNvPr>
+          <p:cNvPicPr>
+            <a:picLocks noChangeAspect="1"/>
+          </p:cNvPicPr>
+          <p:nvPr/>
+        </p:nvPicPr>
+        <p:blipFill>
+          <a:blip r:embed="rId2"/>
+          <a:stretch>
+            <a:fillRect/>
+          </a:stretch>
+        </p:blipFill>
+        <p:spPr>
+          <a:xfrm>
+            <a:off x="9269755" y="1018404"/>
+            <a:ext cx="2207542" cy="2579038"/>
+          </a:xfrm>
+          <a:prstGeom prst="rect">
+            <a:avLst/>
+          </a:prstGeom>
+        </p:spPr>
+      </p:pic>
       <p:sp>
         <p:nvSpPr>
           <p:cNvPr id="3" name="Inhaltsplatzhalter 2">
             <a:extLst>
               <a:ext uri="{FF2B5EF4-FFF2-40B4-BE49-F238E27FC236}">
-                <a16:creationId xmlns:a16="http://schemas.microsoft.com/office/drawing/2014/main" id="{1D21B67E-6197-A657-1FEB-39E9CFD987D8}"/>
+                <a16:creationId xmlns:a16="http://schemas.microsoft.com/office/drawing/2014/main" id="{0284E67B-10B8-15A0-CB10-02DF7EF9A01C}"/>
               </a:ext>
             </a:extLst>
           </p:cNvPr>
@@ -4730,90 +6961,1048 @@
             <p:ph idx="1"/>
           </p:nvPr>
         </p:nvSpPr>
-        <p:spPr/>
-        <p:txBody>
-          <a:bodyPr/>
+        <p:spPr>
+          <a:xfrm>
+            <a:off x="4495799" y="1875411"/>
+            <a:ext cx="8284779" cy="865023"/>
+          </a:xfrm>
+        </p:spPr>
+        <p:txBody>
+          <a:bodyPr>
+            <a:noAutofit/>
+          </a:bodyPr>
           <a:lstStyle/>
           <a:p>
-            <a:r>
-              <a:rPr lang="de-DE" dirty="0" err="1"/>
-              <a:t>Inforamtionen</a:t>
-            </a:r>
+            <a:pPr marL="0" indent="0">
+              <a:buNone/>
+            </a:pPr>
+            <a:r>
+              <a:rPr lang="de-DE" sz="1800" dirty="0"/>
+              <a:t>Ermöglicht durch die Hauptrotorblätterrotation </a:t>
+            </a:r>
+          </a:p>
+          <a:p>
+            <a:pPr marL="0" indent="0">
+              <a:buNone/>
+            </a:pPr>
+            <a:r>
+              <a:rPr lang="de-DE" sz="1800" dirty="0">
+                <a:sym typeface="Wingdings" panose="05000000000000000000" pitchFamily="2" charset="2"/>
+              </a:rPr>
+              <a:t> </a:t>
+            </a:r>
+            <a:r>
+              <a:rPr lang="de-DE" sz="1800" dirty="0"/>
+              <a:t>Durchgehender Luftstrom -&gt; durchgehender Auftrieb</a:t>
+            </a:r>
+          </a:p>
+        </p:txBody>
+      </p:sp>
+      <p:sp>
+        <p:nvSpPr>
+          <p:cNvPr id="6" name="Textfeld 5">
+            <a:extLst>
+              <a:ext uri="{FF2B5EF4-FFF2-40B4-BE49-F238E27FC236}">
+                <a16:creationId xmlns:a16="http://schemas.microsoft.com/office/drawing/2014/main" id="{C2A4FB62-A195-B5AB-B095-A80EB2C74FC0}"/>
+              </a:ext>
+            </a:extLst>
+          </p:cNvPr>
+          <p:cNvSpPr txBox="1"/>
+          <p:nvPr/>
+        </p:nvSpPr>
+        <p:spPr>
+          <a:xfrm>
+            <a:off x="838200" y="4353328"/>
+            <a:ext cx="4782207" cy="923330"/>
+          </a:xfrm>
+          <a:prstGeom prst="rect">
+            <a:avLst/>
+          </a:prstGeom>
+          <a:noFill/>
+        </p:spPr>
+        <p:txBody>
+          <a:bodyPr wrap="square" rtlCol="0">
+            <a:spAutoFit/>
+          </a:bodyPr>
+          <a:lstStyle/>
+          <a:p>
             <a:r>
               <a:rPr lang="de-DE" dirty="0"/>
-              <a:t>:</a:t>
-            </a:r>
-          </a:p>
-          <a:p>
-            <a:pPr lvl="1"/>
+              <a:t>Erhöhung des Anstellwinkels bei allen Rotorblättern mit der kollektiven Blattverstellung</a:t>
+            </a:r>
+          </a:p>
+          <a:p>
+            <a:r>
+              <a:rPr lang="de-DE" dirty="0">
+                <a:sym typeface="Wingdings" panose="05000000000000000000" pitchFamily="2" charset="2"/>
+              </a:rPr>
+              <a:t> Auftrieb steigt und Hubschrauber steigt</a:t>
+            </a:r>
+            <a:endParaRPr lang="de-DE" dirty="0"/>
+          </a:p>
+        </p:txBody>
+      </p:sp>
+      <p:pic>
+        <p:nvPicPr>
+          <p:cNvPr id="13" name="Grafik 12">
+            <a:extLst>
+              <a:ext uri="{FF2B5EF4-FFF2-40B4-BE49-F238E27FC236}">
+                <a16:creationId xmlns:a16="http://schemas.microsoft.com/office/drawing/2014/main" id="{1F75FF94-2673-DB24-18D6-F1FFD58BDDA5}"/>
+              </a:ext>
+            </a:extLst>
+          </p:cNvPr>
+          <p:cNvPicPr>
+            <a:picLocks noChangeAspect="1"/>
+          </p:cNvPicPr>
+          <p:nvPr/>
+        </p:nvPicPr>
+        <p:blipFill>
+          <a:blip r:embed="rId3"/>
+          <a:stretch>
+            <a:fillRect/>
+          </a:stretch>
+        </p:blipFill>
+        <p:spPr>
+          <a:xfrm>
+            <a:off x="5653968" y="3091630"/>
+            <a:ext cx="2583742" cy="2521400"/>
+          </a:xfrm>
+          <a:prstGeom prst="rect">
+            <a:avLst/>
+          </a:prstGeom>
+        </p:spPr>
+      </p:pic>
+      <p:sp>
+        <p:nvSpPr>
+          <p:cNvPr id="9" name="Textfeld 8">
+            <a:extLst>
+              <a:ext uri="{FF2B5EF4-FFF2-40B4-BE49-F238E27FC236}">
+                <a16:creationId xmlns:a16="http://schemas.microsoft.com/office/drawing/2014/main" id="{15482757-81EF-D6F2-C192-0AE3C866DD4B}"/>
+              </a:ext>
+            </a:extLst>
+          </p:cNvPr>
+          <p:cNvSpPr txBox="1"/>
+          <p:nvPr/>
+        </p:nvSpPr>
+        <p:spPr>
+          <a:xfrm>
+            <a:off x="7262648" y="5151365"/>
+            <a:ext cx="4782207" cy="923330"/>
+          </a:xfrm>
+          <a:prstGeom prst="rect">
+            <a:avLst/>
+          </a:prstGeom>
+          <a:noFill/>
+        </p:spPr>
+        <p:txBody>
+          <a:bodyPr wrap="square" rtlCol="0">
+            <a:spAutoFit/>
+          </a:bodyPr>
+          <a:lstStyle/>
+          <a:p>
             <a:r>
               <a:rPr lang="de-DE" dirty="0"/>
-              <a:t>Hubschrauberflug.at; Hubschrauber Technik: </a:t>
-            </a:r>
+              <a:t>Reduzierung des Anstellwinkels bei allen Rotorblättern mit der kollektiven Blattverstellung</a:t>
+            </a:r>
+          </a:p>
+          <a:p>
             <a:r>
               <a:rPr lang="de-DE" dirty="0">
-                <a:hlinkClick r:id="rId2"/>
+                <a:sym typeface="Wingdings" panose="05000000000000000000" pitchFamily="2" charset="2"/>
               </a:rPr>
-              <a:t>https://www.hubschrauberflug.at/de/infos/technik</a:t>
-            </a:r>
-            <a:r>
-              <a:rPr lang="de-DE" dirty="0"/>
-              <a:t> </a:t>
-            </a:r>
-          </a:p>
-          <a:p>
-            <a:r>
-              <a:rPr lang="de-DE" dirty="0"/>
-              <a:t>Grafiken:</a:t>
-            </a:r>
-          </a:p>
-          <a:p>
-            <a:pPr lvl="1"/>
-            <a:r>
-              <a:rPr lang="de-DE" dirty="0" err="1"/>
-              <a:t>Pixabay</a:t>
-            </a:r>
-            <a:r>
-              <a:rPr lang="de-DE" dirty="0"/>
-              <a:t>, </a:t>
-            </a:r>
-            <a:r>
-              <a:rPr lang="de-DE" i="0" u="none" strike="noStrike" dirty="0" err="1">
+              <a:t>Auftrieb wird kleiner und Hubschrauber sinkt</a:t>
+            </a:r>
+            <a:endParaRPr lang="de-DE" dirty="0"/>
+          </a:p>
+        </p:txBody>
+      </p:sp>
+      <p:pic>
+        <p:nvPicPr>
+          <p:cNvPr id="11" name="Grafik 10">
+            <a:extLst>
+              <a:ext uri="{FF2B5EF4-FFF2-40B4-BE49-F238E27FC236}">
+                <a16:creationId xmlns:a16="http://schemas.microsoft.com/office/drawing/2014/main" id="{E53ADF6C-7864-BD26-0C40-90BE8DBA325B}"/>
+              </a:ext>
+            </a:extLst>
+          </p:cNvPr>
+          <p:cNvPicPr>
+            <a:picLocks noChangeAspect="1"/>
+          </p:cNvPicPr>
+          <p:nvPr/>
+        </p:nvPicPr>
+        <p:blipFill>
+          <a:blip r:embed="rId4"/>
+          <a:stretch>
+            <a:fillRect/>
+          </a:stretch>
+        </p:blipFill>
+        <p:spPr>
+          <a:xfrm>
+            <a:off x="1170223" y="1548871"/>
+            <a:ext cx="2377017" cy="2803459"/>
+          </a:xfrm>
+          <a:prstGeom prst="rect">
+            <a:avLst/>
+          </a:prstGeom>
+        </p:spPr>
+      </p:pic>
+      <p:pic>
+        <p:nvPicPr>
+          <p:cNvPr id="14" name="Picture 2" descr="Flugzeug, Buchen, Zerhacker, Fliegend">
+            <a:extLst>
+              <a:ext uri="{FF2B5EF4-FFF2-40B4-BE49-F238E27FC236}">
+                <a16:creationId xmlns:a16="http://schemas.microsoft.com/office/drawing/2014/main" id="{169E6EB3-7F4D-C27C-653A-F30DD2DD57F9}"/>
+              </a:ext>
+            </a:extLst>
+          </p:cNvPr>
+          <p:cNvPicPr>
+            <a:picLocks noChangeAspect="1" noChangeArrowheads="1"/>
+          </p:cNvPicPr>
+          <p:nvPr/>
+        </p:nvPicPr>
+        <p:blipFill>
+          <a:blip r:embed="rId5">
+            <a:alphaModFix amt="38000"/>
+            <a:extLst>
+              <a:ext uri="{28A0092B-C50C-407E-A947-70E740481C1C}">
+                <a14:useLocalDpi xmlns:a14="http://schemas.microsoft.com/office/drawing/2010/main" val="0"/>
+              </a:ext>
+            </a:extLst>
+          </a:blip>
+          <a:srcRect/>
+          <a:stretch>
+            <a:fillRect/>
+          </a:stretch>
+        </p:blipFill>
+        <p:spPr bwMode="auto">
+          <a:xfrm rot="21009928" flipH="1">
+            <a:off x="-4110738" y="2377804"/>
+            <a:ext cx="12192000" cy="5547120"/>
+          </a:xfrm>
+          <a:prstGeom prst="rect">
+            <a:avLst/>
+          </a:prstGeom>
+          <a:noFill/>
+          <a:extLst>
+            <a:ext uri="{909E8E84-426E-40DD-AFC4-6F175D3DCCD1}">
+              <a14:hiddenFill xmlns:a14="http://schemas.microsoft.com/office/drawing/2010/main">
                 <a:solidFill>
-                  <a:srgbClr val="191B26"/>
+                  <a:srgbClr val="FFFFFF"/>
                 </a:solidFill>
-                <a:effectLst/>
-              </a:rPr>
-              <a:t>OpenClipart-Vectors</a:t>
-            </a:r>
-            <a:r>
-              <a:rPr lang="de-DE" dirty="0"/>
-              <a:t>:</a:t>
-            </a:r>
-            <a:r>
-              <a:rPr lang="de-DE" dirty="0">
-                <a:hlinkClick r:id="rId3"/>
-              </a:rPr>
-              <a:t> https://pixabay.com/de/vectors/flugzeug-buchen-zerhacker-fliegend-2025117/</a:t>
-            </a:r>
-            <a:r>
-              <a:rPr lang="de-DE" dirty="0"/>
-              <a:t> </a:t>
-            </a:r>
-          </a:p>
-          <a:p>
-            <a:pPr lvl="1"/>
-            <a:br>
-              <a:rPr lang="de-DE" dirty="0"/>
-            </a:br>
-            <a:endParaRPr lang="de-DE" dirty="0"/>
-          </a:p>
-        </p:txBody>
-      </p:sp>
+              </a14:hiddenFill>
+            </a:ext>
+          </a:extLst>
+        </p:spPr>
+      </p:pic>
     </p:spTree>
     <p:extLst>
       <p:ext uri="{BB962C8B-B14F-4D97-AF65-F5344CB8AC3E}">
-        <p14:creationId xmlns:p14="http://schemas.microsoft.com/office/powerpoint/2010/main" val="2239308684"/>
+        <p14:creationId xmlns:p14="http://schemas.microsoft.com/office/powerpoint/2010/main" val="252575601"/>
+      </p:ext>
+    </p:extLst>
+  </p:cSld>
+  <p:clrMapOvr>
+    <a:masterClrMapping/>
+  </p:clrMapOvr>
+  <mc:AlternateContent xmlns:mc="http://schemas.openxmlformats.org/markup-compatibility/2006" xmlns:p159="http://schemas.microsoft.com/office/powerpoint/2015/09/main">
+    <mc:Choice Requires="p159">
+      <p:transition xmlns:p14="http://schemas.microsoft.com/office/powerpoint/2010/main" spd="slow" p14:dur="2000">
+        <p159:morph option="byObject"/>
+      </p:transition>
+    </mc:Choice>
+    <mc:Fallback xmlns="">
+      <p:transition spd="slow">
+        <p:fade/>
+      </p:transition>
+    </mc:Fallback>
+  </mc:AlternateContent>
+</p:sld>
+</file>
+
+<file path=ppt/slides/slide8.xml><?xml version="1.0" encoding="utf-8"?>
+<p:sld xmlns:a="http://schemas.openxmlformats.org/drawingml/2006/main" xmlns:r="http://schemas.openxmlformats.org/officeDocument/2006/relationships" xmlns:p="http://schemas.openxmlformats.org/presentationml/2006/main">
+  <p:cSld>
+    <p:spTree>
+      <p:nvGrpSpPr>
+        <p:cNvPr id="1" name=""/>
+        <p:cNvGrpSpPr/>
+        <p:nvPr/>
+      </p:nvGrpSpPr>
+      <p:grpSpPr>
+        <a:xfrm>
+          <a:off x="0" y="0"/>
+          <a:ext cx="0" cy="0"/>
+          <a:chOff x="0" y="0"/>
+          <a:chExt cx="0" cy="0"/>
+        </a:xfrm>
+      </p:grpSpPr>
+      <p:sp>
+        <p:nvSpPr>
+          <p:cNvPr id="2" name="Titel 1">
+            <a:extLst>
+              <a:ext uri="{FF2B5EF4-FFF2-40B4-BE49-F238E27FC236}">
+                <a16:creationId xmlns:a16="http://schemas.microsoft.com/office/drawing/2014/main" id="{CD591FE4-4551-A548-DA04-236E34277E2F}"/>
+              </a:ext>
+            </a:extLst>
+          </p:cNvPr>
+          <p:cNvSpPr>
+            <a:spLocks noGrp="1"/>
+          </p:cNvSpPr>
+          <p:nvPr>
+            <p:ph type="title"/>
+          </p:nvPr>
+        </p:nvSpPr>
+        <p:spPr/>
+        <p:txBody>
+          <a:bodyPr/>
+          <a:lstStyle/>
+          <a:p>
+            <a:r>
+              <a:rPr lang="de-DE" dirty="0"/>
+              <a:t>Hubschrauber im Schwebeflug</a:t>
+            </a:r>
+          </a:p>
+        </p:txBody>
+      </p:sp>
+      <p:pic>
+        <p:nvPicPr>
+          <p:cNvPr id="12" name="Grafik 11">
+            <a:extLst>
+              <a:ext uri="{FF2B5EF4-FFF2-40B4-BE49-F238E27FC236}">
+                <a16:creationId xmlns:a16="http://schemas.microsoft.com/office/drawing/2014/main" id="{5CEACECA-763B-9B49-08E7-3280B47CE2B2}"/>
+              </a:ext>
+            </a:extLst>
+          </p:cNvPr>
+          <p:cNvPicPr>
+            <a:picLocks noChangeAspect="1"/>
+          </p:cNvPicPr>
+          <p:nvPr/>
+        </p:nvPicPr>
+        <p:blipFill>
+          <a:blip r:embed="rId2"/>
+          <a:stretch>
+            <a:fillRect/>
+          </a:stretch>
+        </p:blipFill>
+        <p:spPr>
+          <a:xfrm>
+            <a:off x="4384358" y="1265739"/>
+            <a:ext cx="2499042" cy="2425931"/>
+          </a:xfrm>
+          <a:prstGeom prst="rect">
+            <a:avLst/>
+          </a:prstGeom>
+        </p:spPr>
+      </p:pic>
+      <p:pic>
+        <p:nvPicPr>
+          <p:cNvPr id="16" name="Grafik 15">
+            <a:extLst>
+              <a:ext uri="{FF2B5EF4-FFF2-40B4-BE49-F238E27FC236}">
+                <a16:creationId xmlns:a16="http://schemas.microsoft.com/office/drawing/2014/main" id="{03B32C58-944C-C2C7-D60C-B2B2FC83A10A}"/>
+              </a:ext>
+            </a:extLst>
+          </p:cNvPr>
+          <p:cNvPicPr>
+            <a:picLocks noChangeAspect="1"/>
+          </p:cNvPicPr>
+          <p:nvPr/>
+        </p:nvPicPr>
+        <p:blipFill>
+          <a:blip r:embed="rId3"/>
+          <a:stretch>
+            <a:fillRect/>
+          </a:stretch>
+        </p:blipFill>
+        <p:spPr>
+          <a:xfrm>
+            <a:off x="7872542" y="3807716"/>
+            <a:ext cx="3330316" cy="2458912"/>
+          </a:xfrm>
+          <a:prstGeom prst="rect">
+            <a:avLst/>
+          </a:prstGeom>
+        </p:spPr>
+      </p:pic>
+      <p:pic>
+        <p:nvPicPr>
+          <p:cNvPr id="14" name="Picture 2" descr="Flugzeug, Buchen, Zerhacker, Fliegend">
+            <a:extLst>
+              <a:ext uri="{FF2B5EF4-FFF2-40B4-BE49-F238E27FC236}">
+                <a16:creationId xmlns:a16="http://schemas.microsoft.com/office/drawing/2014/main" id="{169E6EB3-7F4D-C27C-653A-F30DD2DD57F9}"/>
+              </a:ext>
+            </a:extLst>
+          </p:cNvPr>
+          <p:cNvPicPr>
+            <a:picLocks noChangeAspect="1" noChangeArrowheads="1"/>
+          </p:cNvPicPr>
+          <p:nvPr/>
+        </p:nvPicPr>
+        <p:blipFill>
+          <a:blip r:embed="rId4">
+            <a:alphaModFix amt="38000"/>
+            <a:extLst>
+              <a:ext uri="{28A0092B-C50C-407E-A947-70E740481C1C}">
+                <a14:useLocalDpi xmlns:a14="http://schemas.microsoft.com/office/drawing/2010/main" val="0"/>
+              </a:ext>
+            </a:extLst>
+          </a:blip>
+          <a:srcRect/>
+          <a:stretch>
+            <a:fillRect/>
+          </a:stretch>
+        </p:blipFill>
+        <p:spPr bwMode="auto">
+          <a:xfrm rot="21009928" flipH="1">
+            <a:off x="-4110738" y="2377804"/>
+            <a:ext cx="12192000" cy="5547120"/>
+          </a:xfrm>
+          <a:prstGeom prst="rect">
+            <a:avLst/>
+          </a:prstGeom>
+          <a:noFill/>
+          <a:extLst>
+            <a:ext uri="{909E8E84-426E-40DD-AFC4-6F175D3DCCD1}">
+              <a14:hiddenFill xmlns:a14="http://schemas.microsoft.com/office/drawing/2010/main">
+                <a:solidFill>
+                  <a:srgbClr val="FFFFFF"/>
+                </a:solidFill>
+              </a14:hiddenFill>
+            </a:ext>
+          </a:extLst>
+        </p:spPr>
+      </p:pic>
+      <p:sp>
+        <p:nvSpPr>
+          <p:cNvPr id="8" name="Textfeld 7">
+            <a:extLst>
+              <a:ext uri="{FF2B5EF4-FFF2-40B4-BE49-F238E27FC236}">
+                <a16:creationId xmlns:a16="http://schemas.microsoft.com/office/drawing/2014/main" id="{43F72797-094E-74BE-3305-57F7E0C9C283}"/>
+              </a:ext>
+            </a:extLst>
+          </p:cNvPr>
+          <p:cNvSpPr txBox="1"/>
+          <p:nvPr/>
+        </p:nvSpPr>
+        <p:spPr>
+          <a:xfrm>
+            <a:off x="952500" y="1690688"/>
+            <a:ext cx="6083300" cy="2585323"/>
+          </a:xfrm>
+          <a:prstGeom prst="rect">
+            <a:avLst/>
+          </a:prstGeom>
+          <a:noFill/>
+        </p:spPr>
+        <p:txBody>
+          <a:bodyPr wrap="square" rtlCol="0">
+            <a:spAutoFit/>
+          </a:bodyPr>
+          <a:lstStyle/>
+          <a:p>
+            <a:r>
+              <a:rPr lang="de-DE" dirty="0"/>
+              <a:t>Drehung des Hauptrotors</a:t>
+            </a:r>
+          </a:p>
+          <a:p>
+            <a:pPr marL="285750" indent="-285750">
+              <a:buFont typeface="Wingdings" panose="05000000000000000000" pitchFamily="2" charset="2"/>
+              <a:buChar char="à"/>
+            </a:pPr>
+            <a:r>
+              <a:rPr lang="de-DE" dirty="0">
+                <a:sym typeface="Wingdings" panose="05000000000000000000" pitchFamily="2" charset="2"/>
+              </a:rPr>
+              <a:t>Entstehung eines Momentums</a:t>
+            </a:r>
+          </a:p>
+          <a:p>
+            <a:r>
+              <a:rPr lang="de-DE" dirty="0">
+                <a:sym typeface="Wingdings" panose="05000000000000000000" pitchFamily="2" charset="2"/>
+              </a:rPr>
+              <a:t>Momentum</a:t>
+            </a:r>
+          </a:p>
+          <a:p>
+            <a:pPr marL="285750" indent="-285750">
+              <a:buFont typeface="Wingdings" panose="05000000000000000000" pitchFamily="2" charset="2"/>
+              <a:buChar char="à"/>
+            </a:pPr>
+            <a:r>
+              <a:rPr lang="de-DE" dirty="0"/>
+              <a:t>Bewegung des Rumpfs </a:t>
+            </a:r>
+          </a:p>
+          <a:p>
+            <a:r>
+              <a:rPr lang="de-DE" dirty="0"/>
+              <a:t>      gegen Drehrichtung des Rotors</a:t>
+            </a:r>
+          </a:p>
+          <a:p>
+            <a:pPr marL="285750" indent="-285750">
+              <a:buFont typeface="Wingdings" panose="05000000000000000000" pitchFamily="2" charset="2"/>
+              <a:buChar char="à"/>
+            </a:pPr>
+            <a:r>
+              <a:rPr lang="de-DE" dirty="0"/>
+              <a:t>Korrektur durch Heckrotor</a:t>
+            </a:r>
+          </a:p>
+          <a:p>
+            <a:pPr marL="285750" indent="-285750">
+              <a:buFont typeface="Wingdings" panose="05000000000000000000" pitchFamily="2" charset="2"/>
+              <a:buChar char="à"/>
+            </a:pPr>
+            <a:endParaRPr lang="de-DE" dirty="0"/>
+          </a:p>
+          <a:p>
+            <a:r>
+              <a:rPr lang="de-DE" dirty="0"/>
+              <a:t>Größere Leistung des Hauptrotors -&gt; größeres Drehmoment</a:t>
+            </a:r>
+          </a:p>
+          <a:p>
+            <a:r>
+              <a:rPr lang="de-DE" dirty="0"/>
+              <a:t>Größeres Drehmoment  -&gt; größere Leistung des Heckrotors</a:t>
+            </a:r>
+          </a:p>
+        </p:txBody>
+      </p:sp>
+      <p:sp>
+        <p:nvSpPr>
+          <p:cNvPr id="17" name="Textfeld 16">
+            <a:extLst>
+              <a:ext uri="{FF2B5EF4-FFF2-40B4-BE49-F238E27FC236}">
+                <a16:creationId xmlns:a16="http://schemas.microsoft.com/office/drawing/2014/main" id="{73CB99E5-AE05-BE09-C9BF-72C537E35006}"/>
+              </a:ext>
+            </a:extLst>
+          </p:cNvPr>
+          <p:cNvSpPr txBox="1"/>
+          <p:nvPr/>
+        </p:nvSpPr>
+        <p:spPr>
+          <a:xfrm>
+            <a:off x="7581900" y="2702906"/>
+            <a:ext cx="3911600" cy="1200329"/>
+          </a:xfrm>
+          <a:prstGeom prst="rect">
+            <a:avLst/>
+          </a:prstGeom>
+          <a:noFill/>
+        </p:spPr>
+        <p:txBody>
+          <a:bodyPr wrap="square" rtlCol="0">
+            <a:spAutoFit/>
+          </a:bodyPr>
+          <a:lstStyle/>
+          <a:p>
+            <a:r>
+              <a:rPr lang="de-DE" dirty="0"/>
+              <a:t>Leichte Schräglage</a:t>
+            </a:r>
+          </a:p>
+          <a:p>
+            <a:pPr marL="285750" indent="-285750">
+              <a:buFont typeface="Wingdings" panose="05000000000000000000" pitchFamily="2" charset="2"/>
+              <a:buChar char="à"/>
+            </a:pPr>
+            <a:r>
+              <a:rPr lang="de-DE" dirty="0">
+                <a:sym typeface="Wingdings" panose="05000000000000000000" pitchFamily="2" charset="2"/>
+              </a:rPr>
+              <a:t>Horizontaler Schub des Heckrotors</a:t>
+            </a:r>
+          </a:p>
+          <a:p>
+            <a:pPr marL="285750" indent="-285750">
+              <a:buFont typeface="Wingdings" panose="05000000000000000000" pitchFamily="2" charset="2"/>
+              <a:buChar char="à"/>
+            </a:pPr>
+            <a:r>
+              <a:rPr lang="de-DE" dirty="0">
+                <a:sym typeface="Wingdings" panose="05000000000000000000" pitchFamily="2" charset="2"/>
+              </a:rPr>
+              <a:t>Keine Wirkung der Kräfte in der  selben horizontalen Ebene </a:t>
+            </a:r>
+            <a:endParaRPr lang="de-DE" dirty="0"/>
+          </a:p>
+        </p:txBody>
+      </p:sp>
+    </p:spTree>
+    <p:extLst>
+      <p:ext uri="{BB962C8B-B14F-4D97-AF65-F5344CB8AC3E}">
+        <p14:creationId xmlns:p14="http://schemas.microsoft.com/office/powerpoint/2010/main" val="899863233"/>
+      </p:ext>
+    </p:extLst>
+  </p:cSld>
+  <p:clrMapOvr>
+    <a:masterClrMapping/>
+  </p:clrMapOvr>
+  <mc:AlternateContent xmlns:mc="http://schemas.openxmlformats.org/markup-compatibility/2006">
+    <mc:Choice xmlns:p159="http://schemas.microsoft.com/office/powerpoint/2015/09/main" Requires="p159">
+      <p:transition xmlns:p14="http://schemas.microsoft.com/office/powerpoint/2010/main" spd="slow" p14:dur="2000">
+        <p159:morph option="byObject"/>
+      </p:transition>
+    </mc:Choice>
+    <mc:Fallback>
+      <p:transition spd="slow">
+        <p:fade/>
+      </p:transition>
+    </mc:Fallback>
+  </mc:AlternateContent>
+</p:sld>
+</file>
+
+<file path=ppt/slides/slide9.xml><?xml version="1.0" encoding="utf-8"?>
+<p:sld xmlns:a="http://schemas.openxmlformats.org/drawingml/2006/main" xmlns:r="http://schemas.openxmlformats.org/officeDocument/2006/relationships" xmlns:p="http://schemas.openxmlformats.org/presentationml/2006/main">
+  <p:cSld>
+    <p:spTree>
+      <p:nvGrpSpPr>
+        <p:cNvPr id="1" name=""/>
+        <p:cNvGrpSpPr/>
+        <p:nvPr/>
+      </p:nvGrpSpPr>
+      <p:grpSpPr>
+        <a:xfrm>
+          <a:off x="0" y="0"/>
+          <a:ext cx="0" cy="0"/>
+          <a:chOff x="0" y="0"/>
+          <a:chExt cx="0" cy="0"/>
+        </a:xfrm>
+      </p:grpSpPr>
+      <p:sp>
+        <p:nvSpPr>
+          <p:cNvPr id="2" name="Titel 1">
+            <a:extLst>
+              <a:ext uri="{FF2B5EF4-FFF2-40B4-BE49-F238E27FC236}">
+                <a16:creationId xmlns:a16="http://schemas.microsoft.com/office/drawing/2014/main" id="{CD591FE4-4551-A548-DA04-236E34277E2F}"/>
+              </a:ext>
+            </a:extLst>
+          </p:cNvPr>
+          <p:cNvSpPr>
+            <a:spLocks noGrp="1"/>
+          </p:cNvSpPr>
+          <p:nvPr>
+            <p:ph type="title"/>
+          </p:nvPr>
+        </p:nvSpPr>
+        <p:spPr/>
+        <p:txBody>
+          <a:bodyPr/>
+          <a:lstStyle/>
+          <a:p>
+            <a:r>
+              <a:rPr lang="de-DE" dirty="0"/>
+              <a:t>Hubschrauber im Schwebeflug</a:t>
+            </a:r>
+          </a:p>
+        </p:txBody>
+      </p:sp>
+      <p:pic>
+        <p:nvPicPr>
+          <p:cNvPr id="6" name="Grafik 5">
+            <a:extLst>
+              <a:ext uri="{FF2B5EF4-FFF2-40B4-BE49-F238E27FC236}">
+                <a16:creationId xmlns:a16="http://schemas.microsoft.com/office/drawing/2014/main" id="{576D9714-94CB-3842-021A-22C5888C156F}"/>
+              </a:ext>
+            </a:extLst>
+          </p:cNvPr>
+          <p:cNvPicPr>
+            <a:picLocks noChangeAspect="1"/>
+          </p:cNvPicPr>
+          <p:nvPr/>
+        </p:nvPicPr>
+        <p:blipFill>
+          <a:blip r:embed="rId2"/>
+          <a:stretch>
+            <a:fillRect/>
+          </a:stretch>
+        </p:blipFill>
+        <p:spPr>
+          <a:xfrm>
+            <a:off x="7005429" y="3495565"/>
+            <a:ext cx="3019846" cy="2419688"/>
+          </a:xfrm>
+          <a:prstGeom prst="rect">
+            <a:avLst/>
+          </a:prstGeom>
+        </p:spPr>
+      </p:pic>
+      <p:pic>
+        <p:nvPicPr>
+          <p:cNvPr id="9" name="Grafik 8">
+            <a:extLst>
+              <a:ext uri="{FF2B5EF4-FFF2-40B4-BE49-F238E27FC236}">
+                <a16:creationId xmlns:a16="http://schemas.microsoft.com/office/drawing/2014/main" id="{1700F420-77B5-942D-0050-E62B4344DBE6}"/>
+              </a:ext>
+            </a:extLst>
+          </p:cNvPr>
+          <p:cNvPicPr>
+            <a:picLocks noChangeAspect="1"/>
+          </p:cNvPicPr>
+          <p:nvPr/>
+        </p:nvPicPr>
+        <p:blipFill>
+          <a:blip r:embed="rId3"/>
+          <a:stretch>
+            <a:fillRect/>
+          </a:stretch>
+        </p:blipFill>
+        <p:spPr>
+          <a:xfrm>
+            <a:off x="838200" y="3428046"/>
+            <a:ext cx="5171037" cy="2551815"/>
+          </a:xfrm>
+          <a:prstGeom prst="rect">
+            <a:avLst/>
+          </a:prstGeom>
+        </p:spPr>
+      </p:pic>
+      <p:sp>
+        <p:nvSpPr>
+          <p:cNvPr id="4" name="Textfeld 3">
+            <a:extLst>
+              <a:ext uri="{FF2B5EF4-FFF2-40B4-BE49-F238E27FC236}">
+                <a16:creationId xmlns:a16="http://schemas.microsoft.com/office/drawing/2014/main" id="{C498D39E-C60C-267F-F66E-262D71A30932}"/>
+              </a:ext>
+            </a:extLst>
+          </p:cNvPr>
+          <p:cNvSpPr txBox="1"/>
+          <p:nvPr/>
+        </p:nvSpPr>
+        <p:spPr>
+          <a:xfrm>
+            <a:off x="838200" y="1479312"/>
+            <a:ext cx="8851900" cy="1477328"/>
+          </a:xfrm>
+          <a:prstGeom prst="rect">
+            <a:avLst/>
+          </a:prstGeom>
+          <a:noFill/>
+        </p:spPr>
+        <p:txBody>
+          <a:bodyPr wrap="square" rtlCol="0">
+            <a:spAutoFit/>
+          </a:bodyPr>
+          <a:lstStyle/>
+          <a:p>
+            <a:r>
+              <a:rPr lang="de-DE" dirty="0"/>
+              <a:t>Der Schwebeflug benötigt normalerweise mehr Leistung als der Vorwärtsflug</a:t>
+            </a:r>
+          </a:p>
+          <a:p>
+            <a:r>
+              <a:rPr lang="de-DE" dirty="0">
+                <a:sym typeface="Wingdings" panose="05000000000000000000" pitchFamily="2" charset="2"/>
+              </a:rPr>
+              <a:t> dichtere Luft  weniger Leistung für den Antrieb  mehr Gewicht kann getragen werden</a:t>
+            </a:r>
+          </a:p>
+          <a:p>
+            <a:r>
+              <a:rPr lang="de-DE" dirty="0">
+                <a:sym typeface="Wingdings" panose="05000000000000000000" pitchFamily="2" charset="2"/>
+              </a:rPr>
+              <a:t> zunehmende Flughöhe  Abnahme der Luftdichte  Reduzierung des Gewichts</a:t>
+            </a:r>
+          </a:p>
+          <a:p>
+            <a:r>
+              <a:rPr lang="de-DE" dirty="0">
+                <a:sym typeface="Wingdings" panose="05000000000000000000" pitchFamily="2" charset="2"/>
+              </a:rPr>
+              <a:t> höhere Außentemperatur und höhere Flughöhe  kleinere Leistungsfähigkeit des Hubschraubers</a:t>
+            </a:r>
+            <a:endParaRPr lang="de-DE" dirty="0"/>
+          </a:p>
+        </p:txBody>
+      </p:sp>
+      <p:sp>
+        <p:nvSpPr>
+          <p:cNvPr id="11" name="Textfeld 10">
+            <a:extLst>
+              <a:ext uri="{FF2B5EF4-FFF2-40B4-BE49-F238E27FC236}">
+                <a16:creationId xmlns:a16="http://schemas.microsoft.com/office/drawing/2014/main" id="{BFFD9EB2-EA0B-6768-1199-F229B4198577}"/>
+              </a:ext>
+            </a:extLst>
+          </p:cNvPr>
+          <p:cNvSpPr txBox="1"/>
+          <p:nvPr/>
+        </p:nvSpPr>
+        <p:spPr>
+          <a:xfrm>
+            <a:off x="6705602" y="2983045"/>
+            <a:ext cx="3619500" cy="646331"/>
+          </a:xfrm>
+          <a:prstGeom prst="rect">
+            <a:avLst/>
+          </a:prstGeom>
+          <a:noFill/>
+        </p:spPr>
+        <p:txBody>
+          <a:bodyPr wrap="square" rtlCol="0">
+            <a:spAutoFit/>
+          </a:bodyPr>
+          <a:lstStyle/>
+          <a:p>
+            <a:r>
+              <a:rPr lang="de-DE" dirty="0"/>
+              <a:t>Schwebeflug außerhalb Bodeneffekt</a:t>
+            </a:r>
+          </a:p>
+          <a:p>
+            <a:r>
+              <a:rPr lang="de-DE" dirty="0"/>
+              <a:t>(</a:t>
+            </a:r>
+            <a:r>
+              <a:rPr lang="de-DE" dirty="0" err="1"/>
+              <a:t>hover</a:t>
+            </a:r>
+            <a:r>
+              <a:rPr lang="de-DE" dirty="0"/>
+              <a:t> out </a:t>
+            </a:r>
+            <a:r>
+              <a:rPr lang="de-DE" dirty="0" err="1"/>
+              <a:t>of</a:t>
+            </a:r>
+            <a:r>
+              <a:rPr lang="de-DE" dirty="0"/>
+              <a:t> </a:t>
+            </a:r>
+            <a:r>
+              <a:rPr lang="de-DE" dirty="0" err="1"/>
+              <a:t>ground</a:t>
+            </a:r>
+            <a:r>
+              <a:rPr lang="de-DE" dirty="0"/>
+              <a:t> </a:t>
+            </a:r>
+            <a:r>
+              <a:rPr lang="de-DE" dirty="0" err="1"/>
+              <a:t>effect</a:t>
+            </a:r>
+            <a:r>
+              <a:rPr lang="de-DE" dirty="0"/>
+              <a:t>, OGR)</a:t>
+            </a:r>
+          </a:p>
+        </p:txBody>
+      </p:sp>
+      <p:sp>
+        <p:nvSpPr>
+          <p:cNvPr id="13" name="Textfeld 12">
+            <a:extLst>
+              <a:ext uri="{FF2B5EF4-FFF2-40B4-BE49-F238E27FC236}">
+                <a16:creationId xmlns:a16="http://schemas.microsoft.com/office/drawing/2014/main" id="{DBA6DA58-52D5-E4E0-7F87-801DEFBE59DD}"/>
+              </a:ext>
+            </a:extLst>
+          </p:cNvPr>
+          <p:cNvSpPr txBox="1"/>
+          <p:nvPr/>
+        </p:nvSpPr>
+        <p:spPr>
+          <a:xfrm>
+            <a:off x="2111848" y="2981590"/>
+            <a:ext cx="3619500" cy="646331"/>
+          </a:xfrm>
+          <a:prstGeom prst="rect">
+            <a:avLst/>
+          </a:prstGeom>
+          <a:noFill/>
+        </p:spPr>
+        <p:txBody>
+          <a:bodyPr wrap="square" rtlCol="0">
+            <a:spAutoFit/>
+          </a:bodyPr>
+          <a:lstStyle/>
+          <a:p>
+            <a:r>
+              <a:rPr lang="de-DE" dirty="0"/>
+              <a:t>Schwebeflug im Bodeneffekt</a:t>
+            </a:r>
+          </a:p>
+          <a:p>
+            <a:r>
+              <a:rPr lang="de-DE" dirty="0"/>
+              <a:t>(</a:t>
+            </a:r>
+            <a:r>
+              <a:rPr lang="de-DE" dirty="0" err="1"/>
+              <a:t>hover</a:t>
+            </a:r>
+            <a:r>
+              <a:rPr lang="de-DE" dirty="0"/>
+              <a:t> in </a:t>
+            </a:r>
+            <a:r>
+              <a:rPr lang="de-DE" dirty="0" err="1"/>
+              <a:t>ground</a:t>
+            </a:r>
+            <a:r>
+              <a:rPr lang="de-DE" dirty="0"/>
+              <a:t> </a:t>
+            </a:r>
+            <a:r>
+              <a:rPr lang="de-DE" dirty="0" err="1"/>
+              <a:t>effect</a:t>
+            </a:r>
+            <a:r>
+              <a:rPr lang="de-DE" dirty="0"/>
+              <a:t>, IGR)</a:t>
+            </a:r>
+          </a:p>
+        </p:txBody>
+      </p:sp>
+      <p:sp>
+        <p:nvSpPr>
+          <p:cNvPr id="18" name="Textfeld 17">
+            <a:extLst>
+              <a:ext uri="{FF2B5EF4-FFF2-40B4-BE49-F238E27FC236}">
+                <a16:creationId xmlns:a16="http://schemas.microsoft.com/office/drawing/2014/main" id="{FB8E5999-A464-49A4-DDDD-D1D704330E64}"/>
+              </a:ext>
+            </a:extLst>
+          </p:cNvPr>
+          <p:cNvSpPr txBox="1"/>
+          <p:nvPr/>
+        </p:nvSpPr>
+        <p:spPr>
+          <a:xfrm>
+            <a:off x="1255829" y="5913798"/>
+            <a:ext cx="4753408" cy="646331"/>
+          </a:xfrm>
+          <a:prstGeom prst="rect">
+            <a:avLst/>
+          </a:prstGeom>
+          <a:noFill/>
+        </p:spPr>
+        <p:txBody>
+          <a:bodyPr wrap="square" rtlCol="0">
+            <a:spAutoFit/>
+          </a:bodyPr>
+          <a:lstStyle/>
+          <a:p>
+            <a:r>
+              <a:rPr lang="de-DE" dirty="0"/>
+              <a:t>Entstehung eines Luftkissens</a:t>
+            </a:r>
+          </a:p>
+          <a:p>
+            <a:r>
+              <a:rPr lang="de-DE" dirty="0">
+                <a:sym typeface="Wingdings" panose="05000000000000000000" pitchFamily="2" charset="2"/>
+              </a:rPr>
+              <a:t></a:t>
+            </a:r>
+            <a:r>
+              <a:rPr lang="de-DE" dirty="0" err="1">
+                <a:sym typeface="Wingdings" panose="05000000000000000000" pitchFamily="2" charset="2"/>
+              </a:rPr>
+              <a:t>Downwash</a:t>
+            </a:r>
+            <a:r>
+              <a:rPr lang="de-DE" dirty="0">
+                <a:sym typeface="Wingdings" panose="05000000000000000000" pitchFamily="2" charset="2"/>
+              </a:rPr>
+              <a:t>, der zur Seite abgeleitet wird</a:t>
+            </a:r>
+            <a:endParaRPr lang="de-DE" dirty="0"/>
+          </a:p>
+        </p:txBody>
+      </p:sp>
+      <p:sp>
+        <p:nvSpPr>
+          <p:cNvPr id="19" name="Textfeld 18">
+            <a:extLst>
+              <a:ext uri="{FF2B5EF4-FFF2-40B4-BE49-F238E27FC236}">
+                <a16:creationId xmlns:a16="http://schemas.microsoft.com/office/drawing/2014/main" id="{4DCB9D80-B1B7-339B-9802-0323D0A156D6}"/>
+              </a:ext>
+            </a:extLst>
+          </p:cNvPr>
+          <p:cNvSpPr txBox="1"/>
+          <p:nvPr/>
+        </p:nvSpPr>
+        <p:spPr>
+          <a:xfrm>
+            <a:off x="6845300" y="5913798"/>
+            <a:ext cx="3479802" cy="646331"/>
+          </a:xfrm>
+          <a:prstGeom prst="rect">
+            <a:avLst/>
+          </a:prstGeom>
+          <a:noFill/>
+        </p:spPr>
+        <p:txBody>
+          <a:bodyPr wrap="square" rtlCol="0">
+            <a:spAutoFit/>
+          </a:bodyPr>
+          <a:lstStyle/>
+          <a:p>
+            <a:r>
+              <a:rPr lang="de-DE" dirty="0"/>
+              <a:t>Ab ca. 1,5x dem Rotordurchmesser kein Bodeneffekt</a:t>
+            </a:r>
+          </a:p>
+        </p:txBody>
+      </p:sp>
+      <p:pic>
+        <p:nvPicPr>
+          <p:cNvPr id="20" name="Picture 2" descr="Flugzeug, Buchen, Zerhacker, Fliegend">
+            <a:extLst>
+              <a:ext uri="{FF2B5EF4-FFF2-40B4-BE49-F238E27FC236}">
+                <a16:creationId xmlns:a16="http://schemas.microsoft.com/office/drawing/2014/main" id="{F22E591B-864A-CDE0-BD56-607769E586A6}"/>
+              </a:ext>
+            </a:extLst>
+          </p:cNvPr>
+          <p:cNvPicPr>
+            <a:picLocks noChangeAspect="1" noChangeArrowheads="1"/>
+          </p:cNvPicPr>
+          <p:nvPr/>
+        </p:nvPicPr>
+        <p:blipFill>
+          <a:blip r:embed="rId4">
+            <a:alphaModFix amt="38000"/>
+            <a:extLst>
+              <a:ext uri="{28A0092B-C50C-407E-A947-70E740481C1C}">
+                <a14:useLocalDpi xmlns:a14="http://schemas.microsoft.com/office/drawing/2010/main" val="0"/>
+              </a:ext>
+            </a:extLst>
+          </a:blip>
+          <a:srcRect/>
+          <a:stretch>
+            <a:fillRect/>
+          </a:stretch>
+        </p:blipFill>
+        <p:spPr bwMode="auto">
+          <a:xfrm rot="21009928" flipH="1">
+            <a:off x="-4110738" y="2377804"/>
+            <a:ext cx="12192000" cy="5547120"/>
+          </a:xfrm>
+          <a:prstGeom prst="rect">
+            <a:avLst/>
+          </a:prstGeom>
+          <a:noFill/>
+          <a:extLst>
+            <a:ext uri="{909E8E84-426E-40DD-AFC4-6F175D3DCCD1}">
+              <a14:hiddenFill xmlns:a14="http://schemas.microsoft.com/office/drawing/2010/main">
+                <a:solidFill>
+                  <a:srgbClr val="FFFFFF"/>
+                </a:solidFill>
+              </a14:hiddenFill>
+            </a:ext>
+          </a:extLst>
+        </p:spPr>
+      </p:pic>
+    </p:spTree>
+    <p:extLst>
+      <p:ext uri="{BB962C8B-B14F-4D97-AF65-F5344CB8AC3E}">
+        <p14:creationId xmlns:p14="http://schemas.microsoft.com/office/powerpoint/2010/main" val="3353671178"/>
       </p:ext>
     </p:extLst>
   </p:cSld>

--- a/Powerpoint/Die Auftriebskraft eines Helikopters.pptx
+++ b/Powerpoint/Die Auftriebskraft eines Helikopters.pptx
@@ -5,7 +5,7 @@
     <p:sldMasterId id="2147483648" r:id="rId1"/>
   </p:sldMasterIdLst>
   <p:notesMasterIdLst>
-    <p:notesMasterId r:id="rId14"/>
+    <p:notesMasterId r:id="rId16"/>
   </p:notesMasterIdLst>
   <p:sldIdLst>
     <p:sldId id="262" r:id="rId2"/>
@@ -18,8 +18,10 @@
     <p:sldId id="268" r:id="rId9"/>
     <p:sldId id="269" r:id="rId10"/>
     <p:sldId id="263" r:id="rId11"/>
-    <p:sldId id="264" r:id="rId12"/>
-    <p:sldId id="260" r:id="rId13"/>
+    <p:sldId id="270" r:id="rId12"/>
+    <p:sldId id="264" r:id="rId13"/>
+    <p:sldId id="271" r:id="rId14"/>
+    <p:sldId id="260" r:id="rId15"/>
   </p:sldIdLst>
   <p:sldSz cx="12192000" cy="6858000"/>
   <p:notesSz cx="6858000" cy="9144000"/>
@@ -129,7 +131,7 @@
 <file path=ppt/revisionInfo.xml><?xml version="1.0" encoding="utf-8"?>
 <p1510:revInfo xmlns:a="http://schemas.openxmlformats.org/drawingml/2006/main" xmlns:r="http://schemas.openxmlformats.org/officeDocument/2006/relationships" xmlns:p1510="http://schemas.microsoft.com/office/powerpoint/2015/10/main">
   <p1510:revLst>
-    <p1510:client id="{0332A5B8-307D-4FA0-B153-3BCBC8624CA9}" v="2057" dt="2024-02-04T14:52:51.125"/>
+    <p1510:client id="{0332A5B8-307D-4FA0-B153-3BCBC8624CA9}" v="2086" dt="2024-02-04T19:35:43.283"/>
   </p1510:revLst>
 </p1510:revInfo>
 </file>
@@ -435,7 +437,7 @@
   <pc:docChgLst>
     <pc:chgData name="Corvus Vorion" userId="887645e4986febd1" providerId="LiveId" clId="{0332A5B8-307D-4FA0-B153-3BCBC8624CA9}"/>
     <pc:docChg chg="undo custSel addSld modSld sldOrd">
-      <pc:chgData name="Corvus Vorion" userId="887645e4986febd1" providerId="LiveId" clId="{0332A5B8-307D-4FA0-B153-3BCBC8624CA9}" dt="2024-02-04T14:52:51.124" v="4989" actId="1076"/>
+      <pc:chgData name="Corvus Vorion" userId="887645e4986febd1" providerId="LiveId" clId="{0332A5B8-307D-4FA0-B153-3BCBC8624CA9}" dt="2024-02-04T21:02:35.195" v="5661" actId="14100"/>
       <pc:docMkLst>
         <pc:docMk/>
       </pc:docMkLst>
@@ -597,11 +599,27 @@
         </pc:picChg>
       </pc:sldChg>
       <pc:sldChg chg="addSp delSp modSp mod">
-        <pc:chgData name="Corvus Vorion" userId="887645e4986febd1" providerId="LiveId" clId="{0332A5B8-307D-4FA0-B153-3BCBC8624CA9}" dt="2024-02-04T10:43:03.438" v="5" actId="21"/>
+        <pc:chgData name="Corvus Vorion" userId="887645e4986febd1" providerId="LiveId" clId="{0332A5B8-307D-4FA0-B153-3BCBC8624CA9}" dt="2024-02-04T19:35:57.046" v="5653" actId="20577"/>
         <pc:sldMkLst>
           <pc:docMk/>
           <pc:sldMk cId="2239308684" sldId="260"/>
         </pc:sldMkLst>
+        <pc:spChg chg="mod">
+          <ac:chgData name="Corvus Vorion" userId="887645e4986febd1" providerId="LiveId" clId="{0332A5B8-307D-4FA0-B153-3BCBC8624CA9}" dt="2024-02-04T19:35:57.046" v="5653" actId="20577"/>
+          <ac:spMkLst>
+            <pc:docMk/>
+            <pc:sldMk cId="2239308684" sldId="260"/>
+            <ac:spMk id="3" creationId="{1D21B67E-6197-A657-1FEB-39E9CFD987D8}"/>
+          </ac:spMkLst>
+        </pc:spChg>
+        <pc:picChg chg="add mod">
+          <ac:chgData name="Corvus Vorion" userId="887645e4986febd1" providerId="LiveId" clId="{0332A5B8-307D-4FA0-B153-3BCBC8624CA9}" dt="2024-02-04T19:35:43.283" v="5651" actId="171"/>
+          <ac:picMkLst>
+            <pc:docMk/>
+            <pc:sldMk cId="2239308684" sldId="260"/>
+            <ac:picMk id="4" creationId="{A1BF9179-5D0A-521D-1F05-04592EC60C19}"/>
+          </ac:picMkLst>
+        </pc:picChg>
         <pc:picChg chg="add del mod">
           <ac:chgData name="Corvus Vorion" userId="887645e4986febd1" providerId="LiveId" clId="{0332A5B8-307D-4FA0-B153-3BCBC8624CA9}" dt="2024-02-04T10:43:03.438" v="5" actId="21"/>
           <ac:picMkLst>
@@ -713,8 +731,55 @@
           </ac:picMkLst>
         </pc:picChg>
       </pc:sldChg>
+      <pc:sldChg chg="addSp delSp modSp mod">
+        <pc:chgData name="Corvus Vorion" userId="887645e4986febd1" providerId="LiveId" clId="{0332A5B8-307D-4FA0-B153-3BCBC8624CA9}" dt="2024-02-04T19:04:05.483" v="5629" actId="1076"/>
+        <pc:sldMkLst>
+          <pc:docMk/>
+          <pc:sldMk cId="3239766607" sldId="264"/>
+        </pc:sldMkLst>
+        <pc:spChg chg="del mod">
+          <ac:chgData name="Corvus Vorion" userId="887645e4986febd1" providerId="LiveId" clId="{0332A5B8-307D-4FA0-B153-3BCBC8624CA9}" dt="2024-02-04T18:54:41.025" v="5461" actId="478"/>
+          <ac:spMkLst>
+            <pc:docMk/>
+            <pc:sldMk cId="3239766607" sldId="264"/>
+            <ac:spMk id="3" creationId="{B3D6C2D5-113F-E9E4-01DD-706AA0783287}"/>
+          </ac:spMkLst>
+        </pc:spChg>
+        <pc:spChg chg="add mod">
+          <ac:chgData name="Corvus Vorion" userId="887645e4986febd1" providerId="LiveId" clId="{0332A5B8-307D-4FA0-B153-3BCBC8624CA9}" dt="2024-02-04T18:55:27.015" v="5522" actId="1076"/>
+          <ac:spMkLst>
+            <pc:docMk/>
+            <pc:sldMk cId="3239766607" sldId="264"/>
+            <ac:spMk id="4" creationId="{6FF4CE96-82E3-0D99-4A0B-D6DAE907FE65}"/>
+          </ac:spMkLst>
+        </pc:spChg>
+        <pc:picChg chg="add mod">
+          <ac:chgData name="Corvus Vorion" userId="887645e4986febd1" providerId="LiveId" clId="{0332A5B8-307D-4FA0-B153-3BCBC8624CA9}" dt="2024-02-04T19:03:30.570" v="5626" actId="1076"/>
+          <ac:picMkLst>
+            <pc:docMk/>
+            <pc:sldMk cId="3239766607" sldId="264"/>
+            <ac:picMk id="6" creationId="{6C6799A1-465A-C20C-4E8B-87095A8417DB}"/>
+          </ac:picMkLst>
+        </pc:picChg>
+        <pc:picChg chg="add mod">
+          <ac:chgData name="Corvus Vorion" userId="887645e4986febd1" providerId="LiveId" clId="{0332A5B8-307D-4FA0-B153-3BCBC8624CA9}" dt="2024-02-04T18:56:20.527" v="5525" actId="1076"/>
+          <ac:picMkLst>
+            <pc:docMk/>
+            <pc:sldMk cId="3239766607" sldId="264"/>
+            <ac:picMk id="8" creationId="{13494C2A-A12F-55DC-4132-E3BDB06A8B89}"/>
+          </ac:picMkLst>
+        </pc:picChg>
+        <pc:picChg chg="add mod">
+          <ac:chgData name="Corvus Vorion" userId="887645e4986febd1" providerId="LiveId" clId="{0332A5B8-307D-4FA0-B153-3BCBC8624CA9}" dt="2024-02-04T19:04:05.483" v="5629" actId="1076"/>
+          <ac:picMkLst>
+            <pc:docMk/>
+            <pc:sldMk cId="3239766607" sldId="264"/>
+            <ac:picMk id="9" creationId="{F937C4FD-C2B5-E12D-2C32-66594517EA4E}"/>
+          </ac:picMkLst>
+        </pc:picChg>
+      </pc:sldChg>
       <pc:sldChg chg="addSp delSp modSp add mod">
-        <pc:chgData name="Corvus Vorion" userId="887645e4986febd1" providerId="LiveId" clId="{0332A5B8-307D-4FA0-B153-3BCBC8624CA9}" dt="2024-02-04T12:42:58.972" v="3133" actId="688"/>
+        <pc:chgData name="Corvus Vorion" userId="887645e4986febd1" providerId="LiveId" clId="{0332A5B8-307D-4FA0-B153-3BCBC8624CA9}" dt="2024-02-04T20:01:46.024" v="5654" actId="20577"/>
         <pc:sldMkLst>
           <pc:docMk/>
           <pc:sldMk cId="1000767671" sldId="265"/>
@@ -752,7 +817,7 @@
           </ac:spMkLst>
         </pc:spChg>
         <pc:spChg chg="add mod">
-          <ac:chgData name="Corvus Vorion" userId="887645e4986febd1" providerId="LiveId" clId="{0332A5B8-307D-4FA0-B153-3BCBC8624CA9}" dt="2024-02-04T11:36:04.328" v="1641" actId="20577"/>
+          <ac:chgData name="Corvus Vorion" userId="887645e4986febd1" providerId="LiveId" clId="{0332A5B8-307D-4FA0-B153-3BCBC8624CA9}" dt="2024-02-04T20:01:46.024" v="5654" actId="20577"/>
           <ac:spMkLst>
             <pc:docMk/>
             <pc:sldMk cId="1000767671" sldId="265"/>
@@ -982,7 +1047,7 @@
         </pc:picChg>
       </pc:sldChg>
       <pc:sldChg chg="addSp delSp modSp add mod">
-        <pc:chgData name="Corvus Vorion" userId="887645e4986febd1" providerId="LiveId" clId="{0332A5B8-307D-4FA0-B153-3BCBC8624CA9}" dt="2024-02-04T14:30:41.808" v="4629"/>
+        <pc:chgData name="Corvus Vorion" userId="887645e4986febd1" providerId="LiveId" clId="{0332A5B8-307D-4FA0-B153-3BCBC8624CA9}" dt="2024-02-04T21:02:35.195" v="5661" actId="14100"/>
         <pc:sldMkLst>
           <pc:docMk/>
           <pc:sldMk cId="3353671178" sldId="269"/>
@@ -1012,7 +1077,7 @@
           </ac:spMkLst>
         </pc:spChg>
         <pc:spChg chg="add mod">
-          <ac:chgData name="Corvus Vorion" userId="887645e4986febd1" providerId="LiveId" clId="{0332A5B8-307D-4FA0-B153-3BCBC8624CA9}" dt="2024-02-04T14:29:17.848" v="4567" actId="1076"/>
+          <ac:chgData name="Corvus Vorion" userId="887645e4986febd1" providerId="LiveId" clId="{0332A5B8-307D-4FA0-B153-3BCBC8624CA9}" dt="2024-02-04T21:02:35.195" v="5661" actId="14100"/>
           <ac:spMkLst>
             <pc:docMk/>
             <pc:sldMk cId="3353671178" sldId="269"/>
@@ -1108,11 +1173,185 @@
           </ac:picMkLst>
         </pc:picChg>
         <pc:picChg chg="add mod">
-          <ac:chgData name="Corvus Vorion" userId="887645e4986febd1" providerId="LiveId" clId="{0332A5B8-307D-4FA0-B153-3BCBC8624CA9}" dt="2024-02-04T14:30:41.808" v="4629"/>
+          <ac:chgData name="Corvus Vorion" userId="887645e4986febd1" providerId="LiveId" clId="{0332A5B8-307D-4FA0-B153-3BCBC8624CA9}" dt="2024-02-04T19:20:51.801" v="5642" actId="1076"/>
           <ac:picMkLst>
             <pc:docMk/>
             <pc:sldMk cId="3353671178" sldId="269"/>
             <ac:picMk id="20" creationId="{F22E591B-864A-CDE0-BD56-607769E586A6}"/>
+          </ac:picMkLst>
+        </pc:picChg>
+      </pc:sldChg>
+      <pc:sldChg chg="addSp delSp modSp add mod">
+        <pc:chgData name="Corvus Vorion" userId="887645e4986febd1" providerId="LiveId" clId="{0332A5B8-307D-4FA0-B153-3BCBC8624CA9}" dt="2024-02-04T18:31:09.528" v="5453" actId="20577"/>
+        <pc:sldMkLst>
+          <pc:docMk/>
+          <pc:sldMk cId="3558013457" sldId="270"/>
+        </pc:sldMkLst>
+        <pc:spChg chg="del mod">
+          <ac:chgData name="Corvus Vorion" userId="887645e4986febd1" providerId="LiveId" clId="{0332A5B8-307D-4FA0-B153-3BCBC8624CA9}" dt="2024-02-04T17:59:21.529" v="4998" actId="478"/>
+          <ac:spMkLst>
+            <pc:docMk/>
+            <pc:sldMk cId="3558013457" sldId="270"/>
+            <ac:spMk id="4" creationId="{36E8FD8B-36C1-0FF0-E46C-4DE825487FB8}"/>
+          </ac:spMkLst>
+        </pc:spChg>
+        <pc:spChg chg="del">
+          <ac:chgData name="Corvus Vorion" userId="887645e4986febd1" providerId="LiveId" clId="{0332A5B8-307D-4FA0-B153-3BCBC8624CA9}" dt="2024-02-04T17:59:16.914" v="4994" actId="478"/>
+          <ac:spMkLst>
+            <pc:docMk/>
+            <pc:sldMk cId="3558013457" sldId="270"/>
+            <ac:spMk id="9" creationId="{A41264C2-16E7-50A3-009E-47584B7F67DA}"/>
+          </ac:spMkLst>
+        </pc:spChg>
+        <pc:spChg chg="del mod">
+          <ac:chgData name="Corvus Vorion" userId="887645e4986febd1" providerId="LiveId" clId="{0332A5B8-307D-4FA0-B153-3BCBC8624CA9}" dt="2024-02-04T17:59:16.112" v="4993" actId="478"/>
+          <ac:spMkLst>
+            <pc:docMk/>
+            <pc:sldMk cId="3558013457" sldId="270"/>
+            <ac:spMk id="10" creationId="{7483FF43-DD87-EFC3-332C-11FB419007F3}"/>
+          </ac:spMkLst>
+        </pc:spChg>
+        <pc:spChg chg="del">
+          <ac:chgData name="Corvus Vorion" userId="887645e4986febd1" providerId="LiveId" clId="{0332A5B8-307D-4FA0-B153-3BCBC8624CA9}" dt="2024-02-04T17:59:19.100" v="4996" actId="478"/>
+          <ac:spMkLst>
+            <pc:docMk/>
+            <pc:sldMk cId="3558013457" sldId="270"/>
+            <ac:spMk id="11" creationId="{8DC0D0C6-A72E-6E43-2C67-5CE1718B029C}"/>
+          </ac:spMkLst>
+        </pc:spChg>
+        <pc:spChg chg="add mod">
+          <ac:chgData name="Corvus Vorion" userId="887645e4986febd1" providerId="LiveId" clId="{0332A5B8-307D-4FA0-B153-3BCBC8624CA9}" dt="2024-02-04T18:31:09.528" v="5453" actId="20577"/>
+          <ac:spMkLst>
+            <pc:docMk/>
+            <pc:sldMk cId="3558013457" sldId="270"/>
+            <ac:spMk id="14" creationId="{8F1134AD-B7D5-E6B0-CB17-475DC9DE3E67}"/>
+          </ac:spMkLst>
+        </pc:spChg>
+        <pc:picChg chg="add mod ord">
+          <ac:chgData name="Corvus Vorion" userId="887645e4986febd1" providerId="LiveId" clId="{0332A5B8-307D-4FA0-B153-3BCBC8624CA9}" dt="2024-02-04T18:21:39.227" v="5207" actId="1076"/>
+          <ac:picMkLst>
+            <pc:docMk/>
+            <pc:sldMk cId="3558013457" sldId="270"/>
+            <ac:picMk id="5" creationId="{E2E44179-C524-4EBE-C4B3-EDC42C95D5A8}"/>
+          </ac:picMkLst>
+        </pc:picChg>
+        <pc:picChg chg="del">
+          <ac:chgData name="Corvus Vorion" userId="887645e4986febd1" providerId="LiveId" clId="{0332A5B8-307D-4FA0-B153-3BCBC8624CA9}" dt="2024-02-04T17:59:14.377" v="4991" actId="478"/>
+          <ac:picMkLst>
+            <pc:docMk/>
+            <pc:sldMk cId="3558013457" sldId="270"/>
+            <ac:picMk id="6" creationId="{1459509D-A056-1146-0C00-269FECDC7307}"/>
+          </ac:picMkLst>
+        </pc:picChg>
+        <pc:picChg chg="del">
+          <ac:chgData name="Corvus Vorion" userId="887645e4986febd1" providerId="LiveId" clId="{0332A5B8-307D-4FA0-B153-3BCBC8624CA9}" dt="2024-02-04T17:59:17.754" v="4995" actId="478"/>
+          <ac:picMkLst>
+            <pc:docMk/>
+            <pc:sldMk cId="3558013457" sldId="270"/>
+            <ac:picMk id="8" creationId="{D430472B-85F9-E212-4613-E22A27949C07}"/>
+          </ac:picMkLst>
+        </pc:picChg>
+        <pc:picChg chg="add mod ord">
+          <ac:chgData name="Corvus Vorion" userId="887645e4986febd1" providerId="LiveId" clId="{0332A5B8-307D-4FA0-B153-3BCBC8624CA9}" dt="2024-02-04T18:29:56.541" v="5407" actId="1076"/>
+          <ac:picMkLst>
+            <pc:docMk/>
+            <pc:sldMk cId="3558013457" sldId="270"/>
+            <ac:picMk id="13" creationId="{08635864-FF9E-E82A-3057-6A298A6742A7}"/>
+          </ac:picMkLst>
+        </pc:picChg>
+        <pc:picChg chg="add mod">
+          <ac:chgData name="Corvus Vorion" userId="887645e4986febd1" providerId="LiveId" clId="{0332A5B8-307D-4FA0-B153-3BCBC8624CA9}" dt="2024-02-04T18:22:40.112" v="5215" actId="1076"/>
+          <ac:picMkLst>
+            <pc:docMk/>
+            <pc:sldMk cId="3558013457" sldId="270"/>
+            <ac:picMk id="16" creationId="{64215629-BC77-2EE7-D96B-B9F075374C85}"/>
+          </ac:picMkLst>
+        </pc:picChg>
+      </pc:sldChg>
+      <pc:sldChg chg="addSp delSp modSp add mod">
+        <pc:chgData name="Corvus Vorion" userId="887645e4986febd1" providerId="LiveId" clId="{0332A5B8-307D-4FA0-B153-3BCBC8624CA9}" dt="2024-02-04T19:35:25.583" v="5650" actId="1076"/>
+        <pc:sldMkLst>
+          <pc:docMk/>
+          <pc:sldMk cId="3114457114" sldId="271"/>
+        </pc:sldMkLst>
+        <pc:spChg chg="del mod">
+          <ac:chgData name="Corvus Vorion" userId="887645e4986febd1" providerId="LiveId" clId="{0332A5B8-307D-4FA0-B153-3BCBC8624CA9}" dt="2024-02-04T18:59:22.287" v="5559" actId="478"/>
+          <ac:spMkLst>
+            <pc:docMk/>
+            <pc:sldMk cId="3114457114" sldId="271"/>
+            <ac:spMk id="4" creationId="{6FF4CE96-82E3-0D99-4A0B-D6DAE907FE65}"/>
+          </ac:spMkLst>
+        </pc:spChg>
+        <pc:spChg chg="add mod">
+          <ac:chgData name="Corvus Vorion" userId="887645e4986febd1" providerId="LiveId" clId="{0332A5B8-307D-4FA0-B153-3BCBC8624CA9}" dt="2024-02-04T19:03:03.425" v="5623" actId="20577"/>
+          <ac:spMkLst>
+            <pc:docMk/>
+            <pc:sldMk cId="3114457114" sldId="271"/>
+            <ac:spMk id="15" creationId="{62DEBE9C-1E73-C72D-F422-B2F110644C49}"/>
+          </ac:spMkLst>
+        </pc:spChg>
+        <pc:picChg chg="add mod ord">
+          <ac:chgData name="Corvus Vorion" userId="887645e4986febd1" providerId="LiveId" clId="{0332A5B8-307D-4FA0-B153-3BCBC8624CA9}" dt="2024-02-04T19:03:22.493" v="5625" actId="1076"/>
+          <ac:picMkLst>
+            <pc:docMk/>
+            <pc:sldMk cId="3114457114" sldId="271"/>
+            <ac:picMk id="3" creationId="{5E38065F-7EFD-5344-38BA-6B036CF75642}"/>
+          </ac:picMkLst>
+        </pc:picChg>
+        <pc:picChg chg="del">
+          <ac:chgData name="Corvus Vorion" userId="887645e4986febd1" providerId="LiveId" clId="{0332A5B8-307D-4FA0-B153-3BCBC8624CA9}" dt="2024-02-04T18:56:33.393" v="5528" actId="478"/>
+          <ac:picMkLst>
+            <pc:docMk/>
+            <pc:sldMk cId="3114457114" sldId="271"/>
+            <ac:picMk id="6" creationId="{6C6799A1-465A-C20C-4E8B-87095A8417DB}"/>
+          </ac:picMkLst>
+        </pc:picChg>
+        <pc:picChg chg="add mod">
+          <ac:chgData name="Corvus Vorion" userId="887645e4986febd1" providerId="LiveId" clId="{0332A5B8-307D-4FA0-B153-3BCBC8624CA9}" dt="2024-02-04T19:01:59.845" v="5580" actId="1076"/>
+          <ac:picMkLst>
+            <pc:docMk/>
+            <pc:sldMk cId="3114457114" sldId="271"/>
+            <ac:picMk id="7" creationId="{CE0DEA91-8A60-1DA6-608E-06FDF24165F3}"/>
+          </ac:picMkLst>
+        </pc:picChg>
+        <pc:picChg chg="del mod">
+          <ac:chgData name="Corvus Vorion" userId="887645e4986febd1" providerId="LiveId" clId="{0332A5B8-307D-4FA0-B153-3BCBC8624CA9}" dt="2024-02-04T18:56:34.065" v="5530" actId="478"/>
+          <ac:picMkLst>
+            <pc:docMk/>
+            <pc:sldMk cId="3114457114" sldId="271"/>
+            <ac:picMk id="8" creationId="{13494C2A-A12F-55DC-4132-E3BDB06A8B89}"/>
+          </ac:picMkLst>
+        </pc:picChg>
+        <pc:picChg chg="add mod">
+          <ac:chgData name="Corvus Vorion" userId="887645e4986febd1" providerId="LiveId" clId="{0332A5B8-307D-4FA0-B153-3BCBC8624CA9}" dt="2024-02-04T19:00:57.511" v="5570" actId="1076"/>
+          <ac:picMkLst>
+            <pc:docMk/>
+            <pc:sldMk cId="3114457114" sldId="271"/>
+            <ac:picMk id="10" creationId="{84B68D15-B237-75BF-A7AE-8376EE15698E}"/>
+          </ac:picMkLst>
+        </pc:picChg>
+        <pc:picChg chg="add mod">
+          <ac:chgData name="Corvus Vorion" userId="887645e4986febd1" providerId="LiveId" clId="{0332A5B8-307D-4FA0-B153-3BCBC8624CA9}" dt="2024-02-04T19:01:59.845" v="5580" actId="1076"/>
+          <ac:picMkLst>
+            <pc:docMk/>
+            <pc:sldMk cId="3114457114" sldId="271"/>
+            <ac:picMk id="12" creationId="{E681AFA5-A399-FB83-C943-D79BDB9DB0B2}"/>
+          </ac:picMkLst>
+        </pc:picChg>
+        <pc:picChg chg="add mod ord">
+          <ac:chgData name="Corvus Vorion" userId="887645e4986febd1" providerId="LiveId" clId="{0332A5B8-307D-4FA0-B153-3BCBC8624CA9}" dt="2024-02-04T19:01:59.845" v="5580" actId="1076"/>
+          <ac:picMkLst>
+            <pc:docMk/>
+            <pc:sldMk cId="3114457114" sldId="271"/>
+            <ac:picMk id="14" creationId="{1D792C3A-7396-3F19-5A00-D651323777E8}"/>
+          </ac:picMkLst>
+        </pc:picChg>
+        <pc:picChg chg="add mod">
+          <ac:chgData name="Corvus Vorion" userId="887645e4986febd1" providerId="LiveId" clId="{0332A5B8-307D-4FA0-B153-3BCBC8624CA9}" dt="2024-02-04T19:35:25.583" v="5650" actId="1076"/>
+          <ac:picMkLst>
+            <pc:docMk/>
+            <pc:sldMk cId="3114457114" sldId="271"/>
+            <ac:picMk id="16" creationId="{EF69CF0E-0E21-7B44-6C85-73AE7264B9B9}"/>
           </ac:picMkLst>
         </pc:picChg>
       </pc:sldChg>
@@ -1468,6 +1707,1182 @@
     </a:lvl9pPr>
   </p:notesStyle>
 </p:notesMaster>
+</file>
+
+<file path=ppt/notesSlides/notesSlide1.xml><?xml version="1.0" encoding="utf-8"?>
+<p:notes xmlns:a="http://schemas.openxmlformats.org/drawingml/2006/main" xmlns:r="http://schemas.openxmlformats.org/officeDocument/2006/relationships" xmlns:p="http://schemas.openxmlformats.org/presentationml/2006/main">
+  <p:cSld>
+    <p:spTree>
+      <p:nvGrpSpPr>
+        <p:cNvPr id="1" name=""/>
+        <p:cNvGrpSpPr/>
+        <p:nvPr/>
+      </p:nvGrpSpPr>
+      <p:grpSpPr>
+        <a:xfrm>
+          <a:off x="0" y="0"/>
+          <a:ext cx="0" cy="0"/>
+          <a:chOff x="0" y="0"/>
+          <a:chExt cx="0" cy="0"/>
+        </a:xfrm>
+      </p:grpSpPr>
+      <p:sp>
+        <p:nvSpPr>
+          <p:cNvPr id="2" name="Folienbildplatzhalter 1"/>
+          <p:cNvSpPr>
+            <a:spLocks noGrp="1" noRot="1" noChangeAspect="1"/>
+          </p:cNvSpPr>
+          <p:nvPr>
+            <p:ph type="sldImg"/>
+          </p:nvPr>
+        </p:nvSpPr>
+        <p:spPr/>
+      </p:sp>
+      <p:sp>
+        <p:nvSpPr>
+          <p:cNvPr id="3" name="Notizenplatzhalter 2"/>
+          <p:cNvSpPr>
+            <a:spLocks noGrp="1"/>
+          </p:cNvSpPr>
+          <p:nvPr>
+            <p:ph type="body" idx="1"/>
+          </p:nvPr>
+        </p:nvSpPr>
+        <p:spPr/>
+        <p:txBody>
+          <a:bodyPr/>
+          <a:lstStyle/>
+          <a:p>
+            <a:endParaRPr lang="de-DE"/>
+          </a:p>
+        </p:txBody>
+      </p:sp>
+      <p:sp>
+        <p:nvSpPr>
+          <p:cNvPr id="4" name="Foliennummernplatzhalter 3"/>
+          <p:cNvSpPr>
+            <a:spLocks noGrp="1"/>
+          </p:cNvSpPr>
+          <p:nvPr>
+            <p:ph type="sldNum" sz="quarter" idx="5"/>
+          </p:nvPr>
+        </p:nvSpPr>
+        <p:spPr/>
+        <p:txBody>
+          <a:bodyPr/>
+          <a:lstStyle/>
+          <a:p>
+            <a:fld id="{8FB608C4-DAE1-4ECB-8D42-8397C27AEA5F}" type="slidenum">
+              <a:rPr lang="de-DE" smtClean="0"/>
+              <a:t>1</a:t>
+            </a:fld>
+            <a:endParaRPr lang="de-DE"/>
+          </a:p>
+        </p:txBody>
+      </p:sp>
+    </p:spTree>
+    <p:extLst>
+      <p:ext uri="{BB962C8B-B14F-4D97-AF65-F5344CB8AC3E}">
+        <p14:creationId xmlns:p14="http://schemas.microsoft.com/office/powerpoint/2010/main" val="2914166951"/>
+      </p:ext>
+    </p:extLst>
+  </p:cSld>
+  <p:clrMapOvr>
+    <a:masterClrMapping/>
+  </p:clrMapOvr>
+</p:notes>
+</file>
+
+<file path=ppt/notesSlides/notesSlide10.xml><?xml version="1.0" encoding="utf-8"?>
+<p:notes xmlns:a="http://schemas.openxmlformats.org/drawingml/2006/main" xmlns:r="http://schemas.openxmlformats.org/officeDocument/2006/relationships" xmlns:p="http://schemas.openxmlformats.org/presentationml/2006/main">
+  <p:cSld>
+    <p:spTree>
+      <p:nvGrpSpPr>
+        <p:cNvPr id="1" name=""/>
+        <p:cNvGrpSpPr/>
+        <p:nvPr/>
+      </p:nvGrpSpPr>
+      <p:grpSpPr>
+        <a:xfrm>
+          <a:off x="0" y="0"/>
+          <a:ext cx="0" cy="0"/>
+          <a:chOff x="0" y="0"/>
+          <a:chExt cx="0" cy="0"/>
+        </a:xfrm>
+      </p:grpSpPr>
+      <p:sp>
+        <p:nvSpPr>
+          <p:cNvPr id="2" name="Folienbildplatzhalter 1"/>
+          <p:cNvSpPr>
+            <a:spLocks noGrp="1" noRot="1" noChangeAspect="1"/>
+          </p:cNvSpPr>
+          <p:nvPr>
+            <p:ph type="sldImg"/>
+          </p:nvPr>
+        </p:nvSpPr>
+        <p:spPr/>
+      </p:sp>
+      <p:sp>
+        <p:nvSpPr>
+          <p:cNvPr id="3" name="Notizenplatzhalter 2"/>
+          <p:cNvSpPr>
+            <a:spLocks noGrp="1"/>
+          </p:cNvSpPr>
+          <p:nvPr>
+            <p:ph type="body" idx="1"/>
+          </p:nvPr>
+        </p:nvSpPr>
+        <p:spPr/>
+        <p:txBody>
+          <a:bodyPr/>
+          <a:lstStyle/>
+          <a:p>
+            <a:endParaRPr lang="de-DE"/>
+          </a:p>
+        </p:txBody>
+      </p:sp>
+      <p:sp>
+        <p:nvSpPr>
+          <p:cNvPr id="4" name="Foliennummernplatzhalter 3"/>
+          <p:cNvSpPr>
+            <a:spLocks noGrp="1"/>
+          </p:cNvSpPr>
+          <p:nvPr>
+            <p:ph type="sldNum" sz="quarter" idx="5"/>
+          </p:nvPr>
+        </p:nvSpPr>
+        <p:spPr/>
+        <p:txBody>
+          <a:bodyPr/>
+          <a:lstStyle/>
+          <a:p>
+            <a:fld id="{8FB608C4-DAE1-4ECB-8D42-8397C27AEA5F}" type="slidenum">
+              <a:rPr lang="de-DE" smtClean="0"/>
+              <a:t>10</a:t>
+            </a:fld>
+            <a:endParaRPr lang="de-DE"/>
+          </a:p>
+        </p:txBody>
+      </p:sp>
+    </p:spTree>
+    <p:extLst>
+      <p:ext uri="{BB962C8B-B14F-4D97-AF65-F5344CB8AC3E}">
+        <p14:creationId xmlns:p14="http://schemas.microsoft.com/office/powerpoint/2010/main" val="1151525593"/>
+      </p:ext>
+    </p:extLst>
+  </p:cSld>
+  <p:clrMapOvr>
+    <a:masterClrMapping/>
+  </p:clrMapOvr>
+</p:notes>
+</file>
+
+<file path=ppt/notesSlides/notesSlide11.xml><?xml version="1.0" encoding="utf-8"?>
+<p:notes xmlns:a="http://schemas.openxmlformats.org/drawingml/2006/main" xmlns:r="http://schemas.openxmlformats.org/officeDocument/2006/relationships" xmlns:p="http://schemas.openxmlformats.org/presentationml/2006/main">
+  <p:cSld>
+    <p:spTree>
+      <p:nvGrpSpPr>
+        <p:cNvPr id="1" name=""/>
+        <p:cNvGrpSpPr/>
+        <p:nvPr/>
+      </p:nvGrpSpPr>
+      <p:grpSpPr>
+        <a:xfrm>
+          <a:off x="0" y="0"/>
+          <a:ext cx="0" cy="0"/>
+          <a:chOff x="0" y="0"/>
+          <a:chExt cx="0" cy="0"/>
+        </a:xfrm>
+      </p:grpSpPr>
+      <p:sp>
+        <p:nvSpPr>
+          <p:cNvPr id="2" name="Folienbildplatzhalter 1"/>
+          <p:cNvSpPr>
+            <a:spLocks noGrp="1" noRot="1" noChangeAspect="1"/>
+          </p:cNvSpPr>
+          <p:nvPr>
+            <p:ph type="sldImg"/>
+          </p:nvPr>
+        </p:nvSpPr>
+        <p:spPr/>
+      </p:sp>
+      <p:sp>
+        <p:nvSpPr>
+          <p:cNvPr id="3" name="Notizenplatzhalter 2"/>
+          <p:cNvSpPr>
+            <a:spLocks noGrp="1"/>
+          </p:cNvSpPr>
+          <p:nvPr>
+            <p:ph type="body" idx="1"/>
+          </p:nvPr>
+        </p:nvSpPr>
+        <p:spPr/>
+        <p:txBody>
+          <a:bodyPr/>
+          <a:lstStyle/>
+          <a:p>
+            <a:endParaRPr lang="de-DE"/>
+          </a:p>
+        </p:txBody>
+      </p:sp>
+      <p:sp>
+        <p:nvSpPr>
+          <p:cNvPr id="4" name="Foliennummernplatzhalter 3"/>
+          <p:cNvSpPr>
+            <a:spLocks noGrp="1"/>
+          </p:cNvSpPr>
+          <p:nvPr>
+            <p:ph type="sldNum" sz="quarter" idx="5"/>
+          </p:nvPr>
+        </p:nvSpPr>
+        <p:spPr/>
+        <p:txBody>
+          <a:bodyPr/>
+          <a:lstStyle/>
+          <a:p>
+            <a:fld id="{8FB608C4-DAE1-4ECB-8D42-8397C27AEA5F}" type="slidenum">
+              <a:rPr lang="de-DE" smtClean="0"/>
+              <a:t>11</a:t>
+            </a:fld>
+            <a:endParaRPr lang="de-DE"/>
+          </a:p>
+        </p:txBody>
+      </p:sp>
+    </p:spTree>
+    <p:extLst>
+      <p:ext uri="{BB962C8B-B14F-4D97-AF65-F5344CB8AC3E}">
+        <p14:creationId xmlns:p14="http://schemas.microsoft.com/office/powerpoint/2010/main" val="2360172221"/>
+      </p:ext>
+    </p:extLst>
+  </p:cSld>
+  <p:clrMapOvr>
+    <a:masterClrMapping/>
+  </p:clrMapOvr>
+</p:notes>
+</file>
+
+<file path=ppt/notesSlides/notesSlide12.xml><?xml version="1.0" encoding="utf-8"?>
+<p:notes xmlns:a="http://schemas.openxmlformats.org/drawingml/2006/main" xmlns:r="http://schemas.openxmlformats.org/officeDocument/2006/relationships" xmlns:p="http://schemas.openxmlformats.org/presentationml/2006/main">
+  <p:cSld>
+    <p:spTree>
+      <p:nvGrpSpPr>
+        <p:cNvPr id="1" name=""/>
+        <p:cNvGrpSpPr/>
+        <p:nvPr/>
+      </p:nvGrpSpPr>
+      <p:grpSpPr>
+        <a:xfrm>
+          <a:off x="0" y="0"/>
+          <a:ext cx="0" cy="0"/>
+          <a:chOff x="0" y="0"/>
+          <a:chExt cx="0" cy="0"/>
+        </a:xfrm>
+      </p:grpSpPr>
+      <p:sp>
+        <p:nvSpPr>
+          <p:cNvPr id="2" name="Folienbildplatzhalter 1"/>
+          <p:cNvSpPr>
+            <a:spLocks noGrp="1" noRot="1" noChangeAspect="1"/>
+          </p:cNvSpPr>
+          <p:nvPr>
+            <p:ph type="sldImg"/>
+          </p:nvPr>
+        </p:nvSpPr>
+        <p:spPr/>
+      </p:sp>
+      <p:sp>
+        <p:nvSpPr>
+          <p:cNvPr id="3" name="Notizenplatzhalter 2"/>
+          <p:cNvSpPr>
+            <a:spLocks noGrp="1"/>
+          </p:cNvSpPr>
+          <p:nvPr>
+            <p:ph type="body" idx="1"/>
+          </p:nvPr>
+        </p:nvSpPr>
+        <p:spPr/>
+        <p:txBody>
+          <a:bodyPr/>
+          <a:lstStyle/>
+          <a:p>
+            <a:endParaRPr lang="de-DE"/>
+          </a:p>
+        </p:txBody>
+      </p:sp>
+      <p:sp>
+        <p:nvSpPr>
+          <p:cNvPr id="4" name="Foliennummernplatzhalter 3"/>
+          <p:cNvSpPr>
+            <a:spLocks noGrp="1"/>
+          </p:cNvSpPr>
+          <p:nvPr>
+            <p:ph type="sldNum" sz="quarter" idx="5"/>
+          </p:nvPr>
+        </p:nvSpPr>
+        <p:spPr/>
+        <p:txBody>
+          <a:bodyPr/>
+          <a:lstStyle/>
+          <a:p>
+            <a:fld id="{8FB608C4-DAE1-4ECB-8D42-8397C27AEA5F}" type="slidenum">
+              <a:rPr lang="de-DE" smtClean="0"/>
+              <a:t>12</a:t>
+            </a:fld>
+            <a:endParaRPr lang="de-DE"/>
+          </a:p>
+        </p:txBody>
+      </p:sp>
+    </p:spTree>
+    <p:extLst>
+      <p:ext uri="{BB962C8B-B14F-4D97-AF65-F5344CB8AC3E}">
+        <p14:creationId xmlns:p14="http://schemas.microsoft.com/office/powerpoint/2010/main" val="2662231927"/>
+      </p:ext>
+    </p:extLst>
+  </p:cSld>
+  <p:clrMapOvr>
+    <a:masterClrMapping/>
+  </p:clrMapOvr>
+</p:notes>
+</file>
+
+<file path=ppt/notesSlides/notesSlide13.xml><?xml version="1.0" encoding="utf-8"?>
+<p:notes xmlns:a="http://schemas.openxmlformats.org/drawingml/2006/main" xmlns:r="http://schemas.openxmlformats.org/officeDocument/2006/relationships" xmlns:p="http://schemas.openxmlformats.org/presentationml/2006/main">
+  <p:cSld>
+    <p:spTree>
+      <p:nvGrpSpPr>
+        <p:cNvPr id="1" name=""/>
+        <p:cNvGrpSpPr/>
+        <p:nvPr/>
+      </p:nvGrpSpPr>
+      <p:grpSpPr>
+        <a:xfrm>
+          <a:off x="0" y="0"/>
+          <a:ext cx="0" cy="0"/>
+          <a:chOff x="0" y="0"/>
+          <a:chExt cx="0" cy="0"/>
+        </a:xfrm>
+      </p:grpSpPr>
+      <p:sp>
+        <p:nvSpPr>
+          <p:cNvPr id="2" name="Folienbildplatzhalter 1"/>
+          <p:cNvSpPr>
+            <a:spLocks noGrp="1" noRot="1" noChangeAspect="1"/>
+          </p:cNvSpPr>
+          <p:nvPr>
+            <p:ph type="sldImg"/>
+          </p:nvPr>
+        </p:nvSpPr>
+        <p:spPr/>
+      </p:sp>
+      <p:sp>
+        <p:nvSpPr>
+          <p:cNvPr id="3" name="Notizenplatzhalter 2"/>
+          <p:cNvSpPr>
+            <a:spLocks noGrp="1"/>
+          </p:cNvSpPr>
+          <p:nvPr>
+            <p:ph type="body" idx="1"/>
+          </p:nvPr>
+        </p:nvSpPr>
+        <p:spPr/>
+        <p:txBody>
+          <a:bodyPr/>
+          <a:lstStyle/>
+          <a:p>
+            <a:endParaRPr lang="de-DE"/>
+          </a:p>
+        </p:txBody>
+      </p:sp>
+      <p:sp>
+        <p:nvSpPr>
+          <p:cNvPr id="4" name="Foliennummernplatzhalter 3"/>
+          <p:cNvSpPr>
+            <a:spLocks noGrp="1"/>
+          </p:cNvSpPr>
+          <p:nvPr>
+            <p:ph type="sldNum" sz="quarter" idx="5"/>
+          </p:nvPr>
+        </p:nvSpPr>
+        <p:spPr/>
+        <p:txBody>
+          <a:bodyPr/>
+          <a:lstStyle/>
+          <a:p>
+            <a:fld id="{8FB608C4-DAE1-4ECB-8D42-8397C27AEA5F}" type="slidenum">
+              <a:rPr lang="de-DE" smtClean="0"/>
+              <a:t>13</a:t>
+            </a:fld>
+            <a:endParaRPr lang="de-DE"/>
+          </a:p>
+        </p:txBody>
+      </p:sp>
+    </p:spTree>
+    <p:extLst>
+      <p:ext uri="{BB962C8B-B14F-4D97-AF65-F5344CB8AC3E}">
+        <p14:creationId xmlns:p14="http://schemas.microsoft.com/office/powerpoint/2010/main" val="1149315297"/>
+      </p:ext>
+    </p:extLst>
+  </p:cSld>
+  <p:clrMapOvr>
+    <a:masterClrMapping/>
+  </p:clrMapOvr>
+</p:notes>
+</file>
+
+<file path=ppt/notesSlides/notesSlide14.xml><?xml version="1.0" encoding="utf-8"?>
+<p:notes xmlns:a="http://schemas.openxmlformats.org/drawingml/2006/main" xmlns:r="http://schemas.openxmlformats.org/officeDocument/2006/relationships" xmlns:p="http://schemas.openxmlformats.org/presentationml/2006/main">
+  <p:cSld>
+    <p:spTree>
+      <p:nvGrpSpPr>
+        <p:cNvPr id="1" name=""/>
+        <p:cNvGrpSpPr/>
+        <p:nvPr/>
+      </p:nvGrpSpPr>
+      <p:grpSpPr>
+        <a:xfrm>
+          <a:off x="0" y="0"/>
+          <a:ext cx="0" cy="0"/>
+          <a:chOff x="0" y="0"/>
+          <a:chExt cx="0" cy="0"/>
+        </a:xfrm>
+      </p:grpSpPr>
+      <p:sp>
+        <p:nvSpPr>
+          <p:cNvPr id="2" name="Folienbildplatzhalter 1"/>
+          <p:cNvSpPr>
+            <a:spLocks noGrp="1" noRot="1" noChangeAspect="1"/>
+          </p:cNvSpPr>
+          <p:nvPr>
+            <p:ph type="sldImg"/>
+          </p:nvPr>
+        </p:nvSpPr>
+        <p:spPr/>
+      </p:sp>
+      <p:sp>
+        <p:nvSpPr>
+          <p:cNvPr id="3" name="Notizenplatzhalter 2"/>
+          <p:cNvSpPr>
+            <a:spLocks noGrp="1"/>
+          </p:cNvSpPr>
+          <p:nvPr>
+            <p:ph type="body" idx="1"/>
+          </p:nvPr>
+        </p:nvSpPr>
+        <p:spPr/>
+        <p:txBody>
+          <a:bodyPr/>
+          <a:lstStyle/>
+          <a:p>
+            <a:endParaRPr lang="de-DE"/>
+          </a:p>
+        </p:txBody>
+      </p:sp>
+      <p:sp>
+        <p:nvSpPr>
+          <p:cNvPr id="4" name="Foliennummernplatzhalter 3"/>
+          <p:cNvSpPr>
+            <a:spLocks noGrp="1"/>
+          </p:cNvSpPr>
+          <p:nvPr>
+            <p:ph type="sldNum" sz="quarter" idx="5"/>
+          </p:nvPr>
+        </p:nvSpPr>
+        <p:spPr/>
+        <p:txBody>
+          <a:bodyPr/>
+          <a:lstStyle/>
+          <a:p>
+            <a:fld id="{8FB608C4-DAE1-4ECB-8D42-8397C27AEA5F}" type="slidenum">
+              <a:rPr lang="de-DE" smtClean="0"/>
+              <a:t>14</a:t>
+            </a:fld>
+            <a:endParaRPr lang="de-DE"/>
+          </a:p>
+        </p:txBody>
+      </p:sp>
+    </p:spTree>
+    <p:extLst>
+      <p:ext uri="{BB962C8B-B14F-4D97-AF65-F5344CB8AC3E}">
+        <p14:creationId xmlns:p14="http://schemas.microsoft.com/office/powerpoint/2010/main" val="186079829"/>
+      </p:ext>
+    </p:extLst>
+  </p:cSld>
+  <p:clrMapOvr>
+    <a:masterClrMapping/>
+  </p:clrMapOvr>
+</p:notes>
+</file>
+
+<file path=ppt/notesSlides/notesSlide2.xml><?xml version="1.0" encoding="utf-8"?>
+<p:notes xmlns:a="http://schemas.openxmlformats.org/drawingml/2006/main" xmlns:r="http://schemas.openxmlformats.org/officeDocument/2006/relationships" xmlns:p="http://schemas.openxmlformats.org/presentationml/2006/main">
+  <p:cSld>
+    <p:spTree>
+      <p:nvGrpSpPr>
+        <p:cNvPr id="1" name=""/>
+        <p:cNvGrpSpPr/>
+        <p:nvPr/>
+      </p:nvGrpSpPr>
+      <p:grpSpPr>
+        <a:xfrm>
+          <a:off x="0" y="0"/>
+          <a:ext cx="0" cy="0"/>
+          <a:chOff x="0" y="0"/>
+          <a:chExt cx="0" cy="0"/>
+        </a:xfrm>
+      </p:grpSpPr>
+      <p:sp>
+        <p:nvSpPr>
+          <p:cNvPr id="2" name="Folienbildplatzhalter 1"/>
+          <p:cNvSpPr>
+            <a:spLocks noGrp="1" noRot="1" noChangeAspect="1"/>
+          </p:cNvSpPr>
+          <p:nvPr>
+            <p:ph type="sldImg"/>
+          </p:nvPr>
+        </p:nvSpPr>
+        <p:spPr/>
+      </p:sp>
+      <p:sp>
+        <p:nvSpPr>
+          <p:cNvPr id="3" name="Notizenplatzhalter 2"/>
+          <p:cNvSpPr>
+            <a:spLocks noGrp="1"/>
+          </p:cNvSpPr>
+          <p:nvPr>
+            <p:ph type="body" idx="1"/>
+          </p:nvPr>
+        </p:nvSpPr>
+        <p:spPr/>
+        <p:txBody>
+          <a:bodyPr/>
+          <a:lstStyle/>
+          <a:p>
+            <a:endParaRPr lang="de-DE"/>
+          </a:p>
+        </p:txBody>
+      </p:sp>
+      <p:sp>
+        <p:nvSpPr>
+          <p:cNvPr id="4" name="Foliennummernplatzhalter 3"/>
+          <p:cNvSpPr>
+            <a:spLocks noGrp="1"/>
+          </p:cNvSpPr>
+          <p:nvPr>
+            <p:ph type="sldNum" sz="quarter" idx="5"/>
+          </p:nvPr>
+        </p:nvSpPr>
+        <p:spPr/>
+        <p:txBody>
+          <a:bodyPr/>
+          <a:lstStyle/>
+          <a:p>
+            <a:fld id="{8FB608C4-DAE1-4ECB-8D42-8397C27AEA5F}" type="slidenum">
+              <a:rPr lang="de-DE" smtClean="0"/>
+              <a:t>2</a:t>
+            </a:fld>
+            <a:endParaRPr lang="de-DE"/>
+          </a:p>
+        </p:txBody>
+      </p:sp>
+    </p:spTree>
+    <p:extLst>
+      <p:ext uri="{BB962C8B-B14F-4D97-AF65-F5344CB8AC3E}">
+        <p14:creationId xmlns:p14="http://schemas.microsoft.com/office/powerpoint/2010/main" val="2632151193"/>
+      </p:ext>
+    </p:extLst>
+  </p:cSld>
+  <p:clrMapOvr>
+    <a:masterClrMapping/>
+  </p:clrMapOvr>
+</p:notes>
+</file>
+
+<file path=ppt/notesSlides/notesSlide3.xml><?xml version="1.0" encoding="utf-8"?>
+<p:notes xmlns:a="http://schemas.openxmlformats.org/drawingml/2006/main" xmlns:r="http://schemas.openxmlformats.org/officeDocument/2006/relationships" xmlns:p="http://schemas.openxmlformats.org/presentationml/2006/main">
+  <p:cSld>
+    <p:spTree>
+      <p:nvGrpSpPr>
+        <p:cNvPr id="1" name=""/>
+        <p:cNvGrpSpPr/>
+        <p:nvPr/>
+      </p:nvGrpSpPr>
+      <p:grpSpPr>
+        <a:xfrm>
+          <a:off x="0" y="0"/>
+          <a:ext cx="0" cy="0"/>
+          <a:chOff x="0" y="0"/>
+          <a:chExt cx="0" cy="0"/>
+        </a:xfrm>
+      </p:grpSpPr>
+      <p:sp>
+        <p:nvSpPr>
+          <p:cNvPr id="2" name="Folienbildplatzhalter 1"/>
+          <p:cNvSpPr>
+            <a:spLocks noGrp="1" noRot="1" noChangeAspect="1"/>
+          </p:cNvSpPr>
+          <p:nvPr>
+            <p:ph type="sldImg"/>
+          </p:nvPr>
+        </p:nvSpPr>
+        <p:spPr/>
+      </p:sp>
+      <p:sp>
+        <p:nvSpPr>
+          <p:cNvPr id="3" name="Notizenplatzhalter 2"/>
+          <p:cNvSpPr>
+            <a:spLocks noGrp="1"/>
+          </p:cNvSpPr>
+          <p:nvPr>
+            <p:ph type="body" idx="1"/>
+          </p:nvPr>
+        </p:nvSpPr>
+        <p:spPr/>
+        <p:txBody>
+          <a:bodyPr/>
+          <a:lstStyle/>
+          <a:p>
+            <a:endParaRPr lang="de-DE"/>
+          </a:p>
+        </p:txBody>
+      </p:sp>
+      <p:sp>
+        <p:nvSpPr>
+          <p:cNvPr id="4" name="Foliennummernplatzhalter 3"/>
+          <p:cNvSpPr>
+            <a:spLocks noGrp="1"/>
+          </p:cNvSpPr>
+          <p:nvPr>
+            <p:ph type="sldNum" sz="quarter" idx="5"/>
+          </p:nvPr>
+        </p:nvSpPr>
+        <p:spPr/>
+        <p:txBody>
+          <a:bodyPr/>
+          <a:lstStyle/>
+          <a:p>
+            <a:fld id="{8FB608C4-DAE1-4ECB-8D42-8397C27AEA5F}" type="slidenum">
+              <a:rPr lang="de-DE" smtClean="0"/>
+              <a:t>3</a:t>
+            </a:fld>
+            <a:endParaRPr lang="de-DE"/>
+          </a:p>
+        </p:txBody>
+      </p:sp>
+    </p:spTree>
+    <p:extLst>
+      <p:ext uri="{BB962C8B-B14F-4D97-AF65-F5344CB8AC3E}">
+        <p14:creationId xmlns:p14="http://schemas.microsoft.com/office/powerpoint/2010/main" val="2139747902"/>
+      </p:ext>
+    </p:extLst>
+  </p:cSld>
+  <p:clrMapOvr>
+    <a:masterClrMapping/>
+  </p:clrMapOvr>
+</p:notes>
+</file>
+
+<file path=ppt/notesSlides/notesSlide4.xml><?xml version="1.0" encoding="utf-8"?>
+<p:notes xmlns:a="http://schemas.openxmlformats.org/drawingml/2006/main" xmlns:r="http://schemas.openxmlformats.org/officeDocument/2006/relationships" xmlns:p="http://schemas.openxmlformats.org/presentationml/2006/main">
+  <p:cSld>
+    <p:spTree>
+      <p:nvGrpSpPr>
+        <p:cNvPr id="1" name=""/>
+        <p:cNvGrpSpPr/>
+        <p:nvPr/>
+      </p:nvGrpSpPr>
+      <p:grpSpPr>
+        <a:xfrm>
+          <a:off x="0" y="0"/>
+          <a:ext cx="0" cy="0"/>
+          <a:chOff x="0" y="0"/>
+          <a:chExt cx="0" cy="0"/>
+        </a:xfrm>
+      </p:grpSpPr>
+      <p:sp>
+        <p:nvSpPr>
+          <p:cNvPr id="2" name="Folienbildplatzhalter 1"/>
+          <p:cNvSpPr>
+            <a:spLocks noGrp="1" noRot="1" noChangeAspect="1"/>
+          </p:cNvSpPr>
+          <p:nvPr>
+            <p:ph type="sldImg"/>
+          </p:nvPr>
+        </p:nvSpPr>
+        <p:spPr/>
+      </p:sp>
+      <p:sp>
+        <p:nvSpPr>
+          <p:cNvPr id="3" name="Notizenplatzhalter 2"/>
+          <p:cNvSpPr>
+            <a:spLocks noGrp="1"/>
+          </p:cNvSpPr>
+          <p:nvPr>
+            <p:ph type="body" idx="1"/>
+          </p:nvPr>
+        </p:nvSpPr>
+        <p:spPr/>
+        <p:txBody>
+          <a:bodyPr/>
+          <a:lstStyle/>
+          <a:p>
+            <a:endParaRPr lang="de-DE"/>
+          </a:p>
+        </p:txBody>
+      </p:sp>
+      <p:sp>
+        <p:nvSpPr>
+          <p:cNvPr id="4" name="Foliennummernplatzhalter 3"/>
+          <p:cNvSpPr>
+            <a:spLocks noGrp="1"/>
+          </p:cNvSpPr>
+          <p:nvPr>
+            <p:ph type="sldNum" sz="quarter" idx="5"/>
+          </p:nvPr>
+        </p:nvSpPr>
+        <p:spPr/>
+        <p:txBody>
+          <a:bodyPr/>
+          <a:lstStyle/>
+          <a:p>
+            <a:fld id="{8FB608C4-DAE1-4ECB-8D42-8397C27AEA5F}" type="slidenum">
+              <a:rPr lang="de-DE" smtClean="0"/>
+              <a:t>4</a:t>
+            </a:fld>
+            <a:endParaRPr lang="de-DE"/>
+          </a:p>
+        </p:txBody>
+      </p:sp>
+    </p:spTree>
+    <p:extLst>
+      <p:ext uri="{BB962C8B-B14F-4D97-AF65-F5344CB8AC3E}">
+        <p14:creationId xmlns:p14="http://schemas.microsoft.com/office/powerpoint/2010/main" val="984719547"/>
+      </p:ext>
+    </p:extLst>
+  </p:cSld>
+  <p:clrMapOvr>
+    <a:masterClrMapping/>
+  </p:clrMapOvr>
+</p:notes>
+</file>
+
+<file path=ppt/notesSlides/notesSlide5.xml><?xml version="1.0" encoding="utf-8"?>
+<p:notes xmlns:a="http://schemas.openxmlformats.org/drawingml/2006/main" xmlns:r="http://schemas.openxmlformats.org/officeDocument/2006/relationships" xmlns:p="http://schemas.openxmlformats.org/presentationml/2006/main">
+  <p:cSld>
+    <p:spTree>
+      <p:nvGrpSpPr>
+        <p:cNvPr id="1" name=""/>
+        <p:cNvGrpSpPr/>
+        <p:nvPr/>
+      </p:nvGrpSpPr>
+      <p:grpSpPr>
+        <a:xfrm>
+          <a:off x="0" y="0"/>
+          <a:ext cx="0" cy="0"/>
+          <a:chOff x="0" y="0"/>
+          <a:chExt cx="0" cy="0"/>
+        </a:xfrm>
+      </p:grpSpPr>
+      <p:sp>
+        <p:nvSpPr>
+          <p:cNvPr id="2" name="Folienbildplatzhalter 1"/>
+          <p:cNvSpPr>
+            <a:spLocks noGrp="1" noRot="1" noChangeAspect="1"/>
+          </p:cNvSpPr>
+          <p:nvPr>
+            <p:ph type="sldImg"/>
+          </p:nvPr>
+        </p:nvSpPr>
+        <p:spPr/>
+      </p:sp>
+      <p:sp>
+        <p:nvSpPr>
+          <p:cNvPr id="3" name="Notizenplatzhalter 2"/>
+          <p:cNvSpPr>
+            <a:spLocks noGrp="1"/>
+          </p:cNvSpPr>
+          <p:nvPr>
+            <p:ph type="body" idx="1"/>
+          </p:nvPr>
+        </p:nvSpPr>
+        <p:spPr/>
+        <p:txBody>
+          <a:bodyPr/>
+          <a:lstStyle/>
+          <a:p>
+            <a:endParaRPr lang="de-DE"/>
+          </a:p>
+        </p:txBody>
+      </p:sp>
+      <p:sp>
+        <p:nvSpPr>
+          <p:cNvPr id="4" name="Foliennummernplatzhalter 3"/>
+          <p:cNvSpPr>
+            <a:spLocks noGrp="1"/>
+          </p:cNvSpPr>
+          <p:nvPr>
+            <p:ph type="sldNum" sz="quarter" idx="5"/>
+          </p:nvPr>
+        </p:nvSpPr>
+        <p:spPr/>
+        <p:txBody>
+          <a:bodyPr/>
+          <a:lstStyle/>
+          <a:p>
+            <a:fld id="{8FB608C4-DAE1-4ECB-8D42-8397C27AEA5F}" type="slidenum">
+              <a:rPr lang="de-DE" smtClean="0"/>
+              <a:t>5</a:t>
+            </a:fld>
+            <a:endParaRPr lang="de-DE"/>
+          </a:p>
+        </p:txBody>
+      </p:sp>
+    </p:spTree>
+    <p:extLst>
+      <p:ext uri="{BB962C8B-B14F-4D97-AF65-F5344CB8AC3E}">
+        <p14:creationId xmlns:p14="http://schemas.microsoft.com/office/powerpoint/2010/main" val="104323252"/>
+      </p:ext>
+    </p:extLst>
+  </p:cSld>
+  <p:clrMapOvr>
+    <a:masterClrMapping/>
+  </p:clrMapOvr>
+</p:notes>
+</file>
+
+<file path=ppt/notesSlides/notesSlide6.xml><?xml version="1.0" encoding="utf-8"?>
+<p:notes xmlns:a="http://schemas.openxmlformats.org/drawingml/2006/main" xmlns:r="http://schemas.openxmlformats.org/officeDocument/2006/relationships" xmlns:p="http://schemas.openxmlformats.org/presentationml/2006/main">
+  <p:cSld>
+    <p:spTree>
+      <p:nvGrpSpPr>
+        <p:cNvPr id="1" name=""/>
+        <p:cNvGrpSpPr/>
+        <p:nvPr/>
+      </p:nvGrpSpPr>
+      <p:grpSpPr>
+        <a:xfrm>
+          <a:off x="0" y="0"/>
+          <a:ext cx="0" cy="0"/>
+          <a:chOff x="0" y="0"/>
+          <a:chExt cx="0" cy="0"/>
+        </a:xfrm>
+      </p:grpSpPr>
+      <p:sp>
+        <p:nvSpPr>
+          <p:cNvPr id="2" name="Folienbildplatzhalter 1"/>
+          <p:cNvSpPr>
+            <a:spLocks noGrp="1" noRot="1" noChangeAspect="1"/>
+          </p:cNvSpPr>
+          <p:nvPr>
+            <p:ph type="sldImg"/>
+          </p:nvPr>
+        </p:nvSpPr>
+        <p:spPr/>
+      </p:sp>
+      <p:sp>
+        <p:nvSpPr>
+          <p:cNvPr id="3" name="Notizenplatzhalter 2"/>
+          <p:cNvSpPr>
+            <a:spLocks noGrp="1"/>
+          </p:cNvSpPr>
+          <p:nvPr>
+            <p:ph type="body" idx="1"/>
+          </p:nvPr>
+        </p:nvSpPr>
+        <p:spPr/>
+        <p:txBody>
+          <a:bodyPr/>
+          <a:lstStyle/>
+          <a:p>
+            <a:endParaRPr lang="de-DE"/>
+          </a:p>
+        </p:txBody>
+      </p:sp>
+      <p:sp>
+        <p:nvSpPr>
+          <p:cNvPr id="4" name="Foliennummernplatzhalter 3"/>
+          <p:cNvSpPr>
+            <a:spLocks noGrp="1"/>
+          </p:cNvSpPr>
+          <p:nvPr>
+            <p:ph type="sldNum" sz="quarter" idx="5"/>
+          </p:nvPr>
+        </p:nvSpPr>
+        <p:spPr/>
+        <p:txBody>
+          <a:bodyPr/>
+          <a:lstStyle/>
+          <a:p>
+            <a:fld id="{8FB608C4-DAE1-4ECB-8D42-8397C27AEA5F}" type="slidenum">
+              <a:rPr lang="de-DE" smtClean="0"/>
+              <a:t>6</a:t>
+            </a:fld>
+            <a:endParaRPr lang="de-DE"/>
+          </a:p>
+        </p:txBody>
+      </p:sp>
+    </p:spTree>
+    <p:extLst>
+      <p:ext uri="{BB962C8B-B14F-4D97-AF65-F5344CB8AC3E}">
+        <p14:creationId xmlns:p14="http://schemas.microsoft.com/office/powerpoint/2010/main" val="1100944535"/>
+      </p:ext>
+    </p:extLst>
+  </p:cSld>
+  <p:clrMapOvr>
+    <a:masterClrMapping/>
+  </p:clrMapOvr>
+</p:notes>
+</file>
+
+<file path=ppt/notesSlides/notesSlide7.xml><?xml version="1.0" encoding="utf-8"?>
+<p:notes xmlns:a="http://schemas.openxmlformats.org/drawingml/2006/main" xmlns:r="http://schemas.openxmlformats.org/officeDocument/2006/relationships" xmlns:p="http://schemas.openxmlformats.org/presentationml/2006/main">
+  <p:cSld>
+    <p:spTree>
+      <p:nvGrpSpPr>
+        <p:cNvPr id="1" name=""/>
+        <p:cNvGrpSpPr/>
+        <p:nvPr/>
+      </p:nvGrpSpPr>
+      <p:grpSpPr>
+        <a:xfrm>
+          <a:off x="0" y="0"/>
+          <a:ext cx="0" cy="0"/>
+          <a:chOff x="0" y="0"/>
+          <a:chExt cx="0" cy="0"/>
+        </a:xfrm>
+      </p:grpSpPr>
+      <p:sp>
+        <p:nvSpPr>
+          <p:cNvPr id="2" name="Folienbildplatzhalter 1"/>
+          <p:cNvSpPr>
+            <a:spLocks noGrp="1" noRot="1" noChangeAspect="1"/>
+          </p:cNvSpPr>
+          <p:nvPr>
+            <p:ph type="sldImg"/>
+          </p:nvPr>
+        </p:nvSpPr>
+        <p:spPr/>
+      </p:sp>
+      <p:sp>
+        <p:nvSpPr>
+          <p:cNvPr id="3" name="Notizenplatzhalter 2"/>
+          <p:cNvSpPr>
+            <a:spLocks noGrp="1"/>
+          </p:cNvSpPr>
+          <p:nvPr>
+            <p:ph type="body" idx="1"/>
+          </p:nvPr>
+        </p:nvSpPr>
+        <p:spPr/>
+        <p:txBody>
+          <a:bodyPr/>
+          <a:lstStyle/>
+          <a:p>
+            <a:endParaRPr lang="de-DE"/>
+          </a:p>
+        </p:txBody>
+      </p:sp>
+      <p:sp>
+        <p:nvSpPr>
+          <p:cNvPr id="4" name="Foliennummernplatzhalter 3"/>
+          <p:cNvSpPr>
+            <a:spLocks noGrp="1"/>
+          </p:cNvSpPr>
+          <p:nvPr>
+            <p:ph type="sldNum" sz="quarter" idx="5"/>
+          </p:nvPr>
+        </p:nvSpPr>
+        <p:spPr/>
+        <p:txBody>
+          <a:bodyPr/>
+          <a:lstStyle/>
+          <a:p>
+            <a:fld id="{8FB608C4-DAE1-4ECB-8D42-8397C27AEA5F}" type="slidenum">
+              <a:rPr lang="de-DE" smtClean="0"/>
+              <a:t>7</a:t>
+            </a:fld>
+            <a:endParaRPr lang="de-DE"/>
+          </a:p>
+        </p:txBody>
+      </p:sp>
+    </p:spTree>
+    <p:extLst>
+      <p:ext uri="{BB962C8B-B14F-4D97-AF65-F5344CB8AC3E}">
+        <p14:creationId xmlns:p14="http://schemas.microsoft.com/office/powerpoint/2010/main" val="3119238204"/>
+      </p:ext>
+    </p:extLst>
+  </p:cSld>
+  <p:clrMapOvr>
+    <a:masterClrMapping/>
+  </p:clrMapOvr>
+</p:notes>
+</file>
+
+<file path=ppt/notesSlides/notesSlide8.xml><?xml version="1.0" encoding="utf-8"?>
+<p:notes xmlns:a="http://schemas.openxmlformats.org/drawingml/2006/main" xmlns:r="http://schemas.openxmlformats.org/officeDocument/2006/relationships" xmlns:p="http://schemas.openxmlformats.org/presentationml/2006/main">
+  <p:cSld>
+    <p:spTree>
+      <p:nvGrpSpPr>
+        <p:cNvPr id="1" name=""/>
+        <p:cNvGrpSpPr/>
+        <p:nvPr/>
+      </p:nvGrpSpPr>
+      <p:grpSpPr>
+        <a:xfrm>
+          <a:off x="0" y="0"/>
+          <a:ext cx="0" cy="0"/>
+          <a:chOff x="0" y="0"/>
+          <a:chExt cx="0" cy="0"/>
+        </a:xfrm>
+      </p:grpSpPr>
+      <p:sp>
+        <p:nvSpPr>
+          <p:cNvPr id="2" name="Folienbildplatzhalter 1"/>
+          <p:cNvSpPr>
+            <a:spLocks noGrp="1" noRot="1" noChangeAspect="1"/>
+          </p:cNvSpPr>
+          <p:nvPr>
+            <p:ph type="sldImg"/>
+          </p:nvPr>
+        </p:nvSpPr>
+        <p:spPr/>
+      </p:sp>
+      <p:sp>
+        <p:nvSpPr>
+          <p:cNvPr id="3" name="Notizenplatzhalter 2"/>
+          <p:cNvSpPr>
+            <a:spLocks noGrp="1"/>
+          </p:cNvSpPr>
+          <p:nvPr>
+            <p:ph type="body" idx="1"/>
+          </p:nvPr>
+        </p:nvSpPr>
+        <p:spPr/>
+        <p:txBody>
+          <a:bodyPr/>
+          <a:lstStyle/>
+          <a:p>
+            <a:endParaRPr lang="de-DE"/>
+          </a:p>
+        </p:txBody>
+      </p:sp>
+      <p:sp>
+        <p:nvSpPr>
+          <p:cNvPr id="4" name="Foliennummernplatzhalter 3"/>
+          <p:cNvSpPr>
+            <a:spLocks noGrp="1"/>
+          </p:cNvSpPr>
+          <p:nvPr>
+            <p:ph type="sldNum" sz="quarter" idx="5"/>
+          </p:nvPr>
+        </p:nvSpPr>
+        <p:spPr/>
+        <p:txBody>
+          <a:bodyPr/>
+          <a:lstStyle/>
+          <a:p>
+            <a:fld id="{8FB608C4-DAE1-4ECB-8D42-8397C27AEA5F}" type="slidenum">
+              <a:rPr lang="de-DE" smtClean="0"/>
+              <a:t>8</a:t>
+            </a:fld>
+            <a:endParaRPr lang="de-DE"/>
+          </a:p>
+        </p:txBody>
+      </p:sp>
+    </p:spTree>
+    <p:extLst>
+      <p:ext uri="{BB962C8B-B14F-4D97-AF65-F5344CB8AC3E}">
+        <p14:creationId xmlns:p14="http://schemas.microsoft.com/office/powerpoint/2010/main" val="969438801"/>
+      </p:ext>
+    </p:extLst>
+  </p:cSld>
+  <p:clrMapOvr>
+    <a:masterClrMapping/>
+  </p:clrMapOvr>
+</p:notes>
+</file>
+
+<file path=ppt/notesSlides/notesSlide9.xml><?xml version="1.0" encoding="utf-8"?>
+<p:notes xmlns:a="http://schemas.openxmlformats.org/drawingml/2006/main" xmlns:r="http://schemas.openxmlformats.org/officeDocument/2006/relationships" xmlns:p="http://schemas.openxmlformats.org/presentationml/2006/main">
+  <p:cSld>
+    <p:spTree>
+      <p:nvGrpSpPr>
+        <p:cNvPr id="1" name=""/>
+        <p:cNvGrpSpPr/>
+        <p:nvPr/>
+      </p:nvGrpSpPr>
+      <p:grpSpPr>
+        <a:xfrm>
+          <a:off x="0" y="0"/>
+          <a:ext cx="0" cy="0"/>
+          <a:chOff x="0" y="0"/>
+          <a:chExt cx="0" cy="0"/>
+        </a:xfrm>
+      </p:grpSpPr>
+      <p:sp>
+        <p:nvSpPr>
+          <p:cNvPr id="2" name="Folienbildplatzhalter 1"/>
+          <p:cNvSpPr>
+            <a:spLocks noGrp="1" noRot="1" noChangeAspect="1"/>
+          </p:cNvSpPr>
+          <p:nvPr>
+            <p:ph type="sldImg"/>
+          </p:nvPr>
+        </p:nvSpPr>
+        <p:spPr/>
+      </p:sp>
+      <p:sp>
+        <p:nvSpPr>
+          <p:cNvPr id="3" name="Notizenplatzhalter 2"/>
+          <p:cNvSpPr>
+            <a:spLocks noGrp="1"/>
+          </p:cNvSpPr>
+          <p:nvPr>
+            <p:ph type="body" idx="1"/>
+          </p:nvPr>
+        </p:nvSpPr>
+        <p:spPr/>
+        <p:txBody>
+          <a:bodyPr/>
+          <a:lstStyle/>
+          <a:p>
+            <a:endParaRPr lang="de-DE"/>
+          </a:p>
+        </p:txBody>
+      </p:sp>
+      <p:sp>
+        <p:nvSpPr>
+          <p:cNvPr id="4" name="Foliennummernplatzhalter 3"/>
+          <p:cNvSpPr>
+            <a:spLocks noGrp="1"/>
+          </p:cNvSpPr>
+          <p:nvPr>
+            <p:ph type="sldNum" sz="quarter" idx="5"/>
+          </p:nvPr>
+        </p:nvSpPr>
+        <p:spPr/>
+        <p:txBody>
+          <a:bodyPr/>
+          <a:lstStyle/>
+          <a:p>
+            <a:fld id="{8FB608C4-DAE1-4ECB-8D42-8397C27AEA5F}" type="slidenum">
+              <a:rPr lang="de-DE" smtClean="0"/>
+              <a:t>9</a:t>
+            </a:fld>
+            <a:endParaRPr lang="de-DE"/>
+          </a:p>
+        </p:txBody>
+      </p:sp>
+    </p:spTree>
+    <p:extLst>
+      <p:ext uri="{BB962C8B-B14F-4D97-AF65-F5344CB8AC3E}">
+        <p14:creationId xmlns:p14="http://schemas.microsoft.com/office/powerpoint/2010/main" val="3272152299"/>
+      </p:ext>
+    </p:extLst>
+  </p:cSld>
+  <p:clrMapOvr>
+    <a:masterClrMapping/>
+  </p:clrMapOvr>
+</p:notes>
 </file>
 
 <file path=ppt/slideLayouts/slideLayout1.xml><?xml version="1.0" encoding="utf-8"?>
@@ -4773,7 +6188,7 @@
           <p:nvPr/>
         </p:nvPicPr>
         <p:blipFill>
-          <a:blip r:embed="rId2">
+          <a:blip r:embed="rId3">
             <a:alphaModFix amt="80000"/>
             <a:extLst>
               <a:ext uri="{28A0092B-C50C-407E-A947-70E740481C1C}">
@@ -4816,13 +6231,13 @@
   <p:clrMapOvr>
     <a:masterClrMapping/>
   </p:clrMapOvr>
-  <mc:AlternateContent xmlns:mc="http://schemas.openxmlformats.org/markup-compatibility/2006" xmlns:p159="http://schemas.microsoft.com/office/powerpoint/2015/09/main">
-    <mc:Choice Requires="p159">
+  <mc:AlternateContent xmlns:mc="http://schemas.openxmlformats.org/markup-compatibility/2006">
+    <mc:Choice xmlns:p159="http://schemas.microsoft.com/office/powerpoint/2015/09/main" Requires="p159">
       <p:transition xmlns:p14="http://schemas.microsoft.com/office/powerpoint/2010/main" spd="slow" p14:dur="2000">
         <p159:morph option="byObject"/>
       </p:transition>
     </mc:Choice>
-    <mc:Fallback xmlns="">
+    <mc:Fallback>
       <p:transition spd="slow">
         <p:fade/>
       </p:transition>
@@ -4935,7 +6350,7 @@
           <p:nvPr/>
         </p:nvPicPr>
         <p:blipFill>
-          <a:blip r:embed="rId2"/>
+          <a:blip r:embed="rId3"/>
           <a:stretch>
             <a:fillRect/>
           </a:stretch>
@@ -4965,7 +6380,7 @@
           <p:nvPr/>
         </p:nvPicPr>
         <p:blipFill>
-          <a:blip r:embed="rId3"/>
+          <a:blip r:embed="rId4"/>
           <a:stretch>
             <a:fillRect/>
           </a:stretch>
@@ -5148,7 +6563,7 @@
           <p:nvPr/>
         </p:nvPicPr>
         <p:blipFill>
-          <a:blip r:embed="rId4">
+          <a:blip r:embed="rId5">
             <a:alphaModFix amt="38000"/>
             <a:extLst>
               <a:ext uri="{28A0092B-C50C-407E-A947-70E740481C1C}">
@@ -5191,13 +6606,13 @@
   <p:clrMapOvr>
     <a:masterClrMapping/>
   </p:clrMapOvr>
-  <mc:AlternateContent xmlns:mc="http://schemas.openxmlformats.org/markup-compatibility/2006" xmlns:p159="http://schemas.microsoft.com/office/powerpoint/2015/09/main">
-    <mc:Choice Requires="p159">
+  <mc:AlternateContent xmlns:mc="http://schemas.openxmlformats.org/markup-compatibility/2006">
+    <mc:Choice xmlns:p159="http://schemas.microsoft.com/office/powerpoint/2015/09/main" Requires="p159">
       <p:transition xmlns:p14="http://schemas.microsoft.com/office/powerpoint/2010/main" spd="slow" p14:dur="2000">
         <p159:morph option="byObject"/>
       </p:transition>
     </mc:Choice>
-    <mc:Fallback xmlns="">
+    <mc:Fallback>
       <p:transition spd="slow">
         <p:fade/>
       </p:transition>
@@ -5228,7 +6643,7 @@
           <p:cNvPr id="2" name="Titel 1">
             <a:extLst>
               <a:ext uri="{FF2B5EF4-FFF2-40B4-BE49-F238E27FC236}">
-                <a16:creationId xmlns:a16="http://schemas.microsoft.com/office/drawing/2014/main" id="{743CFFD7-77FB-DCAF-32F8-2620169107B0}"/>
+                <a16:creationId xmlns:a16="http://schemas.microsoft.com/office/drawing/2014/main" id="{D4B122DA-85A2-F678-A17A-060E4C4EDC41}"/>
               </a:ext>
             </a:extLst>
           </p:cNvPr>
@@ -5246,53 +6661,246 @@
           <a:p>
             <a:r>
               <a:rPr lang="de-DE" dirty="0"/>
-              <a:t>Autorotation</a:t>
-            </a:r>
-          </a:p>
-        </p:txBody>
-      </p:sp>
-      <p:sp>
-        <p:nvSpPr>
-          <p:cNvPr id="3" name="Inhaltsplatzhalter 2">
-            <a:extLst>
-              <a:ext uri="{FF2B5EF4-FFF2-40B4-BE49-F238E27FC236}">
-                <a16:creationId xmlns:a16="http://schemas.microsoft.com/office/drawing/2014/main" id="{B3D6C2D5-113F-E9E4-01DD-706AA0783287}"/>
-              </a:ext>
-            </a:extLst>
-          </p:cNvPr>
-          <p:cNvSpPr>
-            <a:spLocks noGrp="1"/>
-          </p:cNvSpPr>
-          <p:nvPr>
-            <p:ph idx="1"/>
-          </p:nvPr>
-        </p:nvSpPr>
-        <p:spPr/>
-        <p:txBody>
-          <a:bodyPr/>
-          <a:lstStyle/>
-          <a:p>
-            <a:endParaRPr lang="de-DE"/>
-          </a:p>
-        </p:txBody>
-      </p:sp>
+              <a:t>Hubschrauber im Vorwärtsflug</a:t>
+            </a:r>
+          </a:p>
+        </p:txBody>
+      </p:sp>
+      <p:pic>
+        <p:nvPicPr>
+          <p:cNvPr id="5" name="Grafik 4">
+            <a:extLst>
+              <a:ext uri="{FF2B5EF4-FFF2-40B4-BE49-F238E27FC236}">
+                <a16:creationId xmlns:a16="http://schemas.microsoft.com/office/drawing/2014/main" id="{E2E44179-C524-4EBE-C4B3-EDC42C95D5A8}"/>
+              </a:ext>
+            </a:extLst>
+          </p:cNvPr>
+          <p:cNvPicPr>
+            <a:picLocks noChangeAspect="1"/>
+          </p:cNvPicPr>
+          <p:nvPr/>
+        </p:nvPicPr>
+        <p:blipFill>
+          <a:blip r:embed="rId3"/>
+          <a:stretch>
+            <a:fillRect/>
+          </a:stretch>
+        </p:blipFill>
+        <p:spPr>
+          <a:xfrm>
+            <a:off x="9012577" y="111317"/>
+            <a:ext cx="3049979" cy="2773800"/>
+          </a:xfrm>
+          <a:prstGeom prst="rect">
+            <a:avLst/>
+          </a:prstGeom>
+        </p:spPr>
+      </p:pic>
+      <p:pic>
+        <p:nvPicPr>
+          <p:cNvPr id="13" name="Grafik 12">
+            <a:extLst>
+              <a:ext uri="{FF2B5EF4-FFF2-40B4-BE49-F238E27FC236}">
+                <a16:creationId xmlns:a16="http://schemas.microsoft.com/office/drawing/2014/main" id="{08635864-FF9E-E82A-3057-6A298A6742A7}"/>
+              </a:ext>
+            </a:extLst>
+          </p:cNvPr>
+          <p:cNvPicPr>
+            <a:picLocks noChangeAspect="1"/>
+          </p:cNvPicPr>
+          <p:nvPr/>
+        </p:nvPicPr>
+        <p:blipFill>
+          <a:blip r:embed="rId4"/>
+          <a:stretch>
+            <a:fillRect/>
+          </a:stretch>
+        </p:blipFill>
+        <p:spPr>
+          <a:xfrm>
+            <a:off x="838200" y="2266920"/>
+            <a:ext cx="2293598" cy="2773800"/>
+          </a:xfrm>
+          <a:prstGeom prst="rect">
+            <a:avLst/>
+          </a:prstGeom>
+        </p:spPr>
+      </p:pic>
+      <p:pic>
+        <p:nvPicPr>
+          <p:cNvPr id="12" name="Picture 2" descr="Flugzeug, Buchen, Zerhacker, Fliegend">
+            <a:extLst>
+              <a:ext uri="{FF2B5EF4-FFF2-40B4-BE49-F238E27FC236}">
+                <a16:creationId xmlns:a16="http://schemas.microsoft.com/office/drawing/2014/main" id="{BC1BAE6F-C70C-6950-8501-2CC4D2B28AB2}"/>
+              </a:ext>
+            </a:extLst>
+          </p:cNvPr>
+          <p:cNvPicPr preferRelativeResize="0">
+            <a:picLocks noChangeArrowheads="1"/>
+          </p:cNvPicPr>
+          <p:nvPr/>
+        </p:nvPicPr>
+        <p:blipFill>
+          <a:blip r:embed="rId5">
+            <a:alphaModFix amt="38000"/>
+            <a:extLst>
+              <a:ext uri="{28A0092B-C50C-407E-A947-70E740481C1C}">
+                <a14:useLocalDpi xmlns:a14="http://schemas.microsoft.com/office/drawing/2010/main" val="0"/>
+              </a:ext>
+            </a:extLst>
+          </a:blip>
+          <a:srcRect/>
+          <a:stretch>
+            <a:fillRect/>
+          </a:stretch>
+        </p:blipFill>
+        <p:spPr bwMode="auto">
+          <a:xfrm>
+            <a:off x="-7632715" y="-2408675"/>
+            <a:ext cx="12171600" cy="5547600"/>
+          </a:xfrm>
+          <a:prstGeom prst="rect">
+            <a:avLst/>
+          </a:prstGeom>
+          <a:noFill/>
+          <a:extLst>
+            <a:ext uri="{909E8E84-426E-40DD-AFC4-6F175D3DCCD1}">
+              <a14:hiddenFill xmlns:a14="http://schemas.microsoft.com/office/drawing/2010/main">
+                <a:solidFill>
+                  <a:srgbClr val="FFFFFF"/>
+                </a:solidFill>
+              </a14:hiddenFill>
+            </a:ext>
+          </a:extLst>
+        </p:spPr>
+      </p:pic>
+      <p:sp>
+        <p:nvSpPr>
+          <p:cNvPr id="14" name="Textfeld 13">
+            <a:extLst>
+              <a:ext uri="{FF2B5EF4-FFF2-40B4-BE49-F238E27FC236}">
+                <a16:creationId xmlns:a16="http://schemas.microsoft.com/office/drawing/2014/main" id="{8F1134AD-B7D5-E6B0-CB17-475DC9DE3E67}"/>
+              </a:ext>
+            </a:extLst>
+          </p:cNvPr>
+          <p:cNvSpPr txBox="1"/>
+          <p:nvPr/>
+        </p:nvSpPr>
+        <p:spPr>
+          <a:xfrm>
+            <a:off x="4006049" y="2720477"/>
+            <a:ext cx="4179901" cy="3693319"/>
+          </a:xfrm>
+          <a:prstGeom prst="rect">
+            <a:avLst/>
+          </a:prstGeom>
+          <a:noFill/>
+        </p:spPr>
+        <p:txBody>
+          <a:bodyPr wrap="square" rtlCol="0">
+            <a:spAutoFit/>
+          </a:bodyPr>
+          <a:lstStyle/>
+          <a:p>
+            <a:r>
+              <a:rPr lang="de-DE" dirty="0"/>
+              <a:t>Blattspitzengeschwindigkeit: 750km/h</a:t>
+            </a:r>
+          </a:p>
+          <a:p>
+            <a:r>
+              <a:rPr lang="de-DE" dirty="0"/>
+              <a:t>Helikoptergeschwindigkeit: 200km/h</a:t>
+            </a:r>
+          </a:p>
+          <a:p>
+            <a:endParaRPr lang="de-DE" dirty="0"/>
+          </a:p>
+          <a:p>
+            <a:r>
+              <a:rPr lang="de-DE" dirty="0"/>
+              <a:t>Geschwindigkeit des vorlaufenden Blattes: 950 km/h = 750 km/h + 200km/h</a:t>
+            </a:r>
+          </a:p>
+          <a:p>
+            <a:endParaRPr lang="de-DE" dirty="0"/>
+          </a:p>
+          <a:p>
+            <a:r>
+              <a:rPr lang="de-DE" dirty="0"/>
+              <a:t>Geschwindigkeit des rücklaufenden Blattes: 550 km/h = 750 km – 200 km/h</a:t>
+            </a:r>
+          </a:p>
+          <a:p>
+            <a:endParaRPr lang="de-DE" dirty="0"/>
+          </a:p>
+          <a:p>
+            <a:endParaRPr lang="de-DE" dirty="0"/>
+          </a:p>
+          <a:p>
+            <a:r>
+              <a:rPr lang="de-DE" dirty="0"/>
+              <a:t>Konstante Auftriebsverhältnisse</a:t>
+            </a:r>
+          </a:p>
+          <a:p>
+            <a:r>
+              <a:rPr lang="de-DE" dirty="0">
+                <a:sym typeface="Wingdings" panose="05000000000000000000" pitchFamily="2" charset="2"/>
+              </a:rPr>
+              <a:t> Ununterbrochene Veränderung des Anstellwinkels (zyklische Blattverstellung)</a:t>
+            </a:r>
+            <a:endParaRPr lang="de-DE" dirty="0"/>
+          </a:p>
+        </p:txBody>
+      </p:sp>
+      <p:pic>
+        <p:nvPicPr>
+          <p:cNvPr id="16" name="Grafik 15">
+            <a:extLst>
+              <a:ext uri="{FF2B5EF4-FFF2-40B4-BE49-F238E27FC236}">
+                <a16:creationId xmlns:a16="http://schemas.microsoft.com/office/drawing/2014/main" id="{64215629-BC77-2EE7-D96B-B9F075374C85}"/>
+              </a:ext>
+            </a:extLst>
+          </p:cNvPr>
+          <p:cNvPicPr>
+            <a:picLocks noChangeAspect="1"/>
+          </p:cNvPicPr>
+          <p:nvPr/>
+        </p:nvPicPr>
+        <p:blipFill>
+          <a:blip r:embed="rId6"/>
+          <a:stretch>
+            <a:fillRect/>
+          </a:stretch>
+        </p:blipFill>
+        <p:spPr>
+          <a:xfrm>
+            <a:off x="9060201" y="3383886"/>
+            <a:ext cx="2742587" cy="2735831"/>
+          </a:xfrm>
+          <a:prstGeom prst="rect">
+            <a:avLst/>
+          </a:prstGeom>
+        </p:spPr>
+      </p:pic>
     </p:spTree>
     <p:extLst>
       <p:ext uri="{BB962C8B-B14F-4D97-AF65-F5344CB8AC3E}">
-        <p14:creationId xmlns:p14="http://schemas.microsoft.com/office/powerpoint/2010/main" val="3239766607"/>
+        <p14:creationId xmlns:p14="http://schemas.microsoft.com/office/powerpoint/2010/main" val="3558013457"/>
       </p:ext>
     </p:extLst>
   </p:cSld>
   <p:clrMapOvr>
     <a:masterClrMapping/>
   </p:clrMapOvr>
-  <mc:AlternateContent xmlns:mc="http://schemas.openxmlformats.org/markup-compatibility/2006" xmlns:p159="http://schemas.microsoft.com/office/powerpoint/2015/09/main">
-    <mc:Choice Requires="p159">
+  <mc:AlternateContent xmlns:mc="http://schemas.openxmlformats.org/markup-compatibility/2006">
+    <mc:Choice xmlns:p159="http://schemas.microsoft.com/office/powerpoint/2015/09/main" Requires="p159">
       <p:transition xmlns:p14="http://schemas.microsoft.com/office/powerpoint/2010/main" spd="slow" p14:dur="2000">
         <p159:morph option="byObject"/>
       </p:transition>
     </mc:Choice>
-    <mc:Fallback xmlns="">
+    <mc:Fallback>
       <p:transition spd="slow">
         <p:fade/>
       </p:transition>
@@ -5323,6 +6931,522 @@
           <p:cNvPr id="2" name="Titel 1">
             <a:extLst>
               <a:ext uri="{FF2B5EF4-FFF2-40B4-BE49-F238E27FC236}">
+                <a16:creationId xmlns:a16="http://schemas.microsoft.com/office/drawing/2014/main" id="{743CFFD7-77FB-DCAF-32F8-2620169107B0}"/>
+              </a:ext>
+            </a:extLst>
+          </p:cNvPr>
+          <p:cNvSpPr>
+            <a:spLocks noGrp="1"/>
+          </p:cNvSpPr>
+          <p:nvPr>
+            <p:ph type="title"/>
+          </p:nvPr>
+        </p:nvSpPr>
+        <p:spPr/>
+        <p:txBody>
+          <a:bodyPr/>
+          <a:lstStyle/>
+          <a:p>
+            <a:r>
+              <a:rPr lang="de-DE" dirty="0"/>
+              <a:t>Autorotation</a:t>
+            </a:r>
+          </a:p>
+        </p:txBody>
+      </p:sp>
+      <p:sp>
+        <p:nvSpPr>
+          <p:cNvPr id="4" name="Textfeld 3">
+            <a:extLst>
+              <a:ext uri="{FF2B5EF4-FFF2-40B4-BE49-F238E27FC236}">
+                <a16:creationId xmlns:a16="http://schemas.microsoft.com/office/drawing/2014/main" id="{6FF4CE96-82E3-0D99-4A0B-D6DAE907FE65}"/>
+              </a:ext>
+            </a:extLst>
+          </p:cNvPr>
+          <p:cNvSpPr txBox="1"/>
+          <p:nvPr/>
+        </p:nvSpPr>
+        <p:spPr>
+          <a:xfrm>
+            <a:off x="838200" y="1397876"/>
+            <a:ext cx="5129048" cy="369332"/>
+          </a:xfrm>
+          <a:prstGeom prst="rect">
+            <a:avLst/>
+          </a:prstGeom>
+          <a:noFill/>
+        </p:spPr>
+        <p:txBody>
+          <a:bodyPr wrap="square" rtlCol="0">
+            <a:spAutoFit/>
+          </a:bodyPr>
+          <a:lstStyle/>
+          <a:p>
+            <a:r>
+              <a:rPr lang="de-DE" dirty="0"/>
+              <a:t>Die Autorotation ist der Gleitflug des Hubschraubers</a:t>
+            </a:r>
+          </a:p>
+        </p:txBody>
+      </p:sp>
+      <p:pic>
+        <p:nvPicPr>
+          <p:cNvPr id="6" name="Grafik 5">
+            <a:extLst>
+              <a:ext uri="{FF2B5EF4-FFF2-40B4-BE49-F238E27FC236}">
+                <a16:creationId xmlns:a16="http://schemas.microsoft.com/office/drawing/2014/main" id="{6C6799A1-465A-C20C-4E8B-87095A8417DB}"/>
+              </a:ext>
+            </a:extLst>
+          </p:cNvPr>
+          <p:cNvPicPr>
+            <a:picLocks noChangeAspect="1"/>
+          </p:cNvPicPr>
+          <p:nvPr/>
+        </p:nvPicPr>
+        <p:blipFill>
+          <a:blip r:embed="rId3"/>
+          <a:stretch>
+            <a:fillRect/>
+          </a:stretch>
+        </p:blipFill>
+        <p:spPr>
+          <a:xfrm>
+            <a:off x="856519" y="2497701"/>
+            <a:ext cx="5239481" cy="2114845"/>
+          </a:xfrm>
+          <a:prstGeom prst="rect">
+            <a:avLst/>
+          </a:prstGeom>
+        </p:spPr>
+      </p:pic>
+      <p:pic>
+        <p:nvPicPr>
+          <p:cNvPr id="8" name="Grafik 7">
+            <a:extLst>
+              <a:ext uri="{FF2B5EF4-FFF2-40B4-BE49-F238E27FC236}">
+                <a16:creationId xmlns:a16="http://schemas.microsoft.com/office/drawing/2014/main" id="{13494C2A-A12F-55DC-4132-E3BDB06A8B89}"/>
+              </a:ext>
+            </a:extLst>
+          </p:cNvPr>
+          <p:cNvPicPr>
+            <a:picLocks noChangeAspect="1"/>
+          </p:cNvPicPr>
+          <p:nvPr/>
+        </p:nvPicPr>
+        <p:blipFill>
+          <a:blip r:embed="rId4"/>
+          <a:stretch>
+            <a:fillRect/>
+          </a:stretch>
+        </p:blipFill>
+        <p:spPr>
+          <a:xfrm>
+            <a:off x="8177463" y="1843650"/>
+            <a:ext cx="3467584" cy="3696216"/>
+          </a:xfrm>
+          <a:prstGeom prst="rect">
+            <a:avLst/>
+          </a:prstGeom>
+        </p:spPr>
+      </p:pic>
+      <p:pic>
+        <p:nvPicPr>
+          <p:cNvPr id="9" name="Picture 2" descr="Flugzeug, Buchen, Zerhacker, Fliegend">
+            <a:extLst>
+              <a:ext uri="{FF2B5EF4-FFF2-40B4-BE49-F238E27FC236}">
+                <a16:creationId xmlns:a16="http://schemas.microsoft.com/office/drawing/2014/main" id="{F937C4FD-C2B5-E12D-2C32-66594517EA4E}"/>
+              </a:ext>
+            </a:extLst>
+          </p:cNvPr>
+          <p:cNvPicPr preferRelativeResize="0">
+            <a:picLocks noChangeArrowheads="1"/>
+          </p:cNvPicPr>
+          <p:nvPr/>
+        </p:nvPicPr>
+        <p:blipFill>
+          <a:blip r:embed="rId5">
+            <a:alphaModFix amt="38000"/>
+            <a:extLst>
+              <a:ext uri="{28A0092B-C50C-407E-A947-70E740481C1C}">
+                <a14:useLocalDpi xmlns:a14="http://schemas.microsoft.com/office/drawing/2010/main" val="0"/>
+              </a:ext>
+            </a:extLst>
+          </a:blip>
+          <a:srcRect/>
+          <a:stretch>
+            <a:fillRect/>
+          </a:stretch>
+        </p:blipFill>
+        <p:spPr bwMode="auto">
+          <a:xfrm>
+            <a:off x="-2609541" y="-1855842"/>
+            <a:ext cx="12171600" cy="5547600"/>
+          </a:xfrm>
+          <a:prstGeom prst="rect">
+            <a:avLst/>
+          </a:prstGeom>
+          <a:noFill/>
+          <a:extLst>
+            <a:ext uri="{909E8E84-426E-40DD-AFC4-6F175D3DCCD1}">
+              <a14:hiddenFill xmlns:a14="http://schemas.microsoft.com/office/drawing/2010/main">
+                <a:solidFill>
+                  <a:srgbClr val="FFFFFF"/>
+                </a:solidFill>
+              </a14:hiddenFill>
+            </a:ext>
+          </a:extLst>
+        </p:spPr>
+      </p:pic>
+    </p:spTree>
+    <p:extLst>
+      <p:ext uri="{BB962C8B-B14F-4D97-AF65-F5344CB8AC3E}">
+        <p14:creationId xmlns:p14="http://schemas.microsoft.com/office/powerpoint/2010/main" val="3239766607"/>
+      </p:ext>
+    </p:extLst>
+  </p:cSld>
+  <p:clrMapOvr>
+    <a:masterClrMapping/>
+  </p:clrMapOvr>
+  <mc:AlternateContent xmlns:mc="http://schemas.openxmlformats.org/markup-compatibility/2006">
+    <mc:Choice xmlns:p159="http://schemas.microsoft.com/office/powerpoint/2015/09/main" Requires="p159">
+      <p:transition xmlns:p14="http://schemas.microsoft.com/office/powerpoint/2010/main" spd="slow" p14:dur="2000">
+        <p159:morph option="byObject"/>
+      </p:transition>
+    </mc:Choice>
+    <mc:Fallback>
+      <p:transition spd="slow">
+        <p:fade/>
+      </p:transition>
+    </mc:Fallback>
+  </mc:AlternateContent>
+</p:sld>
+</file>
+
+<file path=ppt/slides/slide13.xml><?xml version="1.0" encoding="utf-8"?>
+<p:sld xmlns:a="http://schemas.openxmlformats.org/drawingml/2006/main" xmlns:r="http://schemas.openxmlformats.org/officeDocument/2006/relationships" xmlns:p="http://schemas.openxmlformats.org/presentationml/2006/main">
+  <p:cSld>
+    <p:spTree>
+      <p:nvGrpSpPr>
+        <p:cNvPr id="1" name=""/>
+        <p:cNvGrpSpPr/>
+        <p:nvPr/>
+      </p:nvGrpSpPr>
+      <p:grpSpPr>
+        <a:xfrm>
+          <a:off x="0" y="0"/>
+          <a:ext cx="0" cy="0"/>
+          <a:chOff x="0" y="0"/>
+          <a:chExt cx="0" cy="0"/>
+        </a:xfrm>
+      </p:grpSpPr>
+      <p:sp>
+        <p:nvSpPr>
+          <p:cNvPr id="2" name="Titel 1">
+            <a:extLst>
+              <a:ext uri="{FF2B5EF4-FFF2-40B4-BE49-F238E27FC236}">
+                <a16:creationId xmlns:a16="http://schemas.microsoft.com/office/drawing/2014/main" id="{743CFFD7-77FB-DCAF-32F8-2620169107B0}"/>
+              </a:ext>
+            </a:extLst>
+          </p:cNvPr>
+          <p:cNvSpPr>
+            <a:spLocks noGrp="1"/>
+          </p:cNvSpPr>
+          <p:nvPr>
+            <p:ph type="title"/>
+          </p:nvPr>
+        </p:nvSpPr>
+        <p:spPr/>
+        <p:txBody>
+          <a:bodyPr/>
+          <a:lstStyle/>
+          <a:p>
+            <a:r>
+              <a:rPr lang="de-DE" dirty="0"/>
+              <a:t>Autorotation</a:t>
+            </a:r>
+          </a:p>
+        </p:txBody>
+      </p:sp>
+      <p:pic>
+        <p:nvPicPr>
+          <p:cNvPr id="7" name="Grafik 6">
+            <a:extLst>
+              <a:ext uri="{FF2B5EF4-FFF2-40B4-BE49-F238E27FC236}">
+                <a16:creationId xmlns:a16="http://schemas.microsoft.com/office/drawing/2014/main" id="{CE0DEA91-8A60-1DA6-608E-06FDF24165F3}"/>
+              </a:ext>
+            </a:extLst>
+          </p:cNvPr>
+          <p:cNvPicPr>
+            <a:picLocks noChangeAspect="1"/>
+          </p:cNvPicPr>
+          <p:nvPr/>
+        </p:nvPicPr>
+        <p:blipFill>
+          <a:blip r:embed="rId3"/>
+          <a:stretch>
+            <a:fillRect/>
+          </a:stretch>
+        </p:blipFill>
+        <p:spPr>
+          <a:xfrm>
+            <a:off x="131228" y="3429000"/>
+            <a:ext cx="4198919" cy="2700549"/>
+          </a:xfrm>
+          <a:prstGeom prst="rect">
+            <a:avLst/>
+          </a:prstGeom>
+        </p:spPr>
+      </p:pic>
+      <p:pic>
+        <p:nvPicPr>
+          <p:cNvPr id="10" name="Grafik 9">
+            <a:extLst>
+              <a:ext uri="{FF2B5EF4-FFF2-40B4-BE49-F238E27FC236}">
+                <a16:creationId xmlns:a16="http://schemas.microsoft.com/office/drawing/2014/main" id="{84B68D15-B237-75BF-A7AE-8376EE15698E}"/>
+              </a:ext>
+            </a:extLst>
+          </p:cNvPr>
+          <p:cNvPicPr>
+            <a:picLocks noChangeAspect="1"/>
+          </p:cNvPicPr>
+          <p:nvPr/>
+        </p:nvPicPr>
+        <p:blipFill>
+          <a:blip r:embed="rId4"/>
+          <a:stretch>
+            <a:fillRect/>
+          </a:stretch>
+        </p:blipFill>
+        <p:spPr>
+          <a:xfrm>
+            <a:off x="0" y="1242644"/>
+            <a:ext cx="4996166" cy="2186356"/>
+          </a:xfrm>
+          <a:prstGeom prst="rect">
+            <a:avLst/>
+          </a:prstGeom>
+        </p:spPr>
+      </p:pic>
+      <p:pic>
+        <p:nvPicPr>
+          <p:cNvPr id="14" name="Grafik 13">
+            <a:extLst>
+              <a:ext uri="{FF2B5EF4-FFF2-40B4-BE49-F238E27FC236}">
+                <a16:creationId xmlns:a16="http://schemas.microsoft.com/office/drawing/2014/main" id="{1D792C3A-7396-3F19-5A00-D651323777E8}"/>
+              </a:ext>
+            </a:extLst>
+          </p:cNvPr>
+          <p:cNvPicPr>
+            <a:picLocks noChangeAspect="1"/>
+          </p:cNvPicPr>
+          <p:nvPr/>
+        </p:nvPicPr>
+        <p:blipFill>
+          <a:blip r:embed="rId5"/>
+          <a:stretch>
+            <a:fillRect/>
+          </a:stretch>
+        </p:blipFill>
+        <p:spPr>
+          <a:xfrm>
+            <a:off x="9004159" y="3822889"/>
+            <a:ext cx="3191560" cy="3035111"/>
+          </a:xfrm>
+          <a:prstGeom prst="rect">
+            <a:avLst/>
+          </a:prstGeom>
+        </p:spPr>
+      </p:pic>
+      <p:pic>
+        <p:nvPicPr>
+          <p:cNvPr id="12" name="Grafik 11">
+            <a:extLst>
+              <a:ext uri="{FF2B5EF4-FFF2-40B4-BE49-F238E27FC236}">
+                <a16:creationId xmlns:a16="http://schemas.microsoft.com/office/drawing/2014/main" id="{E681AFA5-A399-FB83-C943-D79BDB9DB0B2}"/>
+              </a:ext>
+            </a:extLst>
+          </p:cNvPr>
+          <p:cNvPicPr>
+            <a:picLocks noChangeAspect="1"/>
+          </p:cNvPicPr>
+          <p:nvPr/>
+        </p:nvPicPr>
+        <p:blipFill>
+          <a:blip r:embed="rId6"/>
+          <a:stretch>
+            <a:fillRect/>
+          </a:stretch>
+        </p:blipFill>
+        <p:spPr>
+          <a:xfrm>
+            <a:off x="4330147" y="3429000"/>
+            <a:ext cx="5189108" cy="2700549"/>
+          </a:xfrm>
+          <a:prstGeom prst="rect">
+            <a:avLst/>
+          </a:prstGeom>
+        </p:spPr>
+      </p:pic>
+      <p:pic>
+        <p:nvPicPr>
+          <p:cNvPr id="3" name="Grafik 2">
+            <a:extLst>
+              <a:ext uri="{FF2B5EF4-FFF2-40B4-BE49-F238E27FC236}">
+                <a16:creationId xmlns:a16="http://schemas.microsoft.com/office/drawing/2014/main" id="{5E38065F-7EFD-5344-38BA-6B036CF75642}"/>
+              </a:ext>
+            </a:extLst>
+          </p:cNvPr>
+          <p:cNvPicPr>
+            <a:picLocks noChangeAspect="1"/>
+          </p:cNvPicPr>
+          <p:nvPr/>
+        </p:nvPicPr>
+        <p:blipFill>
+          <a:blip r:embed="rId7"/>
+          <a:stretch>
+            <a:fillRect/>
+          </a:stretch>
+        </p:blipFill>
+        <p:spPr>
+          <a:xfrm>
+            <a:off x="5656251" y="603108"/>
+            <a:ext cx="2518731" cy="2684801"/>
+          </a:xfrm>
+          <a:prstGeom prst="rect">
+            <a:avLst/>
+          </a:prstGeom>
+        </p:spPr>
+      </p:pic>
+      <p:sp>
+        <p:nvSpPr>
+          <p:cNvPr id="15" name="Textfeld 14">
+            <a:extLst>
+              <a:ext uri="{FF2B5EF4-FFF2-40B4-BE49-F238E27FC236}">
+                <a16:creationId xmlns:a16="http://schemas.microsoft.com/office/drawing/2014/main" id="{62DEBE9C-1E73-C72D-F422-B2F110644C49}"/>
+              </a:ext>
+            </a:extLst>
+          </p:cNvPr>
+          <p:cNvSpPr txBox="1"/>
+          <p:nvPr/>
+        </p:nvSpPr>
+        <p:spPr>
+          <a:xfrm>
+            <a:off x="9202063" y="3174179"/>
+            <a:ext cx="2795751" cy="646331"/>
+          </a:xfrm>
+          <a:prstGeom prst="rect">
+            <a:avLst/>
+          </a:prstGeom>
+          <a:noFill/>
+        </p:spPr>
+        <p:txBody>
+          <a:bodyPr wrap="square" rtlCol="0">
+            <a:spAutoFit/>
+          </a:bodyPr>
+          <a:lstStyle/>
+          <a:p>
+            <a:r>
+              <a:rPr lang="de-DE" dirty="0"/>
+              <a:t>Limitierung der Vorwärtsgeschwindigkeit:</a:t>
+            </a:r>
+          </a:p>
+        </p:txBody>
+      </p:sp>
+      <p:pic>
+        <p:nvPicPr>
+          <p:cNvPr id="16" name="Picture 2" descr="Flugzeug, Buchen, Zerhacker, Fliegend">
+            <a:extLst>
+              <a:ext uri="{FF2B5EF4-FFF2-40B4-BE49-F238E27FC236}">
+                <a16:creationId xmlns:a16="http://schemas.microsoft.com/office/drawing/2014/main" id="{EF69CF0E-0E21-7B44-6C85-73AE7264B9B9}"/>
+              </a:ext>
+            </a:extLst>
+          </p:cNvPr>
+          <p:cNvPicPr preferRelativeResize="0">
+            <a:picLocks noChangeArrowheads="1"/>
+          </p:cNvPicPr>
+          <p:nvPr/>
+        </p:nvPicPr>
+        <p:blipFill>
+          <a:blip r:embed="rId8">
+            <a:alphaModFix amt="38000"/>
+            <a:extLst>
+              <a:ext uri="{28A0092B-C50C-407E-A947-70E740481C1C}">
+                <a14:useLocalDpi xmlns:a14="http://schemas.microsoft.com/office/drawing/2010/main" val="0"/>
+              </a:ext>
+            </a:extLst>
+          </a:blip>
+          <a:srcRect/>
+          <a:stretch>
+            <a:fillRect/>
+          </a:stretch>
+        </p:blipFill>
+        <p:spPr bwMode="auto">
+          <a:xfrm>
+            <a:off x="-591554" y="-73251"/>
+            <a:ext cx="12171600" cy="5547600"/>
+          </a:xfrm>
+          <a:prstGeom prst="rect">
+            <a:avLst/>
+          </a:prstGeom>
+          <a:noFill/>
+          <a:extLst>
+            <a:ext uri="{909E8E84-426E-40DD-AFC4-6F175D3DCCD1}">
+              <a14:hiddenFill xmlns:a14="http://schemas.microsoft.com/office/drawing/2010/main">
+                <a:solidFill>
+                  <a:srgbClr val="FFFFFF"/>
+                </a:solidFill>
+              </a14:hiddenFill>
+            </a:ext>
+          </a:extLst>
+        </p:spPr>
+      </p:pic>
+    </p:spTree>
+    <p:extLst>
+      <p:ext uri="{BB962C8B-B14F-4D97-AF65-F5344CB8AC3E}">
+        <p14:creationId xmlns:p14="http://schemas.microsoft.com/office/powerpoint/2010/main" val="3114457114"/>
+      </p:ext>
+    </p:extLst>
+  </p:cSld>
+  <p:clrMapOvr>
+    <a:masterClrMapping/>
+  </p:clrMapOvr>
+  <mc:AlternateContent xmlns:mc="http://schemas.openxmlformats.org/markup-compatibility/2006">
+    <mc:Choice xmlns:p159="http://schemas.microsoft.com/office/powerpoint/2015/09/main" Requires="p159">
+      <p:transition xmlns:p14="http://schemas.microsoft.com/office/powerpoint/2010/main" spd="slow" p14:dur="2000">
+        <p159:morph option="byObject"/>
+      </p:transition>
+    </mc:Choice>
+    <mc:Fallback>
+      <p:transition spd="slow">
+        <p:fade/>
+      </p:transition>
+    </mc:Fallback>
+  </mc:AlternateContent>
+</p:sld>
+</file>
+
+<file path=ppt/slides/slide14.xml><?xml version="1.0" encoding="utf-8"?>
+<p:sld xmlns:a="http://schemas.openxmlformats.org/drawingml/2006/main" xmlns:r="http://schemas.openxmlformats.org/officeDocument/2006/relationships" xmlns:p="http://schemas.openxmlformats.org/presentationml/2006/main">
+  <p:cSld>
+    <p:spTree>
+      <p:nvGrpSpPr>
+        <p:cNvPr id="1" name=""/>
+        <p:cNvGrpSpPr/>
+        <p:nvPr/>
+      </p:nvGrpSpPr>
+      <p:grpSpPr>
+        <a:xfrm>
+          <a:off x="0" y="0"/>
+          <a:ext cx="0" cy="0"/>
+          <a:chOff x="0" y="0"/>
+          <a:chExt cx="0" cy="0"/>
+        </a:xfrm>
+      </p:grpSpPr>
+      <p:sp>
+        <p:nvSpPr>
+          <p:cNvPr id="2" name="Titel 1">
+            <a:extLst>
+              <a:ext uri="{FF2B5EF4-FFF2-40B4-BE49-F238E27FC236}">
                 <a16:creationId xmlns:a16="http://schemas.microsoft.com/office/drawing/2014/main" id="{3EC86A5E-B7FF-BF13-4462-39453AB124A0}"/>
               </a:ext>
             </a:extLst>
@@ -5346,6 +7470,54 @@
           </a:p>
         </p:txBody>
       </p:sp>
+      <p:pic>
+        <p:nvPicPr>
+          <p:cNvPr id="4" name="Picture 2" descr="Flugzeug, Buchen, Zerhacker, Fliegend">
+            <a:extLst>
+              <a:ext uri="{FF2B5EF4-FFF2-40B4-BE49-F238E27FC236}">
+                <a16:creationId xmlns:a16="http://schemas.microsoft.com/office/drawing/2014/main" id="{A1BF9179-5D0A-521D-1F05-04592EC60C19}"/>
+              </a:ext>
+            </a:extLst>
+          </p:cNvPr>
+          <p:cNvPicPr preferRelativeResize="0">
+            <a:picLocks noChangeArrowheads="1"/>
+          </p:cNvPicPr>
+          <p:nvPr/>
+        </p:nvPicPr>
+        <p:blipFill>
+          <a:blip r:embed="rId3">
+            <a:alphaModFix amt="38000"/>
+            <a:extLst>
+              <a:ext uri="{28A0092B-C50C-407E-A947-70E740481C1C}">
+                <a14:useLocalDpi xmlns:a14="http://schemas.microsoft.com/office/drawing/2010/main" val="0"/>
+              </a:ext>
+            </a:extLst>
+          </a:blip>
+          <a:srcRect/>
+          <a:stretch>
+            <a:fillRect/>
+          </a:stretch>
+        </p:blipFill>
+        <p:spPr bwMode="auto">
+          <a:xfrm rot="159930">
+            <a:off x="291313" y="1638138"/>
+            <a:ext cx="12171600" cy="5547600"/>
+          </a:xfrm>
+          <a:prstGeom prst="rect">
+            <a:avLst/>
+          </a:prstGeom>
+          <a:noFill/>
+          <a:extLst>
+            <a:ext uri="{909E8E84-426E-40DD-AFC4-6F175D3DCCD1}">
+              <a14:hiddenFill xmlns:a14="http://schemas.microsoft.com/office/drawing/2010/main">
+                <a:solidFill>
+                  <a:srgbClr val="FFFFFF"/>
+                </a:solidFill>
+              </a14:hiddenFill>
+            </a:ext>
+          </a:extLst>
+        </p:spPr>
+      </p:pic>
       <p:sp>
         <p:nvSpPr>
           <p:cNvPr id="3" name="Inhaltsplatzhalter 2">
@@ -5368,12 +7540,8 @@
           <a:lstStyle/>
           <a:p>
             <a:r>
-              <a:rPr lang="de-DE" dirty="0" err="1"/>
-              <a:t>Inforamtionen</a:t>
-            </a:r>
-            <a:r>
               <a:rPr lang="de-DE" dirty="0"/>
-              <a:t>:</a:t>
+              <a:t>Informationen:</a:t>
             </a:r>
           </a:p>
           <a:p>
@@ -5384,7 +7552,7 @@
             </a:r>
             <a:r>
               <a:rPr lang="de-DE" dirty="0">
-                <a:hlinkClick r:id="rId2"/>
+                <a:hlinkClick r:id="rId4"/>
               </a:rPr>
               <a:t>https://www.hubschrauberflug.at/de/infos/technik</a:t>
             </a:r>
@@ -5424,7 +7592,7 @@
             </a:r>
             <a:r>
               <a:rPr lang="de-DE" dirty="0">
-                <a:hlinkClick r:id="rId3"/>
+                <a:hlinkClick r:id="rId5"/>
               </a:rPr>
               <a:t> https://pixabay.com/de/vectors/flugzeug-buchen-zerhacker-fliegend-2025117/</a:t>
             </a:r>
@@ -5452,13 +7620,13 @@
   <p:clrMapOvr>
     <a:masterClrMapping/>
   </p:clrMapOvr>
-  <mc:AlternateContent xmlns:mc="http://schemas.openxmlformats.org/markup-compatibility/2006" xmlns:p159="http://schemas.microsoft.com/office/powerpoint/2015/09/main">
-    <mc:Choice Requires="p159">
+  <mc:AlternateContent xmlns:mc="http://schemas.openxmlformats.org/markup-compatibility/2006">
+    <mc:Choice xmlns:p159="http://schemas.microsoft.com/office/powerpoint/2015/09/main" Requires="p159">
       <p:transition xmlns:p14="http://schemas.microsoft.com/office/powerpoint/2010/main" spd="slow" p14:dur="2000">
         <p159:morph option="byObject"/>
       </p:transition>
     </mc:Choice>
-    <mc:Fallback xmlns="">
+    <mc:Fallback>
       <p:transition spd="slow">
         <p:fade/>
       </p:transition>
@@ -5585,7 +7753,7 @@
           <p:nvPr/>
         </p:nvPicPr>
         <p:blipFill>
-          <a:blip r:embed="rId2">
+          <a:blip r:embed="rId3">
             <a:alphaModFix amt="70000"/>
             <a:extLst>
               <a:ext uri="{28A0092B-C50C-407E-A947-70E740481C1C}">
@@ -5628,13 +7796,13 @@
   <p:clrMapOvr>
     <a:masterClrMapping/>
   </p:clrMapOvr>
-  <mc:AlternateContent xmlns:mc="http://schemas.openxmlformats.org/markup-compatibility/2006" xmlns:p159="http://schemas.microsoft.com/office/powerpoint/2015/09/main">
-    <mc:Choice Requires="p159">
+  <mc:AlternateContent xmlns:mc="http://schemas.openxmlformats.org/markup-compatibility/2006">
+    <mc:Choice xmlns:p159="http://schemas.microsoft.com/office/powerpoint/2015/09/main" Requires="p159">
       <p:transition xmlns:p14="http://schemas.microsoft.com/office/powerpoint/2010/main" spd="slow" p14:dur="2000">
         <p159:morph option="byObject"/>
       </p:transition>
     </mc:Choice>
-    <mc:Fallback xmlns="">
+    <mc:Fallback>
       <p:transition spd="slow">
         <p:fade/>
       </p:transition>
@@ -5705,7 +7873,7 @@
           </p:nvPr>
         </p:nvPicPr>
         <p:blipFill>
-          <a:blip r:embed="rId2">
+          <a:blip r:embed="rId3">
             <a:extLst>
               <a:ext uri="{28A0092B-C50C-407E-A947-70E740481C1C}">
                 <a14:useLocalDpi xmlns:a14="http://schemas.microsoft.com/office/drawing/2010/main" val="0"/>
@@ -5741,7 +7909,7 @@
           <p:nvPr/>
         </p:nvPicPr>
         <p:blipFill>
-          <a:blip r:embed="rId3"/>
+          <a:blip r:embed="rId4"/>
           <a:stretch>
             <a:fillRect/>
           </a:stretch>
@@ -5771,7 +7939,7 @@
           <p:nvPr/>
         </p:nvPicPr>
         <p:blipFill>
-          <a:blip r:embed="rId4">
+          <a:blip r:embed="rId5">
             <a:alphaModFix amt="38000"/>
             <a:extLst>
               <a:ext uri="{28A0092B-C50C-407E-A947-70E740481C1C}">
@@ -6015,13 +8183,13 @@
   <p:clrMapOvr>
     <a:masterClrMapping/>
   </p:clrMapOvr>
-  <mc:AlternateContent xmlns:mc="http://schemas.openxmlformats.org/markup-compatibility/2006" xmlns:p159="http://schemas.microsoft.com/office/powerpoint/2015/09/main">
-    <mc:Choice Requires="p159">
+  <mc:AlternateContent xmlns:mc="http://schemas.openxmlformats.org/markup-compatibility/2006">
+    <mc:Choice xmlns:p159="http://schemas.microsoft.com/office/powerpoint/2015/09/main" Requires="p159">
       <p:transition xmlns:p14="http://schemas.microsoft.com/office/powerpoint/2010/main" spd="slow" p14:dur="2000">
         <p159:morph option="byObject"/>
       </p:transition>
     </mc:Choice>
-    <mc:Fallback xmlns="">
+    <mc:Fallback>
       <p:transition spd="slow">
         <p:fade/>
       </p:transition>
@@ -6090,7 +8258,7 @@
           <p:nvPr/>
         </p:nvPicPr>
         <p:blipFill>
-          <a:blip r:embed="rId2"/>
+          <a:blip r:embed="rId3"/>
           <a:stretch>
             <a:fillRect/>
           </a:stretch>
@@ -6120,7 +8288,7 @@
           <p:nvPr/>
         </p:nvPicPr>
         <p:blipFill>
-          <a:blip r:embed="rId3"/>
+          <a:blip r:embed="rId4"/>
           <a:stretch>
             <a:fillRect/>
           </a:stretch>
@@ -6150,7 +8318,7 @@
           <p:nvPr/>
         </p:nvPicPr>
         <p:blipFill>
-          <a:blip r:embed="rId4">
+          <a:blip r:embed="rId5">
             <a:alphaModFix amt="38000"/>
             <a:extLst>
               <a:ext uri="{28A0092B-C50C-407E-A947-70E740481C1C}">
@@ -6337,19 +8505,7 @@
               <a:rPr lang="de-DE" dirty="0">
                 <a:sym typeface="Wingdings" panose="05000000000000000000" pitchFamily="2" charset="2"/>
               </a:rPr>
-              <a:t>Anstellwinkel und Geschwindigkeit können nicht beliebig erhöht werden. Es besteht die Gefahr, dass die Luftströmung </a:t>
-            </a:r>
-            <a:r>
-              <a:rPr lang="de-DE" dirty="0" err="1">
-                <a:sym typeface="Wingdings" panose="05000000000000000000" pitchFamily="2" charset="2"/>
-              </a:rPr>
-              <a:t>abreissen</a:t>
-            </a:r>
-            <a:r>
-              <a:rPr lang="de-DE" dirty="0">
-                <a:sym typeface="Wingdings" panose="05000000000000000000" pitchFamily="2" charset="2"/>
-              </a:rPr>
-              <a:t> kann. -&gt; Bildung von Wirbeln </a:t>
+              <a:t>Anstellwinkel und Geschwindigkeit können nicht beliebig erhöht werden. Es besteht die Gefahr, dass die Luftströmung abreisen kann. -&gt; Bildung von Wirbeln </a:t>
             </a:r>
           </a:p>
           <a:p>
@@ -6446,7 +8602,7 @@
           <p:nvPr/>
         </p:nvPicPr>
         <p:blipFill>
-          <a:blip r:embed="rId2"/>
+          <a:blip r:embed="rId3"/>
           <a:stretch>
             <a:fillRect/>
           </a:stretch>
@@ -6576,7 +8732,7 @@
           <p:nvPr/>
         </p:nvPicPr>
         <p:blipFill>
-          <a:blip r:embed="rId3">
+          <a:blip r:embed="rId4">
             <a:alphaModFix amt="38000"/>
             <a:extLst>
               <a:ext uri="{28A0092B-C50C-407E-A947-70E740481C1C}">
@@ -6694,7 +8850,7 @@
           <p:nvPr/>
         </p:nvPicPr>
         <p:blipFill>
-          <a:blip r:embed="rId2"/>
+          <a:blip r:embed="rId3"/>
           <a:stretch>
             <a:fillRect/>
           </a:stretch>
@@ -6812,7 +8968,7 @@
           <p:nvPr/>
         </p:nvPicPr>
         <p:blipFill>
-          <a:blip r:embed="rId3">
+          <a:blip r:embed="rId4">
             <a:alphaModFix amt="38000"/>
             <a:extLst>
               <a:ext uri="{28A0092B-C50C-407E-A947-70E740481C1C}">
@@ -6930,7 +9086,7 @@
           <p:nvPr/>
         </p:nvPicPr>
         <p:blipFill>
-          <a:blip r:embed="rId2"/>
+          <a:blip r:embed="rId3"/>
           <a:stretch>
             <a:fillRect/>
           </a:stretch>
@@ -7057,7 +9213,7 @@
           <p:nvPr/>
         </p:nvPicPr>
         <p:blipFill>
-          <a:blip r:embed="rId3"/>
+          <a:blip r:embed="rId4"/>
           <a:stretch>
             <a:fillRect/>
           </a:stretch>
@@ -7131,7 +9287,7 @@
           <p:nvPr/>
         </p:nvPicPr>
         <p:blipFill>
-          <a:blip r:embed="rId4"/>
+          <a:blip r:embed="rId5"/>
           <a:stretch>
             <a:fillRect/>
           </a:stretch>
@@ -7161,7 +9317,7 @@
           <p:nvPr/>
         </p:nvPicPr>
         <p:blipFill>
-          <a:blip r:embed="rId5">
+          <a:blip r:embed="rId6">
             <a:alphaModFix amt="38000"/>
             <a:extLst>
               <a:ext uri="{28A0092B-C50C-407E-A947-70E740481C1C}">
@@ -7204,13 +9360,13 @@
   <p:clrMapOvr>
     <a:masterClrMapping/>
   </p:clrMapOvr>
-  <mc:AlternateContent xmlns:mc="http://schemas.openxmlformats.org/markup-compatibility/2006" xmlns:p159="http://schemas.microsoft.com/office/powerpoint/2015/09/main">
-    <mc:Choice Requires="p159">
+  <mc:AlternateContent xmlns:mc="http://schemas.openxmlformats.org/markup-compatibility/2006">
+    <mc:Choice xmlns:p159="http://schemas.microsoft.com/office/powerpoint/2015/09/main" Requires="p159">
       <p:transition xmlns:p14="http://schemas.microsoft.com/office/powerpoint/2010/main" spd="slow" p14:dur="2000">
         <p159:morph option="byObject"/>
       </p:transition>
     </mc:Choice>
-    <mc:Fallback xmlns="">
+    <mc:Fallback>
       <p:transition spd="slow">
         <p:fade/>
       </p:transition>
@@ -7279,7 +9435,7 @@
           <p:nvPr/>
         </p:nvPicPr>
         <p:blipFill>
-          <a:blip r:embed="rId2"/>
+          <a:blip r:embed="rId3"/>
           <a:stretch>
             <a:fillRect/>
           </a:stretch>
@@ -7309,7 +9465,7 @@
           <p:nvPr/>
         </p:nvPicPr>
         <p:blipFill>
-          <a:blip r:embed="rId3"/>
+          <a:blip r:embed="rId4"/>
           <a:stretch>
             <a:fillRect/>
           </a:stretch>
@@ -7339,7 +9495,7 @@
           <p:nvPr/>
         </p:nvPicPr>
         <p:blipFill>
-          <a:blip r:embed="rId4">
+          <a:blip r:embed="rId5">
             <a:alphaModFix amt="38000"/>
             <a:extLst>
               <a:ext uri="{28A0092B-C50C-407E-A947-70E740481C1C}">
@@ -7617,7 +9773,7 @@
           <p:nvPr/>
         </p:nvPicPr>
         <p:blipFill>
-          <a:blip r:embed="rId2"/>
+          <a:blip r:embed="rId3"/>
           <a:stretch>
             <a:fillRect/>
           </a:stretch>
@@ -7647,7 +9803,7 @@
           <p:nvPr/>
         </p:nvPicPr>
         <p:blipFill>
-          <a:blip r:embed="rId3"/>
+          <a:blip r:embed="rId4"/>
           <a:stretch>
             <a:fillRect/>
           </a:stretch>
@@ -7736,8 +9892,8 @@
         </p:nvSpPr>
         <p:spPr>
           <a:xfrm>
-            <a:off x="6705602" y="2983045"/>
-            <a:ext cx="3619500" cy="646331"/>
+            <a:off x="6705601" y="2983045"/>
+            <a:ext cx="4093028" cy="646331"/>
           </a:xfrm>
           <a:prstGeom prst="rect">
             <a:avLst/>
@@ -7752,7 +9908,7 @@
           <a:p>
             <a:r>
               <a:rPr lang="de-DE" dirty="0"/>
-              <a:t>Schwebeflug außerhalb Bodeneffekt</a:t>
+              <a:t>Schwebeflug außerhalb des Bodeneffekts</a:t>
             </a:r>
           </a:p>
           <a:p>
@@ -7966,7 +10122,7 @@
           <p:nvPr/>
         </p:nvPicPr>
         <p:blipFill>
-          <a:blip r:embed="rId4">
+          <a:blip r:embed="rId5">
             <a:alphaModFix amt="38000"/>
             <a:extLst>
               <a:ext uri="{28A0092B-C50C-407E-A947-70E740481C1C}">
